--- a/FinalPres.pptx
+++ b/FinalPres.pptx
@@ -9,16 +9,17 @@
     <p:sldId id="257" r:id="rId3"/>
     <p:sldId id="258" r:id="rId4"/>
     <p:sldId id="259" r:id="rId5"/>
-    <p:sldId id="260" r:id="rId6"/>
-    <p:sldId id="261" r:id="rId7"/>
-    <p:sldId id="262" r:id="rId8"/>
-    <p:sldId id="263" r:id="rId9"/>
-    <p:sldId id="264" r:id="rId10"/>
-    <p:sldId id="265" r:id="rId11"/>
-    <p:sldId id="266" r:id="rId12"/>
-    <p:sldId id="267" r:id="rId13"/>
-    <p:sldId id="268" r:id="rId14"/>
-    <p:sldId id="269" r:id="rId15"/>
+    <p:sldId id="270" r:id="rId6"/>
+    <p:sldId id="260" r:id="rId7"/>
+    <p:sldId id="261" r:id="rId8"/>
+    <p:sldId id="262" r:id="rId9"/>
+    <p:sldId id="263" r:id="rId10"/>
+    <p:sldId id="264" r:id="rId11"/>
+    <p:sldId id="265" r:id="rId12"/>
+    <p:sldId id="266" r:id="rId13"/>
+    <p:sldId id="267" r:id="rId14"/>
+    <p:sldId id="268" r:id="rId15"/>
+    <p:sldId id="269" r:id="rId16"/>
   </p:sldIdLst>
   <p:sldSz cx="9144000" cy="6858000" type="screen4x3"/>
   <p:notesSz cx="6858000" cy="9144000"/>
@@ -1288,6 +1289,13 @@
         </dgm:presLayoutVars>
       </dgm:prSet>
       <dgm:spPr/>
+      <dgm:t>
+        <a:bodyPr/>
+        <a:lstStyle/>
+        <a:p>
+          <a:endParaRPr lang="en-US"/>
+        </a:p>
+      </dgm:t>
     </dgm:pt>
     <dgm:pt modelId="{50A2A95D-335B-43E7-987A-53791F1AF16E}" type="pres">
       <dgm:prSet presAssocID="{8D005CD0-CDFA-41E3-862F-5FF0161CAE8C}" presName="linNode" presStyleCnt="0"/>
@@ -1355,6 +1363,13 @@
         </dgm:presLayoutVars>
       </dgm:prSet>
       <dgm:spPr/>
+      <dgm:t>
+        <a:bodyPr/>
+        <a:lstStyle/>
+        <a:p>
+          <a:endParaRPr lang="en-US"/>
+        </a:p>
+      </dgm:t>
     </dgm:pt>
     <dgm:pt modelId="{36114CC4-5731-48D0-B9AF-F99CDF9AD4B6}" type="pres">
       <dgm:prSet presAssocID="{52C283AC-24A4-48A8-9A0C-1FD3DE0F65D2}" presName="sp" presStyleCnt="0"/>
@@ -1372,6 +1387,13 @@
         </dgm:presLayoutVars>
       </dgm:prSet>
       <dgm:spPr/>
+      <dgm:t>
+        <a:bodyPr/>
+        <a:lstStyle/>
+        <a:p>
+          <a:endParaRPr lang="en-US"/>
+        </a:p>
+      </dgm:t>
     </dgm:pt>
     <dgm:pt modelId="{72557EF8-2D8C-4F87-8515-EB3CB258EAA4}" type="pres">
       <dgm:prSet presAssocID="{5D509EA8-2384-4B00-8549-3FB1F5A14B11}" presName="descendantText" presStyleLbl="alignAccFollowNode1" presStyleIdx="2" presStyleCnt="4">
@@ -1404,6 +1426,13 @@
         </dgm:presLayoutVars>
       </dgm:prSet>
       <dgm:spPr/>
+      <dgm:t>
+        <a:bodyPr/>
+        <a:lstStyle/>
+        <a:p>
+          <a:endParaRPr lang="en-US"/>
+        </a:p>
+      </dgm:t>
     </dgm:pt>
     <dgm:pt modelId="{3C24AC3F-4EAF-45C9-9C59-D78E3F00FE37}" type="pres">
       <dgm:prSet presAssocID="{9FB161CD-B1F0-4500-9F03-C5F64852B8C9}" presName="descendantText" presStyleLbl="alignAccFollowNode1" presStyleIdx="3" presStyleCnt="4">
@@ -1424,8 +1453,8 @@
   <dgm:cxnLst>
     <dgm:cxn modelId="{CD599303-353E-4C91-9368-9EB26C56F338}" type="presOf" srcId="{A5CDD2F9-D1C9-48FC-8BAB-852FDA5025EE}" destId="{72557EF8-2D8C-4F87-8515-EB3CB258EAA4}" srcOrd="0" destOrd="0" presId="urn:microsoft.com/office/officeart/2005/8/layout/vList5"/>
     <dgm:cxn modelId="{7EA33D3A-375C-4131-958C-7C3ED66263CA}" srcId="{A8AB5559-07CC-4C1F-8526-830ED26FC943}" destId="{5D509EA8-2384-4B00-8549-3FB1F5A14B11}" srcOrd="2" destOrd="0" parTransId="{408D7012-8911-41D3-B085-1EAC3F92185B}" sibTransId="{4A23B83D-A56C-42BF-95DE-04612EAA9DE8}"/>
+    <dgm:cxn modelId="{575E16B6-D3FB-43C7-B76A-5C3A52DC28BA}" type="presOf" srcId="{0D956E8A-EAE6-45ED-B3ED-4E21A12CE74F}" destId="{9E20A248-6772-4A4F-9212-93A0E1103E46}" srcOrd="0" destOrd="0" presId="urn:microsoft.com/office/officeart/2005/8/layout/vList5"/>
     <dgm:cxn modelId="{1B9EDDD6-B6A1-4DCF-B725-746F76AC8CEA}" type="presOf" srcId="{E82579CC-B136-4A4D-948E-B673E3C31555}" destId="{3C24AC3F-4EAF-45C9-9C59-D78E3F00FE37}" srcOrd="0" destOrd="0" presId="urn:microsoft.com/office/officeart/2005/8/layout/vList5"/>
-    <dgm:cxn modelId="{575E16B6-D3FB-43C7-B76A-5C3A52DC28BA}" type="presOf" srcId="{0D956E8A-EAE6-45ED-B3ED-4E21A12CE74F}" destId="{9E20A248-6772-4A4F-9212-93A0E1103E46}" srcOrd="0" destOrd="0" presId="urn:microsoft.com/office/officeart/2005/8/layout/vList5"/>
     <dgm:cxn modelId="{AB0E6874-B048-4282-AA92-E6F342708C01}" srcId="{8D005CD0-CDFA-41E3-862F-5FF0161CAE8C}" destId="{0D956E8A-EAE6-45ED-B3ED-4E21A12CE74F}" srcOrd="0" destOrd="0" parTransId="{3CD57BE8-8383-4596-97EB-030C8FE2BC7E}" sibTransId="{EFC8F1B7-3A1C-4A63-95D5-35ADBA59D5C4}"/>
     <dgm:cxn modelId="{723F4DD6-3C85-432E-8711-FD55321675D6}" type="presOf" srcId="{08B8D8F3-4B56-4016-B923-304B9D9E5F73}" destId="{3C24AC3F-4EAF-45C9-9C59-D78E3F00FE37}" srcOrd="0" destOrd="1" presId="urn:microsoft.com/office/officeart/2005/8/layout/vList5"/>
     <dgm:cxn modelId="{4967CA84-9448-42C3-8571-04F3C9AD6309}" srcId="{0F3AA4F2-F99F-43D6-AE06-A81C46C6E914}" destId="{EA7CB48F-4A31-4D8C-BA44-C13229AE0C8F}" srcOrd="0" destOrd="0" parTransId="{CC3BB0F7-7B2F-443D-A260-361992CEE112}" sibTransId="{73B3EA52-69D6-4249-8D22-C16A477A0354}"/>
@@ -3634,7 +3663,7 @@
             <a:fld id="{317FDDD4-6A15-45B0-AB37-DE18BDDBFF0E}" type="datetimeFigureOut">
               <a:rPr lang="en-US" smtClean="0"/>
               <a:pPr/>
-              <a:t>12/7/2009</a:t>
+              <a:t>12/8/2009</a:t>
             </a:fld>
             <a:endParaRPr lang="en-US"/>
           </a:p>
@@ -3801,7 +3830,7 @@
             <a:fld id="{317FDDD4-6A15-45B0-AB37-DE18BDDBFF0E}" type="datetimeFigureOut">
               <a:rPr lang="en-US" smtClean="0"/>
               <a:pPr/>
-              <a:t>12/7/2009</a:t>
+              <a:t>12/8/2009</a:t>
             </a:fld>
             <a:endParaRPr lang="en-US"/>
           </a:p>
@@ -3978,7 +4007,7 @@
             <a:fld id="{317FDDD4-6A15-45B0-AB37-DE18BDDBFF0E}" type="datetimeFigureOut">
               <a:rPr lang="en-US" smtClean="0"/>
               <a:pPr/>
-              <a:t>12/7/2009</a:t>
+              <a:t>12/8/2009</a:t>
             </a:fld>
             <a:endParaRPr lang="en-US"/>
           </a:p>
@@ -4145,7 +4174,7 @@
             <a:fld id="{317FDDD4-6A15-45B0-AB37-DE18BDDBFF0E}" type="datetimeFigureOut">
               <a:rPr lang="en-US" smtClean="0"/>
               <a:pPr/>
-              <a:t>12/7/2009</a:t>
+              <a:t>12/8/2009</a:t>
             </a:fld>
             <a:endParaRPr lang="en-US"/>
           </a:p>
@@ -4388,7 +4417,7 @@
             <a:fld id="{317FDDD4-6A15-45B0-AB37-DE18BDDBFF0E}" type="datetimeFigureOut">
               <a:rPr lang="en-US" smtClean="0"/>
               <a:pPr/>
-              <a:t>12/7/2009</a:t>
+              <a:t>12/8/2009</a:t>
             </a:fld>
             <a:endParaRPr lang="en-US"/>
           </a:p>
@@ -4673,7 +4702,7 @@
             <a:fld id="{317FDDD4-6A15-45B0-AB37-DE18BDDBFF0E}" type="datetimeFigureOut">
               <a:rPr lang="en-US" smtClean="0"/>
               <a:pPr/>
-              <a:t>12/7/2009</a:t>
+              <a:t>12/8/2009</a:t>
             </a:fld>
             <a:endParaRPr lang="en-US"/>
           </a:p>
@@ -5092,7 +5121,7 @@
             <a:fld id="{317FDDD4-6A15-45B0-AB37-DE18BDDBFF0E}" type="datetimeFigureOut">
               <a:rPr lang="en-US" smtClean="0"/>
               <a:pPr/>
-              <a:t>12/7/2009</a:t>
+              <a:t>12/8/2009</a:t>
             </a:fld>
             <a:endParaRPr lang="en-US"/>
           </a:p>
@@ -5207,7 +5236,7 @@
             <a:fld id="{317FDDD4-6A15-45B0-AB37-DE18BDDBFF0E}" type="datetimeFigureOut">
               <a:rPr lang="en-US" smtClean="0"/>
               <a:pPr/>
-              <a:t>12/7/2009</a:t>
+              <a:t>12/8/2009</a:t>
             </a:fld>
             <a:endParaRPr lang="en-US"/>
           </a:p>
@@ -5299,7 +5328,7 @@
             <a:fld id="{317FDDD4-6A15-45B0-AB37-DE18BDDBFF0E}" type="datetimeFigureOut">
               <a:rPr lang="en-US" smtClean="0"/>
               <a:pPr/>
-              <a:t>12/7/2009</a:t>
+              <a:t>12/8/2009</a:t>
             </a:fld>
             <a:endParaRPr lang="en-US"/>
           </a:p>
@@ -5573,7 +5602,7 @@
             <a:fld id="{317FDDD4-6A15-45B0-AB37-DE18BDDBFF0E}" type="datetimeFigureOut">
               <a:rPr lang="en-US" smtClean="0"/>
               <a:pPr/>
-              <a:t>12/7/2009</a:t>
+              <a:t>12/8/2009</a:t>
             </a:fld>
             <a:endParaRPr lang="en-US"/>
           </a:p>
@@ -5827,7 +5856,7 @@
             <a:fld id="{317FDDD4-6A15-45B0-AB37-DE18BDDBFF0E}" type="datetimeFigureOut">
               <a:rPr lang="en-US" smtClean="0"/>
               <a:pPr/>
-              <a:t>12/7/2009</a:t>
+              <a:t>12/8/2009</a:t>
             </a:fld>
             <a:endParaRPr lang="en-US"/>
           </a:p>
@@ -6037,7 +6066,7 @@
             <a:fld id="{317FDDD4-6A15-45B0-AB37-DE18BDDBFF0E}" type="datetimeFigureOut">
               <a:rPr lang="en-US" smtClean="0"/>
               <a:pPr/>
-              <a:t>12/7/2009</a:t>
+              <a:t>12/8/2009</a:t>
             </a:fld>
             <a:endParaRPr lang="en-US"/>
           </a:p>
@@ -6580,6 +6609,110 @@
           <a:bodyPr/>
           <a:lstStyle/>
           <a:p>
+            <a:r>
+              <a:rPr lang="en-US" dirty="0" smtClean="0"/>
+              <a:t>Bug Reports</a:t>
+            </a:r>
+            <a:endParaRPr lang="en-US" dirty="0"/>
+          </a:p>
+        </p:txBody>
+      </p:sp>
+      <p:pic>
+        <p:nvPicPr>
+          <p:cNvPr id="3" name="Picture 2" descr="auto-tune logo.jpg"/>
+          <p:cNvPicPr>
+            <a:picLocks noChangeAspect="1"/>
+          </p:cNvPicPr>
+          <p:nvPr/>
+        </p:nvPicPr>
+        <p:blipFill>
+          <a:blip r:embed="rId2" cstate="print"/>
+          <a:stretch>
+            <a:fillRect/>
+          </a:stretch>
+        </p:blipFill>
+        <p:spPr>
+          <a:xfrm>
+            <a:off x="4953000" y="5388772"/>
+            <a:ext cx="4191000" cy="1469228"/>
+          </a:xfrm>
+          <a:prstGeom prst="rect">
+            <a:avLst/>
+          </a:prstGeom>
+        </p:spPr>
+      </p:pic>
+      <p:pic>
+        <p:nvPicPr>
+          <p:cNvPr id="4" name="Picture 3"/>
+          <p:cNvPicPr>
+            <a:picLocks noChangeAspect="1" noChangeArrowheads="1"/>
+          </p:cNvPicPr>
+          <p:nvPr/>
+        </p:nvPicPr>
+        <p:blipFill>
+          <a:blip r:embed="rId3" cstate="print"/>
+          <a:srcRect/>
+          <a:stretch>
+            <a:fillRect/>
+          </a:stretch>
+        </p:blipFill>
+        <p:spPr bwMode="auto">
+          <a:xfrm>
+            <a:off x="-9526" y="0"/>
+            <a:ext cx="9153526" cy="657225"/>
+          </a:xfrm>
+          <a:prstGeom prst="rect">
+            <a:avLst/>
+          </a:prstGeom>
+          <a:noFill/>
+          <a:ln w="9525">
+            <a:noFill/>
+            <a:miter lim="800000"/>
+            <a:headEnd/>
+            <a:tailEnd/>
+          </a:ln>
+        </p:spPr>
+      </p:pic>
+    </p:spTree>
+  </p:cSld>
+  <p:clrMapOvr>
+    <a:masterClrMapping/>
+  </p:clrMapOvr>
+</p:sld>
+</file>
+
+<file path=ppt/slides/slide11.xml><?xml version="1.0" encoding="utf-8"?>
+<p:sld xmlns:a="http://schemas.openxmlformats.org/drawingml/2006/main" xmlns:r="http://schemas.openxmlformats.org/officeDocument/2006/relationships" xmlns:p="http://schemas.openxmlformats.org/presentationml/2006/main">
+  <p:cSld>
+    <p:spTree>
+      <p:nvGrpSpPr>
+        <p:cNvPr id="1" name=""/>
+        <p:cNvGrpSpPr/>
+        <p:nvPr/>
+      </p:nvGrpSpPr>
+      <p:grpSpPr>
+        <a:xfrm>
+          <a:off x="0" y="0"/>
+          <a:ext cx="0" cy="0"/>
+          <a:chOff x="0" y="0"/>
+          <a:chExt cx="0" cy="0"/>
+        </a:xfrm>
+      </p:grpSpPr>
+      <p:sp>
+        <p:nvSpPr>
+          <p:cNvPr id="2" name="Title 1"/>
+          <p:cNvSpPr>
+            <a:spLocks noGrp="1"/>
+          </p:cNvSpPr>
+          <p:nvPr>
+            <p:ph type="title"/>
+          </p:nvPr>
+        </p:nvSpPr>
+        <p:spPr/>
+        <p:txBody>
+          <a:bodyPr/>
+          <a:lstStyle/>
+          <a:p>
             <a:endParaRPr lang="en-US" dirty="0"/>
           </a:p>
         </p:txBody>
@@ -6665,15 +6798,7 @@
             <a:pPr lvl="0"/>
             <a:r>
               <a:rPr lang="en-US" dirty="0" smtClean="0"/>
-              <a:t>P</a:t>
-            </a:r>
-            <a:r>
-              <a:rPr lang="en-US" dirty="0" smtClean="0"/>
-              <a:t>rocess </a:t>
-            </a:r>
-            <a:r>
-              <a:rPr lang="en-US" dirty="0" smtClean="0"/>
-              <a:t>for </a:t>
+              <a:t>Process for </a:t>
             </a:r>
           </a:p>
           <a:p>
@@ -6683,11 +6808,7 @@
             </a:pPr>
             <a:r>
               <a:rPr lang="en-US" dirty="0" smtClean="0"/>
-              <a:t>R</a:t>
-            </a:r>
-            <a:r>
-              <a:rPr lang="en-US" dirty="0" smtClean="0"/>
-              <a:t>equirements</a:t>
+              <a:t>Requirements</a:t>
             </a:r>
           </a:p>
           <a:p>
@@ -6704,11 +6825,7 @@
             </a:pPr>
             <a:r>
               <a:rPr lang="en-US" dirty="0" smtClean="0"/>
-              <a:t>S</a:t>
-            </a:r>
-            <a:r>
-              <a:rPr lang="en-US" dirty="0" smtClean="0"/>
-              <a:t>pecifications </a:t>
+              <a:t>Specifications </a:t>
             </a:r>
           </a:p>
           <a:p>
@@ -6759,11 +6876,7 @@
             </a:pPr>
             <a:r>
               <a:rPr lang="en-US" dirty="0" smtClean="0"/>
-              <a:t>testing and </a:t>
-            </a:r>
-            <a:r>
-              <a:rPr lang="en-US" dirty="0" smtClean="0"/>
-              <a:t>integration</a:t>
+              <a:t>testing and integration</a:t>
             </a:r>
           </a:p>
           <a:p>
@@ -6782,106 +6895,6 @@
           </a:p>
         </p:txBody>
       </p:sp>
-    </p:spTree>
-  </p:cSld>
-  <p:clrMapOvr>
-    <a:masterClrMapping/>
-  </p:clrMapOvr>
-</p:sld>
-</file>
-
-<file path=ppt/slides/slide11.xml><?xml version="1.0" encoding="utf-8"?>
-<p:sld xmlns:a="http://schemas.openxmlformats.org/drawingml/2006/main" xmlns:r="http://schemas.openxmlformats.org/officeDocument/2006/relationships" xmlns:p="http://schemas.openxmlformats.org/presentationml/2006/main">
-  <p:cSld>
-    <p:spTree>
-      <p:nvGrpSpPr>
-        <p:cNvPr id="1" name=""/>
-        <p:cNvGrpSpPr/>
-        <p:nvPr/>
-      </p:nvGrpSpPr>
-      <p:grpSpPr>
-        <a:xfrm>
-          <a:off x="0" y="0"/>
-          <a:ext cx="0" cy="0"/>
-          <a:chOff x="0" y="0"/>
-          <a:chExt cx="0" cy="0"/>
-        </a:xfrm>
-      </p:grpSpPr>
-      <p:sp>
-        <p:nvSpPr>
-          <p:cNvPr id="2" name="Title 1"/>
-          <p:cNvSpPr>
-            <a:spLocks noGrp="1"/>
-          </p:cNvSpPr>
-          <p:nvPr>
-            <p:ph type="title"/>
-          </p:nvPr>
-        </p:nvSpPr>
-        <p:spPr/>
-        <p:txBody>
-          <a:bodyPr/>
-          <a:lstStyle/>
-          <a:p>
-            <a:endParaRPr lang="en-US"/>
-          </a:p>
-        </p:txBody>
-      </p:sp>
-      <p:pic>
-        <p:nvPicPr>
-          <p:cNvPr id="3" name="Picture 2" descr="auto-tune logo.jpg"/>
-          <p:cNvPicPr>
-            <a:picLocks noChangeAspect="1"/>
-          </p:cNvPicPr>
-          <p:nvPr/>
-        </p:nvPicPr>
-        <p:blipFill>
-          <a:blip r:embed="rId2" cstate="print"/>
-          <a:stretch>
-            <a:fillRect/>
-          </a:stretch>
-        </p:blipFill>
-        <p:spPr>
-          <a:xfrm>
-            <a:off x="4953000" y="5388772"/>
-            <a:ext cx="4191000" cy="1469228"/>
-          </a:xfrm>
-          <a:prstGeom prst="rect">
-            <a:avLst/>
-          </a:prstGeom>
-        </p:spPr>
-      </p:pic>
-      <p:pic>
-        <p:nvPicPr>
-          <p:cNvPr id="4" name="Picture 3"/>
-          <p:cNvPicPr>
-            <a:picLocks noChangeAspect="1" noChangeArrowheads="1"/>
-          </p:cNvPicPr>
-          <p:nvPr/>
-        </p:nvPicPr>
-        <p:blipFill>
-          <a:blip r:embed="rId3" cstate="print"/>
-          <a:srcRect/>
-          <a:stretch>
-            <a:fillRect/>
-          </a:stretch>
-        </p:blipFill>
-        <p:spPr bwMode="auto">
-          <a:xfrm>
-            <a:off x="-9526" y="0"/>
-            <a:ext cx="9153526" cy="657225"/>
-          </a:xfrm>
-          <a:prstGeom prst="rect">
-            <a:avLst/>
-          </a:prstGeom>
-          <a:noFill/>
-          <a:ln w="9525">
-            <a:noFill/>
-            <a:miter lim="800000"/>
-            <a:headEnd/>
-            <a:tailEnd/>
-          </a:ln>
-        </p:spPr>
-      </p:pic>
     </p:spTree>
   </p:cSld>
   <p:clrMapOvr>
@@ -7091,6 +7104,106 @@
 </file>
 
 <file path=ppt/slides/slide14.xml><?xml version="1.0" encoding="utf-8"?>
+<p:sld xmlns:a="http://schemas.openxmlformats.org/drawingml/2006/main" xmlns:r="http://schemas.openxmlformats.org/officeDocument/2006/relationships" xmlns:p="http://schemas.openxmlformats.org/presentationml/2006/main">
+  <p:cSld>
+    <p:spTree>
+      <p:nvGrpSpPr>
+        <p:cNvPr id="1" name=""/>
+        <p:cNvGrpSpPr/>
+        <p:nvPr/>
+      </p:nvGrpSpPr>
+      <p:grpSpPr>
+        <a:xfrm>
+          <a:off x="0" y="0"/>
+          <a:ext cx="0" cy="0"/>
+          <a:chOff x="0" y="0"/>
+          <a:chExt cx="0" cy="0"/>
+        </a:xfrm>
+      </p:grpSpPr>
+      <p:sp>
+        <p:nvSpPr>
+          <p:cNvPr id="2" name="Title 1"/>
+          <p:cNvSpPr>
+            <a:spLocks noGrp="1"/>
+          </p:cNvSpPr>
+          <p:nvPr>
+            <p:ph type="title"/>
+          </p:nvPr>
+        </p:nvSpPr>
+        <p:spPr/>
+        <p:txBody>
+          <a:bodyPr/>
+          <a:lstStyle/>
+          <a:p>
+            <a:endParaRPr lang="en-US"/>
+          </a:p>
+        </p:txBody>
+      </p:sp>
+      <p:pic>
+        <p:nvPicPr>
+          <p:cNvPr id="3" name="Picture 2" descr="auto-tune logo.jpg"/>
+          <p:cNvPicPr>
+            <a:picLocks noChangeAspect="1"/>
+          </p:cNvPicPr>
+          <p:nvPr/>
+        </p:nvPicPr>
+        <p:blipFill>
+          <a:blip r:embed="rId2" cstate="print"/>
+          <a:stretch>
+            <a:fillRect/>
+          </a:stretch>
+        </p:blipFill>
+        <p:spPr>
+          <a:xfrm>
+            <a:off x="4953000" y="5388772"/>
+            <a:ext cx="4191000" cy="1469228"/>
+          </a:xfrm>
+          <a:prstGeom prst="rect">
+            <a:avLst/>
+          </a:prstGeom>
+        </p:spPr>
+      </p:pic>
+      <p:pic>
+        <p:nvPicPr>
+          <p:cNvPr id="4" name="Picture 3"/>
+          <p:cNvPicPr>
+            <a:picLocks noChangeAspect="1" noChangeArrowheads="1"/>
+          </p:cNvPicPr>
+          <p:nvPr/>
+        </p:nvPicPr>
+        <p:blipFill>
+          <a:blip r:embed="rId3" cstate="print"/>
+          <a:srcRect/>
+          <a:stretch>
+            <a:fillRect/>
+          </a:stretch>
+        </p:blipFill>
+        <p:spPr bwMode="auto">
+          <a:xfrm>
+            <a:off x="-9526" y="0"/>
+            <a:ext cx="9153526" cy="657225"/>
+          </a:xfrm>
+          <a:prstGeom prst="rect">
+            <a:avLst/>
+          </a:prstGeom>
+          <a:noFill/>
+          <a:ln w="9525">
+            <a:noFill/>
+            <a:miter lim="800000"/>
+            <a:headEnd/>
+            <a:tailEnd/>
+          </a:ln>
+        </p:spPr>
+      </p:pic>
+    </p:spTree>
+  </p:cSld>
+  <p:clrMapOvr>
+    <a:masterClrMapping/>
+  </p:clrMapOvr>
+</p:sld>
+</file>
+
+<file path=ppt/slides/slide15.xml><?xml version="1.0" encoding="utf-8"?>
 <p:sld xmlns:a="http://schemas.openxmlformats.org/drawingml/2006/main" xmlns:r="http://schemas.openxmlformats.org/officeDocument/2006/relationships" xmlns:p="http://schemas.openxmlformats.org/presentationml/2006/main">
   <p:cSld>
     <p:spTree>
@@ -7625,8 +7738,8 @@
         </p:nvSpPr>
         <p:spPr>
           <a:xfrm>
-            <a:off x="685800" y="1447800"/>
-            <a:ext cx="8458200" cy="5909310"/>
+            <a:off x="685800" y="1716881"/>
+            <a:ext cx="8458200" cy="3693319"/>
           </a:xfrm>
           <a:prstGeom prst="rect">
             <a:avLst/>
@@ -7653,20 +7766,10 @@
             </a:r>
           </a:p>
           <a:p>
-            <a:endParaRPr lang="en-US" dirty="0" smtClean="0"/>
-          </a:p>
-          <a:p>
             <a:pPr>
               <a:buFont typeface="Arial" pitchFamily="34" charset="0"/>
               <a:buChar char="•"/>
             </a:pPr>
-            <a:r>
-              <a:rPr lang="en-US" dirty="0" smtClean="0"/>
-              <a:t>mark the car as Pending Sale and the manager could sign off on the price </a:t>
-            </a:r>
-            <a:endParaRPr lang="en-US" dirty="0" smtClean="0"/>
-          </a:p>
-          <a:p>
             <a:endParaRPr lang="en-US" dirty="0" smtClean="0"/>
           </a:p>
           <a:p>
@@ -7676,10 +7779,8 @@
             </a:pPr>
             <a:r>
               <a:rPr lang="en-US" dirty="0" smtClean="0"/>
-              <a:t>manager would remove the car from inventory at the lot </a:t>
-            </a:r>
-          </a:p>
-          <a:p>
+              <a:t>mark the car as Pending Sale and the manager could sign off on the price </a:t>
+            </a:r>
             <a:endParaRPr lang="en-US" dirty="0" smtClean="0"/>
           </a:p>
           <a:p>
@@ -7687,10 +7788,7 @@
               <a:buFont typeface="Arial" pitchFamily="34" charset="0"/>
               <a:buChar char="•"/>
             </a:pPr>
-            <a:r>
-              <a:rPr lang="en-US" dirty="0" smtClean="0"/>
-              <a:t>manager needs to be able to enter new cars into the software </a:t>
-            </a:r>
+            <a:endParaRPr lang="en-US" dirty="0" smtClean="0"/>
           </a:p>
           <a:p>
             <a:pPr>
@@ -7699,18 +7797,16 @@
             </a:pPr>
             <a:r>
               <a:rPr lang="en-US" dirty="0" smtClean="0"/>
-              <a:t>manager should be able to select common features such as the make, model, condition of car </a:t>
-            </a:r>
+              <a:t>manager would remove the car from inventory at the lot </a:t>
+            </a:r>
+            <a:endParaRPr lang="en-US" dirty="0" smtClean="0"/>
           </a:p>
           <a:p>
             <a:pPr>
               <a:buFont typeface="Arial" pitchFamily="34" charset="0"/>
               <a:buChar char="•"/>
             </a:pPr>
-            <a:r>
-              <a:rPr lang="en-US" dirty="0" smtClean="0"/>
-              <a:t>Admin should be able to add new dealerships and new employees, as well as new makes and models </a:t>
-            </a:r>
+            <a:endParaRPr lang="en-US" dirty="0" smtClean="0"/>
           </a:p>
           <a:p>
             <a:pPr>
@@ -7719,18 +7815,16 @@
             </a:pPr>
             <a:r>
               <a:rPr lang="en-US" dirty="0" smtClean="0"/>
-              <a:t>When a dealership is removed, be able to list past employees in a "Limbo" list </a:t>
-            </a:r>
+              <a:t>manager needs to be able to enter new cars into the software </a:t>
+            </a:r>
+            <a:endParaRPr lang="en-US" dirty="0" smtClean="0"/>
           </a:p>
           <a:p>
             <a:pPr>
               <a:buFont typeface="Arial" pitchFamily="34" charset="0"/>
               <a:buChar char="•"/>
             </a:pPr>
-            <a:r>
-              <a:rPr lang="en-US" dirty="0" smtClean="0"/>
-              <a:t>have all dealerships using the same database system </a:t>
-            </a:r>
+            <a:endParaRPr lang="en-US" dirty="0" smtClean="0"/>
           </a:p>
           <a:p>
             <a:pPr>
@@ -7739,18 +7833,16 @@
             </a:pPr>
             <a:r>
               <a:rPr lang="en-US" dirty="0" smtClean="0"/>
-              <a:t>Allow shipping and trading cars between dealership. Have a manager or admin initiate a trade and allow the receiving end to accept or decline </a:t>
-            </a:r>
+              <a:t>manager should be able to select common features such as the make, model, condition of car </a:t>
+            </a:r>
+            <a:endParaRPr lang="en-US" dirty="0" smtClean="0"/>
           </a:p>
           <a:p>
             <a:pPr>
               <a:buFont typeface="Arial" pitchFamily="34" charset="0"/>
               <a:buChar char="•"/>
             </a:pPr>
-            <a:r>
-              <a:rPr lang="en-US" dirty="0" smtClean="0"/>
-              <a:t>Allow other managers or admin to search other dealership's inventory </a:t>
-            </a:r>
+            <a:endParaRPr lang="en-US" dirty="0" smtClean="0"/>
           </a:p>
           <a:p>
             <a:pPr>
@@ -7759,35 +7851,8 @@
             </a:pPr>
             <a:r>
               <a:rPr lang="en-US" dirty="0" smtClean="0"/>
-              <a:t>There should be an internal system of messaging other than email </a:t>
-            </a:r>
-          </a:p>
-          <a:p>
-            <a:pPr>
-              <a:buFont typeface="Arial" pitchFamily="34" charset="0"/>
-              <a:buChar char="•"/>
-            </a:pPr>
-            <a:r>
-              <a:rPr lang="en-US" dirty="0" smtClean="0"/>
-              <a:t>Dealerships should be able to sell other types of vehicles such as boats, RV's, motorcycles, etc. </a:t>
-            </a:r>
-          </a:p>
-          <a:p>
-            <a:pPr>
-              <a:buFont typeface="Arial" pitchFamily="34" charset="0"/>
-              <a:buChar char="•"/>
-            </a:pPr>
-            <a:r>
-              <a:rPr lang="en-US" dirty="0" smtClean="0"/>
-              <a:t>Allow employees to have multiple roles at more than one dealership </a:t>
-            </a:r>
-          </a:p>
-          <a:p>
-            <a:pPr>
-              <a:buFont typeface="Arial" pitchFamily="34" charset="0"/>
-              <a:buChar char="•"/>
-            </a:pPr>
-            <a:endParaRPr lang="en-US" dirty="0"/>
+              <a:t>Admin should be able to add new dealerships and new employees, as well as new makes and models </a:t>
+            </a:r>
           </a:p>
         </p:txBody>
       </p:sp>
@@ -7800,6 +7865,311 @@
 </file>
 
 <file path=ppt/slides/slide5.xml><?xml version="1.0" encoding="utf-8"?>
+<p:sld xmlns:a="http://schemas.openxmlformats.org/drawingml/2006/main" xmlns:r="http://schemas.openxmlformats.org/officeDocument/2006/relationships" xmlns:p="http://schemas.openxmlformats.org/presentationml/2006/main">
+  <p:cSld>
+    <p:spTree>
+      <p:nvGrpSpPr>
+        <p:cNvPr id="1" name=""/>
+        <p:cNvGrpSpPr/>
+        <p:nvPr/>
+      </p:nvGrpSpPr>
+      <p:grpSpPr>
+        <a:xfrm>
+          <a:off x="0" y="0"/>
+          <a:ext cx="0" cy="0"/>
+          <a:chOff x="0" y="0"/>
+          <a:chExt cx="0" cy="0"/>
+        </a:xfrm>
+      </p:grpSpPr>
+      <p:pic>
+        <p:nvPicPr>
+          <p:cNvPr id="3" name="Picture 2" descr="auto-tune logo.jpg"/>
+          <p:cNvPicPr>
+            <a:picLocks noChangeAspect="1"/>
+          </p:cNvPicPr>
+          <p:nvPr/>
+        </p:nvPicPr>
+        <p:blipFill>
+          <a:blip r:embed="rId2" cstate="print"/>
+          <a:stretch>
+            <a:fillRect/>
+          </a:stretch>
+        </p:blipFill>
+        <p:spPr>
+          <a:xfrm>
+            <a:off x="4953000" y="5388772"/>
+            <a:ext cx="4191000" cy="1469228"/>
+          </a:xfrm>
+          <a:prstGeom prst="rect">
+            <a:avLst/>
+          </a:prstGeom>
+        </p:spPr>
+      </p:pic>
+      <p:pic>
+        <p:nvPicPr>
+          <p:cNvPr id="4" name="Picture 3"/>
+          <p:cNvPicPr>
+            <a:picLocks noChangeAspect="1" noChangeArrowheads="1"/>
+          </p:cNvPicPr>
+          <p:nvPr/>
+        </p:nvPicPr>
+        <p:blipFill>
+          <a:blip r:embed="rId3" cstate="print"/>
+          <a:srcRect/>
+          <a:stretch>
+            <a:fillRect/>
+          </a:stretch>
+        </p:blipFill>
+        <p:spPr bwMode="auto">
+          <a:xfrm>
+            <a:off x="-9526" y="0"/>
+            <a:ext cx="9153526" cy="657225"/>
+          </a:xfrm>
+          <a:prstGeom prst="rect">
+            <a:avLst/>
+          </a:prstGeom>
+          <a:noFill/>
+          <a:ln w="9525">
+            <a:noFill/>
+            <a:miter lim="800000"/>
+            <a:headEnd/>
+            <a:tailEnd/>
+          </a:ln>
+        </p:spPr>
+      </p:pic>
+      <p:sp>
+        <p:nvSpPr>
+          <p:cNvPr id="5" name="TextBox 4"/>
+          <p:cNvSpPr txBox="1"/>
+          <p:nvPr/>
+        </p:nvSpPr>
+        <p:spPr>
+          <a:xfrm>
+            <a:off x="685800" y="1295400"/>
+            <a:ext cx="8458200" cy="4524315"/>
+          </a:xfrm>
+          <a:prstGeom prst="rect">
+            <a:avLst/>
+          </a:prstGeom>
+          <a:noFill/>
+        </p:spPr>
+        <p:txBody>
+          <a:bodyPr wrap="square" rtlCol="0">
+            <a:spAutoFit/>
+          </a:bodyPr>
+          <a:lstStyle/>
+          <a:p>
+            <a:pPr>
+              <a:buFont typeface="Arial" pitchFamily="34" charset="0"/>
+              <a:buChar char="•"/>
+            </a:pPr>
+            <a:r>
+              <a:rPr lang="en-US" dirty="0" smtClean="0"/>
+              <a:t>When </a:t>
+            </a:r>
+            <a:r>
+              <a:rPr lang="en-US" dirty="0" smtClean="0"/>
+              <a:t>a dealership is removed, be able to list past employees in a "Limbo" list </a:t>
+            </a:r>
+            <a:endParaRPr lang="en-US" dirty="0" smtClean="0"/>
+          </a:p>
+          <a:p>
+            <a:pPr>
+              <a:buFont typeface="Arial" pitchFamily="34" charset="0"/>
+              <a:buChar char="•"/>
+            </a:pPr>
+            <a:endParaRPr lang="en-US" dirty="0" smtClean="0"/>
+          </a:p>
+          <a:p>
+            <a:pPr>
+              <a:buFont typeface="Arial" pitchFamily="34" charset="0"/>
+              <a:buChar char="•"/>
+            </a:pPr>
+            <a:r>
+              <a:rPr lang="en-US" dirty="0" smtClean="0"/>
+              <a:t>have all dealerships using the same database system </a:t>
+            </a:r>
+            <a:endParaRPr lang="en-US" dirty="0" smtClean="0"/>
+          </a:p>
+          <a:p>
+            <a:pPr>
+              <a:buFont typeface="Arial" pitchFamily="34" charset="0"/>
+              <a:buChar char="•"/>
+            </a:pPr>
+            <a:endParaRPr lang="en-US" dirty="0" smtClean="0"/>
+          </a:p>
+          <a:p>
+            <a:pPr>
+              <a:buFont typeface="Arial" pitchFamily="34" charset="0"/>
+              <a:buChar char="•"/>
+            </a:pPr>
+            <a:r>
+              <a:rPr lang="en-US" dirty="0" smtClean="0"/>
+              <a:t>Allow shipping and trading cars between dealership. Have a manager or admin initiate a trade and allow the receiving end to accept or decline </a:t>
+            </a:r>
+            <a:endParaRPr lang="en-US" dirty="0" smtClean="0"/>
+          </a:p>
+          <a:p>
+            <a:pPr>
+              <a:buFont typeface="Arial" pitchFamily="34" charset="0"/>
+              <a:buChar char="•"/>
+            </a:pPr>
+            <a:endParaRPr lang="en-US" dirty="0" smtClean="0"/>
+          </a:p>
+          <a:p>
+            <a:pPr>
+              <a:buFont typeface="Arial" pitchFamily="34" charset="0"/>
+              <a:buChar char="•"/>
+            </a:pPr>
+            <a:r>
+              <a:rPr lang="en-US" dirty="0" smtClean="0"/>
+              <a:t>Allow other managers or admin to search other dealership's inventory </a:t>
+            </a:r>
+            <a:endParaRPr lang="en-US" dirty="0" smtClean="0"/>
+          </a:p>
+          <a:p>
+            <a:pPr>
+              <a:buFont typeface="Arial" pitchFamily="34" charset="0"/>
+              <a:buChar char="•"/>
+            </a:pPr>
+            <a:endParaRPr lang="en-US" dirty="0" smtClean="0"/>
+          </a:p>
+          <a:p>
+            <a:pPr>
+              <a:buFont typeface="Arial" pitchFamily="34" charset="0"/>
+              <a:buChar char="•"/>
+            </a:pPr>
+            <a:r>
+              <a:rPr lang="en-US" dirty="0" smtClean="0"/>
+              <a:t>There should be an internal system of messaging other than email </a:t>
+            </a:r>
+            <a:endParaRPr lang="en-US" dirty="0" smtClean="0"/>
+          </a:p>
+          <a:p>
+            <a:pPr>
+              <a:buFont typeface="Arial" pitchFamily="34" charset="0"/>
+              <a:buChar char="•"/>
+            </a:pPr>
+            <a:endParaRPr lang="en-US" dirty="0" smtClean="0"/>
+          </a:p>
+          <a:p>
+            <a:pPr>
+              <a:buFont typeface="Arial" pitchFamily="34" charset="0"/>
+              <a:buChar char="•"/>
+            </a:pPr>
+            <a:r>
+              <a:rPr lang="en-US" dirty="0" smtClean="0"/>
+              <a:t>Dealerships should be able to sell other types of vehicles such as boats, RV's, motorcycles, etc. </a:t>
+            </a:r>
+            <a:endParaRPr lang="en-US" dirty="0" smtClean="0"/>
+          </a:p>
+          <a:p>
+            <a:pPr>
+              <a:buFont typeface="Arial" pitchFamily="34" charset="0"/>
+              <a:buChar char="•"/>
+            </a:pPr>
+            <a:endParaRPr lang="en-US" dirty="0" smtClean="0"/>
+          </a:p>
+          <a:p>
+            <a:pPr>
+              <a:buFont typeface="Arial" pitchFamily="34" charset="0"/>
+              <a:buChar char="•"/>
+            </a:pPr>
+            <a:r>
+              <a:rPr lang="en-US" dirty="0" smtClean="0"/>
+              <a:t>Allow employees to have multiple roles at more than one dealership </a:t>
+            </a:r>
+          </a:p>
+          <a:p>
+            <a:pPr>
+              <a:buFont typeface="Arial" pitchFamily="34" charset="0"/>
+              <a:buChar char="•"/>
+            </a:pPr>
+            <a:endParaRPr lang="en-US" dirty="0"/>
+          </a:p>
+        </p:txBody>
+      </p:sp>
+      <p:sp>
+        <p:nvSpPr>
+          <p:cNvPr id="2" name="Title 1"/>
+          <p:cNvSpPr txBox="1">
+            <a:spLocks/>
+          </p:cNvSpPr>
+          <p:nvPr/>
+        </p:nvSpPr>
+        <p:spPr>
+          <a:xfrm>
+            <a:off x="457200" y="457200"/>
+            <a:ext cx="8229600" cy="1143000"/>
+          </a:xfrm>
+          <a:prstGeom prst="rect">
+            <a:avLst/>
+          </a:prstGeom>
+        </p:spPr>
+        <p:txBody>
+          <a:bodyPr/>
+          <a:lstStyle/>
+          <a:p>
+            <a:pPr marL="0" marR="0" lvl="0" indent="0" algn="ctr" defTabSz="914400" rtl="0" eaLnBrk="1" fontAlgn="auto" latinLnBrk="0" hangingPunct="1">
+              <a:lnSpc>
+                <a:spcPct val="100000"/>
+              </a:lnSpc>
+              <a:spcBef>
+                <a:spcPct val="0"/>
+              </a:spcBef>
+              <a:spcAft>
+                <a:spcPts val="0"/>
+              </a:spcAft>
+              <a:buClrTx/>
+              <a:buSzTx/>
+              <a:buFontTx/>
+              <a:buNone/>
+              <a:tabLst/>
+              <a:defRPr/>
+            </a:pPr>
+            <a:r>
+              <a:rPr kumimoji="0" lang="en-US" sz="4400" b="0" i="0" u="none" strike="noStrike" kern="1200" cap="none" spc="0" normalizeH="0" baseline="0" noProof="0" dirty="0" smtClean="0">
+                <a:ln>
+                  <a:noFill/>
+                </a:ln>
+                <a:solidFill>
+                  <a:schemeClr val="tx1"/>
+                </a:solidFill>
+                <a:effectLst/>
+                <a:uLnTx/>
+                <a:uFillTx/>
+                <a:latin typeface="+mj-lt"/>
+                <a:ea typeface="+mj-ea"/>
+                <a:cs typeface="+mj-cs"/>
+              </a:rPr>
+              <a:t>Core Requirements</a:t>
+            </a:r>
+            <a:endParaRPr kumimoji="0" lang="en-US" sz="4400" b="0" i="0" u="none" strike="noStrike" kern="1200" cap="none" spc="0" normalizeH="0" baseline="0" noProof="0" dirty="0">
+              <a:ln>
+                <a:noFill/>
+              </a:ln>
+              <a:solidFill>
+                <a:schemeClr val="tx1"/>
+              </a:solidFill>
+              <a:effectLst/>
+              <a:uLnTx/>
+              <a:uFillTx/>
+              <a:latin typeface="+mj-lt"/>
+              <a:ea typeface="+mj-ea"/>
+              <a:cs typeface="+mj-cs"/>
+            </a:endParaRPr>
+          </a:p>
+        </p:txBody>
+      </p:sp>
+    </p:spTree>
+  </p:cSld>
+  <p:clrMapOvr>
+    <a:masterClrMapping/>
+  </p:clrMapOvr>
+</p:sld>
+</file>
+
+<file path=ppt/slides/slide6.xml><?xml version="1.0" encoding="utf-8"?>
 <p:sld xmlns:a="http://schemas.openxmlformats.org/drawingml/2006/main" xmlns:r="http://schemas.openxmlformats.org/officeDocument/2006/relationships" xmlns:p="http://schemas.openxmlformats.org/presentationml/2006/main">
   <p:cSld>
     <p:spTree>
@@ -7895,6 +8265,64 @@
           </a:ln>
         </p:spPr>
       </p:pic>
+      <p:pic>
+        <p:nvPicPr>
+          <p:cNvPr id="5" name="Picture 4" descr="login.JPG"/>
+          <p:cNvPicPr>
+            <a:picLocks noChangeAspect="1"/>
+          </p:cNvPicPr>
+          <p:nvPr/>
+        </p:nvPicPr>
+        <p:blipFill>
+          <a:blip r:embed="rId4" cstate="print"/>
+          <a:stretch>
+            <a:fillRect/>
+          </a:stretch>
+        </p:blipFill>
+        <p:spPr>
+          <a:xfrm>
+            <a:off x="228601" y="1524000"/>
+            <a:ext cx="4194274" cy="3352800"/>
+          </a:xfrm>
+          <a:prstGeom prst="rect">
+            <a:avLst/>
+          </a:prstGeom>
+          <a:ln w="12700">
+            <a:solidFill>
+              <a:schemeClr val="tx1"/>
+            </a:solidFill>
+          </a:ln>
+        </p:spPr>
+      </p:pic>
+      <p:pic>
+        <p:nvPicPr>
+          <p:cNvPr id="7" name="Picture 6" descr="manager_home.JPG"/>
+          <p:cNvPicPr>
+            <a:picLocks noChangeAspect="1"/>
+          </p:cNvPicPr>
+          <p:nvPr/>
+        </p:nvPicPr>
+        <p:blipFill>
+          <a:blip r:embed="rId5" cstate="print"/>
+          <a:stretch>
+            <a:fillRect/>
+          </a:stretch>
+        </p:blipFill>
+        <p:spPr>
+          <a:xfrm>
+            <a:off x="4648200" y="1524000"/>
+            <a:ext cx="4187725" cy="3352800"/>
+          </a:xfrm>
+          <a:prstGeom prst="rect">
+            <a:avLst/>
+          </a:prstGeom>
+          <a:ln w="12700">
+            <a:solidFill>
+              <a:schemeClr val="tx1"/>
+            </a:solidFill>
+          </a:ln>
+        </p:spPr>
+      </p:pic>
     </p:spTree>
   </p:cSld>
   <p:clrMapOvr>
@@ -7903,7 +8331,7 @@
 </p:sld>
 </file>
 
-<file path=ppt/slides/slide6.xml><?xml version="1.0" encoding="utf-8"?>
+<file path=ppt/slides/slide7.xml><?xml version="1.0" encoding="utf-8"?>
 <p:sld xmlns:a="http://schemas.openxmlformats.org/drawingml/2006/main" xmlns:r="http://schemas.openxmlformats.org/officeDocument/2006/relationships" xmlns:p="http://schemas.openxmlformats.org/presentationml/2006/main">
   <p:cSld>
     <p:spTree>
@@ -7999,6 +8427,61 @@
           </a:ln>
         </p:spPr>
       </p:pic>
+      <p:pic>
+        <p:nvPicPr>
+          <p:cNvPr id="5" name="Picture 4" descr="newdefault.jpg"/>
+          <p:cNvPicPr>
+            <a:picLocks noChangeAspect="1"/>
+          </p:cNvPicPr>
+          <p:nvPr/>
+        </p:nvPicPr>
+        <p:blipFill>
+          <a:blip r:embed="rId4" cstate="print"/>
+          <a:stretch>
+            <a:fillRect/>
+          </a:stretch>
+        </p:blipFill>
+        <p:spPr>
+          <a:xfrm>
+            <a:off x="152400" y="1219200"/>
+            <a:ext cx="4572000" cy="2855270"/>
+          </a:xfrm>
+          <a:prstGeom prst="rect">
+            <a:avLst/>
+          </a:prstGeom>
+        </p:spPr>
+      </p:pic>
+      <p:pic>
+        <p:nvPicPr>
+          <p:cNvPr id="9" name="Picture 8" descr="newmanagerhome.jpg"/>
+          <p:cNvPicPr>
+            <a:picLocks noChangeAspect="1"/>
+          </p:cNvPicPr>
+          <p:nvPr/>
+        </p:nvPicPr>
+        <p:blipFill>
+          <a:blip r:embed="rId5" cstate="print"/>
+          <a:stretch>
+            <a:fillRect/>
+          </a:stretch>
+        </p:blipFill>
+        <p:spPr>
+          <a:xfrm>
+            <a:off x="3962400" y="2362200"/>
+            <a:ext cx="4845937" cy="3026347"/>
+          </a:xfrm>
+          <a:prstGeom prst="rect">
+            <a:avLst/>
+          </a:prstGeom>
+          <a:effectLst>
+            <a:outerShdw blurRad="50800" dist="38100" dir="8100000" algn="tr" rotWithShape="0">
+              <a:prstClr val="black">
+                <a:alpha val="40000"/>
+              </a:prstClr>
+            </a:outerShdw>
+          </a:effectLst>
+        </p:spPr>
+      </p:pic>
     </p:spTree>
   </p:cSld>
   <p:clrMapOvr>
@@ -8007,7 +8490,7 @@
 </p:sld>
 </file>
 
-<file path=ppt/slides/slide7.xml><?xml version="1.0" encoding="utf-8"?>
+<file path=ppt/slides/slide8.xml><?xml version="1.0" encoding="utf-8"?>
 <p:sld xmlns:a="http://schemas.openxmlformats.org/drawingml/2006/main" xmlns:r="http://schemas.openxmlformats.org/officeDocument/2006/relationships" xmlns:p="http://schemas.openxmlformats.org/presentationml/2006/main">
   <p:cSld>
     <p:spTree>
@@ -8103,110 +8586,116 @@
           </a:ln>
         </p:spPr>
       </p:pic>
-    </p:spTree>
-  </p:cSld>
-  <p:clrMapOvr>
-    <a:masterClrMapping/>
-  </p:clrMapOvr>
-</p:sld>
-</file>
-
-<file path=ppt/slides/slide8.xml><?xml version="1.0" encoding="utf-8"?>
-<p:sld xmlns:a="http://schemas.openxmlformats.org/drawingml/2006/main" xmlns:r="http://schemas.openxmlformats.org/officeDocument/2006/relationships" xmlns:p="http://schemas.openxmlformats.org/presentationml/2006/main">
-  <p:cSld>
-    <p:spTree>
-      <p:nvGrpSpPr>
-        <p:cNvPr id="1" name=""/>
-        <p:cNvGrpSpPr/>
-        <p:nvPr/>
-      </p:nvGrpSpPr>
-      <p:grpSpPr>
-        <a:xfrm>
-          <a:off x="0" y="0"/>
-          <a:ext cx="0" cy="0"/>
-          <a:chOff x="0" y="0"/>
-          <a:chExt cx="0" cy="0"/>
-        </a:xfrm>
-      </p:grpSpPr>
-      <p:sp>
-        <p:nvSpPr>
-          <p:cNvPr id="2" name="Title 1"/>
-          <p:cNvSpPr>
-            <a:spLocks noGrp="1"/>
-          </p:cNvSpPr>
-          <p:nvPr>
-            <p:ph type="title"/>
-          </p:nvPr>
-        </p:nvSpPr>
-        <p:spPr/>
-        <p:txBody>
-          <a:bodyPr/>
-          <a:lstStyle/>
-          <a:p>
-            <a:r>
-              <a:rPr lang="en-US" dirty="0" smtClean="0"/>
-              <a:t>Standards</a:t>
-            </a:r>
-            <a:endParaRPr lang="en-US" dirty="0"/>
-          </a:p>
-        </p:txBody>
-      </p:sp>
       <p:pic>
         <p:nvPicPr>
-          <p:cNvPr id="3" name="Picture 2" descr="auto-tune logo.jpg"/>
+          <p:cNvPr id="6" name="Picture 5" descr="BUKI Project Calendar.bmp"/>
           <p:cNvPicPr>
             <a:picLocks noChangeAspect="1"/>
           </p:cNvPicPr>
           <p:nvPr/>
         </p:nvPicPr>
         <p:blipFill>
-          <a:blip r:embed="rId2" cstate="print"/>
+          <a:blip r:embed="rId4" cstate="print"/>
+          <a:srcRect l="3333" t="14000" r="1667" b="52667"/>
           <a:stretch>
             <a:fillRect/>
           </a:stretch>
         </p:blipFill>
         <p:spPr>
           <a:xfrm>
-            <a:off x="4953000" y="5388772"/>
-            <a:ext cx="4191000" cy="1469228"/>
+            <a:off x="0" y="1295400"/>
+            <a:ext cx="9144000" cy="2005263"/>
           </a:xfrm>
           <a:prstGeom prst="rect">
             <a:avLst/>
           </a:prstGeom>
         </p:spPr>
       </p:pic>
-      <p:pic>
-        <p:nvPicPr>
-          <p:cNvPr id="4" name="Picture 3"/>
-          <p:cNvPicPr>
-            <a:picLocks noChangeAspect="1" noChangeArrowheads="1"/>
-          </p:cNvPicPr>
+      <p:sp>
+        <p:nvSpPr>
+          <p:cNvPr id="9" name="TextBox 8"/>
+          <p:cNvSpPr txBox="1"/>
           <p:nvPr/>
-        </p:nvPicPr>
-        <p:blipFill>
-          <a:blip r:embed="rId3" cstate="print"/>
-          <a:srcRect/>
-          <a:stretch>
-            <a:fillRect/>
-          </a:stretch>
-        </p:blipFill>
-        <p:spPr bwMode="auto">
+        </p:nvSpPr>
+        <p:spPr>
           <a:xfrm>
-            <a:off x="-9526" y="0"/>
-            <a:ext cx="9153526" cy="657225"/>
+            <a:off x="0" y="3505200"/>
+            <a:ext cx="9144000" cy="2308324"/>
           </a:xfrm>
           <a:prstGeom prst="rect">
             <a:avLst/>
           </a:prstGeom>
           <a:noFill/>
-          <a:ln w="9525">
-            <a:noFill/>
-            <a:miter lim="800000"/>
-            <a:headEnd/>
-            <a:tailEnd/>
-          </a:ln>
         </p:spPr>
-      </p:pic>
+        <p:txBody>
+          <a:bodyPr wrap="square" rtlCol="0">
+            <a:spAutoFit/>
+          </a:bodyPr>
+          <a:lstStyle/>
+          <a:p>
+            <a:r>
+              <a:rPr lang="en-US" dirty="0" smtClean="0"/>
+              <a:t>initial messaging system involved RSS </a:t>
+            </a:r>
+            <a:r>
+              <a:rPr lang="en-US" dirty="0" smtClean="0"/>
+              <a:t>feed, scrapped </a:t>
+            </a:r>
+            <a:r>
+              <a:rPr lang="en-US" dirty="0" smtClean="0"/>
+              <a:t>in favor storing messages on the database</a:t>
+            </a:r>
+          </a:p>
+          <a:p>
+            <a:endParaRPr lang="en-US" dirty="0" smtClean="0"/>
+          </a:p>
+          <a:p>
+            <a:r>
+              <a:rPr lang="en-US" dirty="0" smtClean="0"/>
+              <a:t>linking db and interface were not implemented until much </a:t>
+            </a:r>
+            <a:r>
+              <a:rPr lang="en-US" dirty="0" smtClean="0"/>
+              <a:t>later, as </a:t>
+            </a:r>
+            <a:r>
+              <a:rPr lang="en-US" dirty="0" smtClean="0"/>
+              <a:t>was the data to be entered</a:t>
+            </a:r>
+          </a:p>
+          <a:p>
+            <a:endParaRPr lang="en-US" dirty="0" smtClean="0"/>
+          </a:p>
+          <a:p>
+            <a:r>
+              <a:rPr lang="en-US" dirty="0" smtClean="0"/>
+              <a:t>general database structure should have been iterative </a:t>
+            </a:r>
+            <a:r>
+              <a:rPr lang="en-US" dirty="0" smtClean="0"/>
+              <a:t>instead, making </a:t>
+            </a:r>
+            <a:r>
+              <a:rPr lang="en-US" dirty="0" smtClean="0"/>
+              <a:t>simple </a:t>
+            </a:r>
+            <a:r>
+              <a:rPr lang="en-US" dirty="0" smtClean="0"/>
+              <a:t>functionality available </a:t>
+            </a:r>
+            <a:r>
+              <a:rPr lang="en-US" dirty="0" smtClean="0"/>
+              <a:t>early in the dev process</a:t>
+            </a:r>
+          </a:p>
+          <a:p>
+            <a:endParaRPr lang="en-US" dirty="0" smtClean="0"/>
+          </a:p>
+          <a:p>
+            <a:endParaRPr lang="en-US" dirty="0"/>
+          </a:p>
+        </p:txBody>
+      </p:sp>
     </p:spTree>
   </p:cSld>
   <p:clrMapOvr>
@@ -8249,7 +8738,7 @@
           <a:p>
             <a:r>
               <a:rPr lang="en-US" dirty="0" smtClean="0"/>
-              <a:t>Bug Reports</a:t>
+              <a:t>Standards</a:t>
             </a:r>
             <a:endParaRPr lang="en-US" dirty="0"/>
           </a:p>

--- a/FinalPres.pptx
+++ b/FinalPres.pptx
@@ -15,11 +15,13 @@
     <p:sldId id="262" r:id="rId9"/>
     <p:sldId id="263" r:id="rId10"/>
     <p:sldId id="264" r:id="rId11"/>
-    <p:sldId id="265" r:id="rId12"/>
-    <p:sldId id="266" r:id="rId13"/>
-    <p:sldId id="267" r:id="rId14"/>
-    <p:sldId id="268" r:id="rId15"/>
-    <p:sldId id="269" r:id="rId16"/>
+    <p:sldId id="271" r:id="rId12"/>
+    <p:sldId id="272" r:id="rId13"/>
+    <p:sldId id="265" r:id="rId14"/>
+    <p:sldId id="266" r:id="rId15"/>
+    <p:sldId id="267" r:id="rId16"/>
+    <p:sldId id="268" r:id="rId17"/>
+    <p:sldId id="269" r:id="rId18"/>
   </p:sldIdLst>
   <p:sldSz cx="9144000" cy="6858000" type="screen4x3"/>
   <p:notesSz cx="6858000" cy="9144000"/>
@@ -3663,7 +3665,7 @@
             <a:fld id="{317FDDD4-6A15-45B0-AB37-DE18BDDBFF0E}" type="datetimeFigureOut">
               <a:rPr lang="en-US" smtClean="0"/>
               <a:pPr/>
-              <a:t>12/8/2009</a:t>
+              <a:t>12/9/2009</a:t>
             </a:fld>
             <a:endParaRPr lang="en-US"/>
           </a:p>
@@ -3830,7 +3832,7 @@
             <a:fld id="{317FDDD4-6A15-45B0-AB37-DE18BDDBFF0E}" type="datetimeFigureOut">
               <a:rPr lang="en-US" smtClean="0"/>
               <a:pPr/>
-              <a:t>12/8/2009</a:t>
+              <a:t>12/9/2009</a:t>
             </a:fld>
             <a:endParaRPr lang="en-US"/>
           </a:p>
@@ -4007,7 +4009,7 @@
             <a:fld id="{317FDDD4-6A15-45B0-AB37-DE18BDDBFF0E}" type="datetimeFigureOut">
               <a:rPr lang="en-US" smtClean="0"/>
               <a:pPr/>
-              <a:t>12/8/2009</a:t>
+              <a:t>12/9/2009</a:t>
             </a:fld>
             <a:endParaRPr lang="en-US"/>
           </a:p>
@@ -4174,7 +4176,7 @@
             <a:fld id="{317FDDD4-6A15-45B0-AB37-DE18BDDBFF0E}" type="datetimeFigureOut">
               <a:rPr lang="en-US" smtClean="0"/>
               <a:pPr/>
-              <a:t>12/8/2009</a:t>
+              <a:t>12/9/2009</a:t>
             </a:fld>
             <a:endParaRPr lang="en-US"/>
           </a:p>
@@ -4417,7 +4419,7 @@
             <a:fld id="{317FDDD4-6A15-45B0-AB37-DE18BDDBFF0E}" type="datetimeFigureOut">
               <a:rPr lang="en-US" smtClean="0"/>
               <a:pPr/>
-              <a:t>12/8/2009</a:t>
+              <a:t>12/9/2009</a:t>
             </a:fld>
             <a:endParaRPr lang="en-US"/>
           </a:p>
@@ -4702,7 +4704,7 @@
             <a:fld id="{317FDDD4-6A15-45B0-AB37-DE18BDDBFF0E}" type="datetimeFigureOut">
               <a:rPr lang="en-US" smtClean="0"/>
               <a:pPr/>
-              <a:t>12/8/2009</a:t>
+              <a:t>12/9/2009</a:t>
             </a:fld>
             <a:endParaRPr lang="en-US"/>
           </a:p>
@@ -5121,7 +5123,7 @@
             <a:fld id="{317FDDD4-6A15-45B0-AB37-DE18BDDBFF0E}" type="datetimeFigureOut">
               <a:rPr lang="en-US" smtClean="0"/>
               <a:pPr/>
-              <a:t>12/8/2009</a:t>
+              <a:t>12/9/2009</a:t>
             </a:fld>
             <a:endParaRPr lang="en-US"/>
           </a:p>
@@ -5236,7 +5238,7 @@
             <a:fld id="{317FDDD4-6A15-45B0-AB37-DE18BDDBFF0E}" type="datetimeFigureOut">
               <a:rPr lang="en-US" smtClean="0"/>
               <a:pPr/>
-              <a:t>12/8/2009</a:t>
+              <a:t>12/9/2009</a:t>
             </a:fld>
             <a:endParaRPr lang="en-US"/>
           </a:p>
@@ -5328,7 +5330,7 @@
             <a:fld id="{317FDDD4-6A15-45B0-AB37-DE18BDDBFF0E}" type="datetimeFigureOut">
               <a:rPr lang="en-US" smtClean="0"/>
               <a:pPr/>
-              <a:t>12/8/2009</a:t>
+              <a:t>12/9/2009</a:t>
             </a:fld>
             <a:endParaRPr lang="en-US"/>
           </a:p>
@@ -5602,7 +5604,7 @@
             <a:fld id="{317FDDD4-6A15-45B0-AB37-DE18BDDBFF0E}" type="datetimeFigureOut">
               <a:rPr lang="en-US" smtClean="0"/>
               <a:pPr/>
-              <a:t>12/8/2009</a:t>
+              <a:t>12/9/2009</a:t>
             </a:fld>
             <a:endParaRPr lang="en-US"/>
           </a:p>
@@ -5856,7 +5858,7 @@
             <a:fld id="{317FDDD4-6A15-45B0-AB37-DE18BDDBFF0E}" type="datetimeFigureOut">
               <a:rPr lang="en-US" smtClean="0"/>
               <a:pPr/>
-              <a:t>12/8/2009</a:t>
+              <a:t>12/9/2009</a:t>
             </a:fld>
             <a:endParaRPr lang="en-US"/>
           </a:p>
@@ -6066,7 +6068,7 @@
             <a:fld id="{317FDDD4-6A15-45B0-AB37-DE18BDDBFF0E}" type="datetimeFigureOut">
               <a:rPr lang="en-US" smtClean="0"/>
               <a:pPr/>
-              <a:t>12/8/2009</a:t>
+              <a:t>12/9/2009</a:t>
             </a:fld>
             <a:endParaRPr lang="en-US"/>
           </a:p>
@@ -6673,6 +6675,129 @@
           </a:ln>
         </p:spPr>
       </p:pic>
+      <p:sp>
+        <p:nvSpPr>
+          <p:cNvPr id="5" name="TextBox 4"/>
+          <p:cNvSpPr txBox="1"/>
+          <p:nvPr/>
+        </p:nvSpPr>
+        <p:spPr>
+          <a:xfrm>
+            <a:off x="381000" y="1447800"/>
+            <a:ext cx="8305800" cy="3416320"/>
+          </a:xfrm>
+          <a:prstGeom prst="rect">
+            <a:avLst/>
+          </a:prstGeom>
+          <a:noFill/>
+        </p:spPr>
+        <p:txBody>
+          <a:bodyPr wrap="square" rtlCol="0">
+            <a:spAutoFit/>
+          </a:bodyPr>
+          <a:lstStyle/>
+          <a:p>
+            <a:r>
+              <a:rPr lang="en-US" dirty="0" smtClean="0"/>
+              <a:t>Some sample issues:</a:t>
+            </a:r>
+          </a:p>
+          <a:p>
+            <a:endParaRPr lang="en-US" dirty="0" smtClean="0"/>
+          </a:p>
+          <a:p>
+            <a:r>
+              <a:rPr lang="en-US" dirty="0" smtClean="0"/>
+              <a:t>PAGE VIEWING ALLOWED WITHOUT LOGGING IN</a:t>
+            </a:r>
+          </a:p>
+          <a:p>
+            <a:endParaRPr lang="en-US" dirty="0" smtClean="0"/>
+          </a:p>
+          <a:p>
+            <a:r>
+              <a:rPr lang="en-US" b="1" dirty="0" smtClean="0"/>
+              <a:t>What steps will reproduce the problem?</a:t>
+            </a:r>
+            <a:r>
+              <a:rPr lang="en-US" dirty="0" smtClean="0"/>
+              <a:t> </a:t>
+            </a:r>
+            <a:endParaRPr lang="en-US" dirty="0" smtClean="0"/>
+          </a:p>
+          <a:p>
+            <a:pPr marL="342900" indent="-342900">
+              <a:buAutoNum type="arabicPeriod"/>
+            </a:pPr>
+            <a:r>
+              <a:rPr lang="en-US" dirty="0" smtClean="0"/>
+              <a:t>try </a:t>
+            </a:r>
+            <a:r>
+              <a:rPr lang="en-US" dirty="0" smtClean="0"/>
+              <a:t>to access a page directly other than from the initial default </a:t>
+            </a:r>
+            <a:r>
+              <a:rPr lang="en-US" dirty="0" smtClean="0"/>
+              <a:t>page</a:t>
+            </a:r>
+          </a:p>
+          <a:p>
+            <a:pPr marL="342900" indent="-342900"/>
+            <a:r>
+              <a:rPr lang="en-US" dirty="0" smtClean="0"/>
+              <a:t> </a:t>
+            </a:r>
+          </a:p>
+          <a:p>
+            <a:pPr marL="342900" indent="-342900"/>
+            <a:r>
+              <a:rPr lang="en-US" b="1" dirty="0" smtClean="0"/>
+              <a:t>What </a:t>
+            </a:r>
+            <a:r>
+              <a:rPr lang="en-US" b="1" dirty="0" smtClean="0"/>
+              <a:t>is the expected output? What do you see instead?</a:t>
+            </a:r>
+            <a:r>
+              <a:rPr lang="en-US" dirty="0" smtClean="0"/>
+              <a:t> </a:t>
+            </a:r>
+            <a:endParaRPr lang="en-US" dirty="0" smtClean="0"/>
+          </a:p>
+          <a:p>
+            <a:pPr marL="342900" indent="-342900"/>
+            <a:r>
+              <a:rPr lang="en-US" dirty="0" smtClean="0"/>
+              <a:t>The </a:t>
+            </a:r>
+            <a:r>
+              <a:rPr lang="en-US" dirty="0" smtClean="0"/>
+              <a:t>user should be rerouted to the login page or an access denied page </a:t>
+            </a:r>
+            <a:endParaRPr lang="en-US" dirty="0" smtClean="0"/>
+          </a:p>
+          <a:p>
+            <a:pPr marL="342900" indent="-342900"/>
+            <a:endParaRPr lang="en-US" dirty="0" smtClean="0"/>
+          </a:p>
+          <a:p>
+            <a:pPr marL="342900" indent="-342900"/>
+            <a:r>
+              <a:rPr lang="en-US" b="1" dirty="0" smtClean="0"/>
+              <a:t>Fixed by…</a:t>
+            </a:r>
+          </a:p>
+          <a:p>
+            <a:pPr marL="342900" indent="-342900"/>
+            <a:r>
+              <a:rPr lang="en-US" dirty="0" smtClean="0"/>
+              <a:t>Rerouting the user to the default.aspx page if they are not logged in</a:t>
+            </a:r>
+            <a:endParaRPr lang="en-US" dirty="0"/>
+          </a:p>
+        </p:txBody>
+      </p:sp>
     </p:spTree>
   </p:cSld>
   <p:clrMapOvr>
@@ -6682,6 +6807,532 @@
 </file>
 
 <file path=ppt/slides/slide11.xml><?xml version="1.0" encoding="utf-8"?>
+<p:sld xmlns:a="http://schemas.openxmlformats.org/drawingml/2006/main" xmlns:r="http://schemas.openxmlformats.org/officeDocument/2006/relationships" xmlns:p="http://schemas.openxmlformats.org/presentationml/2006/main">
+  <p:cSld>
+    <p:spTree>
+      <p:nvGrpSpPr>
+        <p:cNvPr id="1" name=""/>
+        <p:cNvGrpSpPr/>
+        <p:nvPr/>
+      </p:nvGrpSpPr>
+      <p:grpSpPr>
+        <a:xfrm>
+          <a:off x="0" y="0"/>
+          <a:ext cx="0" cy="0"/>
+          <a:chOff x="0" y="0"/>
+          <a:chExt cx="0" cy="0"/>
+        </a:xfrm>
+      </p:grpSpPr>
+      <p:sp>
+        <p:nvSpPr>
+          <p:cNvPr id="3" name="Title 1"/>
+          <p:cNvSpPr>
+            <a:spLocks noGrp="1"/>
+          </p:cNvSpPr>
+          <p:nvPr>
+            <p:ph type="title"/>
+          </p:nvPr>
+        </p:nvSpPr>
+        <p:spPr>
+          <a:xfrm>
+            <a:off x="457200" y="274638"/>
+            <a:ext cx="8229600" cy="1143000"/>
+          </a:xfrm>
+        </p:spPr>
+        <p:txBody>
+          <a:bodyPr/>
+          <a:lstStyle/>
+          <a:p>
+            <a:r>
+              <a:rPr lang="en-US" dirty="0" smtClean="0"/>
+              <a:t>Bug Reports</a:t>
+            </a:r>
+            <a:endParaRPr lang="en-US" dirty="0"/>
+          </a:p>
+        </p:txBody>
+      </p:sp>
+      <p:pic>
+        <p:nvPicPr>
+          <p:cNvPr id="4" name="Picture 3" descr="auto-tune logo.jpg"/>
+          <p:cNvPicPr>
+            <a:picLocks noChangeAspect="1"/>
+          </p:cNvPicPr>
+          <p:nvPr/>
+        </p:nvPicPr>
+        <p:blipFill>
+          <a:blip r:embed="rId2" cstate="print"/>
+          <a:stretch>
+            <a:fillRect/>
+          </a:stretch>
+        </p:blipFill>
+        <p:spPr>
+          <a:xfrm>
+            <a:off x="4953000" y="5388772"/>
+            <a:ext cx="4191000" cy="1469228"/>
+          </a:xfrm>
+          <a:prstGeom prst="rect">
+            <a:avLst/>
+          </a:prstGeom>
+        </p:spPr>
+      </p:pic>
+      <p:pic>
+        <p:nvPicPr>
+          <p:cNvPr id="5" name="Picture 4"/>
+          <p:cNvPicPr>
+            <a:picLocks noChangeAspect="1" noChangeArrowheads="1"/>
+          </p:cNvPicPr>
+          <p:nvPr/>
+        </p:nvPicPr>
+        <p:blipFill>
+          <a:blip r:embed="rId3" cstate="print"/>
+          <a:srcRect/>
+          <a:stretch>
+            <a:fillRect/>
+          </a:stretch>
+        </p:blipFill>
+        <p:spPr bwMode="auto">
+          <a:xfrm>
+            <a:off x="-9526" y="0"/>
+            <a:ext cx="9153526" cy="657225"/>
+          </a:xfrm>
+          <a:prstGeom prst="rect">
+            <a:avLst/>
+          </a:prstGeom>
+          <a:noFill/>
+          <a:ln w="9525">
+            <a:noFill/>
+            <a:miter lim="800000"/>
+            <a:headEnd/>
+            <a:tailEnd/>
+          </a:ln>
+        </p:spPr>
+      </p:pic>
+      <p:sp>
+        <p:nvSpPr>
+          <p:cNvPr id="6" name="TextBox 5"/>
+          <p:cNvSpPr txBox="1"/>
+          <p:nvPr/>
+        </p:nvSpPr>
+        <p:spPr>
+          <a:xfrm>
+            <a:off x="381000" y="1447800"/>
+            <a:ext cx="8305800" cy="3970318"/>
+          </a:xfrm>
+          <a:prstGeom prst="rect">
+            <a:avLst/>
+          </a:prstGeom>
+          <a:noFill/>
+        </p:spPr>
+        <p:txBody>
+          <a:bodyPr wrap="square" rtlCol="0">
+            <a:spAutoFit/>
+          </a:bodyPr>
+          <a:lstStyle/>
+          <a:p>
+            <a:r>
+              <a:rPr lang="en-US" dirty="0" smtClean="0"/>
+              <a:t>Some sample issues:</a:t>
+            </a:r>
+          </a:p>
+          <a:p>
+            <a:endParaRPr lang="en-US" dirty="0" smtClean="0"/>
+          </a:p>
+          <a:p>
+            <a:r>
+              <a:rPr lang="en-US" dirty="0" smtClean="0"/>
+              <a:t>USERNAME NOT DISPLAYED AT LOGIN</a:t>
+            </a:r>
+          </a:p>
+          <a:p>
+            <a:endParaRPr lang="en-US" dirty="0" smtClean="0"/>
+          </a:p>
+          <a:p>
+            <a:r>
+              <a:rPr lang="en-US" b="1" dirty="0" smtClean="0"/>
+              <a:t>What steps will reproduce the problem?</a:t>
+            </a:r>
+            <a:r>
+              <a:rPr lang="en-US" dirty="0" smtClean="0"/>
+              <a:t> </a:t>
+            </a:r>
+            <a:endParaRPr lang="en-US" dirty="0" smtClean="0"/>
+          </a:p>
+          <a:p>
+            <a:pPr marL="342900" indent="-342900">
+              <a:buAutoNum type="arabicPeriod"/>
+            </a:pPr>
+            <a:r>
+              <a:rPr lang="en-US" dirty="0" smtClean="0"/>
+              <a:t>enter </a:t>
+            </a:r>
+            <a:r>
+              <a:rPr lang="en-US" dirty="0" smtClean="0"/>
+              <a:t>username and password at </a:t>
+            </a:r>
+            <a:r>
+              <a:rPr lang="en-US" dirty="0" smtClean="0"/>
+              <a:t>default.aspx</a:t>
+            </a:r>
+          </a:p>
+          <a:p>
+            <a:pPr marL="342900" indent="-342900">
+              <a:buAutoNum type="arabicPeriod"/>
+            </a:pPr>
+            <a:r>
+              <a:rPr lang="en-US" dirty="0" smtClean="0"/>
+              <a:t>click </a:t>
+            </a:r>
+            <a:r>
+              <a:rPr lang="en-US" dirty="0" smtClean="0"/>
+              <a:t>'login' </a:t>
+            </a:r>
+            <a:endParaRPr lang="en-US" dirty="0" smtClean="0"/>
+          </a:p>
+          <a:p>
+            <a:pPr marL="342900" indent="-342900"/>
+            <a:endParaRPr lang="en-US" b="1" dirty="0" smtClean="0"/>
+          </a:p>
+          <a:p>
+            <a:pPr marL="342900" indent="-342900"/>
+            <a:r>
+              <a:rPr lang="en-US" b="1" dirty="0" smtClean="0"/>
+              <a:t>What </a:t>
+            </a:r>
+            <a:r>
+              <a:rPr lang="en-US" b="1" dirty="0" smtClean="0"/>
+              <a:t>is the expected output? What do you see instead?</a:t>
+            </a:r>
+            <a:r>
+              <a:rPr lang="en-US" dirty="0" smtClean="0"/>
+              <a:t> </a:t>
+            </a:r>
+            <a:endParaRPr lang="en-US" dirty="0" smtClean="0"/>
+          </a:p>
+          <a:p>
+            <a:pPr marL="342900" indent="-342900"/>
+            <a:r>
+              <a:rPr lang="en-US" dirty="0" smtClean="0"/>
+              <a:t>The expected output is a label that says "logged in as (username</a:t>
+            </a:r>
+            <a:r>
+              <a:rPr lang="en-US" dirty="0" smtClean="0"/>
+              <a:t>)."  </a:t>
+            </a:r>
+            <a:endParaRPr lang="en-US" dirty="0" smtClean="0"/>
+          </a:p>
+          <a:p>
+            <a:pPr marL="342900" indent="-342900"/>
+            <a:r>
+              <a:rPr lang="en-US" dirty="0" smtClean="0"/>
+              <a:t>Instead, nothing is displayed.</a:t>
+            </a:r>
+          </a:p>
+          <a:p>
+            <a:pPr marL="342900" indent="-342900"/>
+            <a:endParaRPr lang="en-US" dirty="0" smtClean="0"/>
+          </a:p>
+          <a:p>
+            <a:pPr marL="342900" indent="-342900"/>
+            <a:r>
+              <a:rPr lang="en-US" b="1" dirty="0" smtClean="0"/>
+              <a:t>Fixed by…</a:t>
+            </a:r>
+          </a:p>
+          <a:p>
+            <a:pPr marL="342900" indent="-342900"/>
+            <a:r>
+              <a:rPr lang="en-US" dirty="0" smtClean="0"/>
+              <a:t>Adding a label to the ASP “</a:t>
+            </a:r>
+            <a:r>
+              <a:rPr lang="en-US" dirty="0" err="1" smtClean="0"/>
+              <a:t>LabelContentPlaceholder</a:t>
+            </a:r>
+            <a:r>
+              <a:rPr lang="en-US" dirty="0" smtClean="0"/>
+              <a:t>” field.</a:t>
+            </a:r>
+            <a:endParaRPr lang="en-US" dirty="0"/>
+          </a:p>
+        </p:txBody>
+      </p:sp>
+    </p:spTree>
+  </p:cSld>
+  <p:clrMapOvr>
+    <a:masterClrMapping/>
+  </p:clrMapOvr>
+</p:sld>
+</file>
+
+<file path=ppt/slides/slide12.xml><?xml version="1.0" encoding="utf-8"?>
+<p:sld xmlns:a="http://schemas.openxmlformats.org/drawingml/2006/main" xmlns:r="http://schemas.openxmlformats.org/officeDocument/2006/relationships" xmlns:p="http://schemas.openxmlformats.org/presentationml/2006/main">
+  <p:cSld>
+    <p:spTree>
+      <p:nvGrpSpPr>
+        <p:cNvPr id="1" name=""/>
+        <p:cNvGrpSpPr/>
+        <p:nvPr/>
+      </p:nvGrpSpPr>
+      <p:grpSpPr>
+        <a:xfrm>
+          <a:off x="0" y="0"/>
+          <a:ext cx="0" cy="0"/>
+          <a:chOff x="0" y="0"/>
+          <a:chExt cx="0" cy="0"/>
+        </a:xfrm>
+      </p:grpSpPr>
+      <p:sp>
+        <p:nvSpPr>
+          <p:cNvPr id="3" name="Title 1"/>
+          <p:cNvSpPr>
+            <a:spLocks noGrp="1"/>
+          </p:cNvSpPr>
+          <p:nvPr>
+            <p:ph type="title"/>
+          </p:nvPr>
+        </p:nvSpPr>
+        <p:spPr>
+          <a:xfrm>
+            <a:off x="457200" y="274638"/>
+            <a:ext cx="8229600" cy="1143000"/>
+          </a:xfrm>
+        </p:spPr>
+        <p:txBody>
+          <a:bodyPr/>
+          <a:lstStyle/>
+          <a:p>
+            <a:r>
+              <a:rPr lang="en-US" dirty="0" smtClean="0"/>
+              <a:t>Bug Reports</a:t>
+            </a:r>
+            <a:endParaRPr lang="en-US" dirty="0"/>
+          </a:p>
+        </p:txBody>
+      </p:sp>
+      <p:pic>
+        <p:nvPicPr>
+          <p:cNvPr id="4" name="Picture 3" descr="auto-tune logo.jpg"/>
+          <p:cNvPicPr>
+            <a:picLocks noChangeAspect="1"/>
+          </p:cNvPicPr>
+          <p:nvPr/>
+        </p:nvPicPr>
+        <p:blipFill>
+          <a:blip r:embed="rId2" cstate="print"/>
+          <a:stretch>
+            <a:fillRect/>
+          </a:stretch>
+        </p:blipFill>
+        <p:spPr>
+          <a:xfrm>
+            <a:off x="4953000" y="5388772"/>
+            <a:ext cx="4191000" cy="1469228"/>
+          </a:xfrm>
+          <a:prstGeom prst="rect">
+            <a:avLst/>
+          </a:prstGeom>
+        </p:spPr>
+      </p:pic>
+      <p:pic>
+        <p:nvPicPr>
+          <p:cNvPr id="5" name="Picture 4"/>
+          <p:cNvPicPr>
+            <a:picLocks noChangeAspect="1" noChangeArrowheads="1"/>
+          </p:cNvPicPr>
+          <p:nvPr/>
+        </p:nvPicPr>
+        <p:blipFill>
+          <a:blip r:embed="rId3" cstate="print"/>
+          <a:srcRect/>
+          <a:stretch>
+            <a:fillRect/>
+          </a:stretch>
+        </p:blipFill>
+        <p:spPr bwMode="auto">
+          <a:xfrm>
+            <a:off x="-9526" y="0"/>
+            <a:ext cx="9153526" cy="657225"/>
+          </a:xfrm>
+          <a:prstGeom prst="rect">
+            <a:avLst/>
+          </a:prstGeom>
+          <a:noFill/>
+          <a:ln w="9525">
+            <a:noFill/>
+            <a:miter lim="800000"/>
+            <a:headEnd/>
+            <a:tailEnd/>
+          </a:ln>
+        </p:spPr>
+      </p:pic>
+      <p:sp>
+        <p:nvSpPr>
+          <p:cNvPr id="6" name="TextBox 5"/>
+          <p:cNvSpPr txBox="1"/>
+          <p:nvPr/>
+        </p:nvSpPr>
+        <p:spPr>
+          <a:xfrm>
+            <a:off x="381000" y="1447800"/>
+            <a:ext cx="8305800" cy="3970318"/>
+          </a:xfrm>
+          <a:prstGeom prst="rect">
+            <a:avLst/>
+          </a:prstGeom>
+          <a:noFill/>
+        </p:spPr>
+        <p:txBody>
+          <a:bodyPr wrap="square" rtlCol="0">
+            <a:spAutoFit/>
+          </a:bodyPr>
+          <a:lstStyle/>
+          <a:p>
+            <a:r>
+              <a:rPr lang="en-US" dirty="0" smtClean="0"/>
+              <a:t>Some sample issues:</a:t>
+            </a:r>
+          </a:p>
+          <a:p>
+            <a:endParaRPr lang="en-US" dirty="0" smtClean="0"/>
+          </a:p>
+          <a:p>
+            <a:r>
+              <a:rPr lang="en-US" dirty="0" smtClean="0"/>
+              <a:t>MESSAGING PAGE LINK NOT DISPLAYED AS A BUTTON</a:t>
+            </a:r>
+          </a:p>
+          <a:p>
+            <a:endParaRPr lang="en-US" dirty="0" smtClean="0"/>
+          </a:p>
+          <a:p>
+            <a:r>
+              <a:rPr lang="en-US" b="1" dirty="0" smtClean="0"/>
+              <a:t>What steps will reproduce the problem?</a:t>
+            </a:r>
+            <a:r>
+              <a:rPr lang="en-US" dirty="0" smtClean="0"/>
+              <a:t> </a:t>
+            </a:r>
+            <a:endParaRPr lang="en-US" dirty="0" smtClean="0"/>
+          </a:p>
+          <a:p>
+            <a:pPr marL="342900" indent="-342900">
+              <a:buAutoNum type="arabicPeriod"/>
+            </a:pPr>
+            <a:r>
+              <a:rPr lang="en-US" dirty="0" smtClean="0"/>
+              <a:t>log </a:t>
+            </a:r>
+            <a:r>
+              <a:rPr lang="en-US" dirty="0" smtClean="0"/>
+              <a:t>in with username and </a:t>
+            </a:r>
+            <a:r>
+              <a:rPr lang="en-US" dirty="0" smtClean="0"/>
+              <a:t>password</a:t>
+            </a:r>
+          </a:p>
+          <a:p>
+            <a:pPr marL="342900" indent="-342900">
+              <a:buAutoNum type="arabicPeriod"/>
+            </a:pPr>
+            <a:r>
+              <a:rPr lang="en-US" dirty="0" smtClean="0"/>
+              <a:t>click </a:t>
+            </a:r>
+            <a:r>
+              <a:rPr lang="en-US" dirty="0" smtClean="0"/>
+              <a:t>on the "Messaging" link at the top of the </a:t>
+            </a:r>
+            <a:r>
+              <a:rPr lang="en-US" dirty="0" smtClean="0"/>
+              <a:t>page</a:t>
+            </a:r>
+          </a:p>
+          <a:p>
+            <a:pPr marL="342900" indent="-342900"/>
+            <a:endParaRPr lang="en-US" b="1" dirty="0" smtClean="0"/>
+          </a:p>
+          <a:p>
+            <a:pPr marL="342900" indent="-342900"/>
+            <a:r>
+              <a:rPr lang="en-US" b="1" dirty="0" smtClean="0"/>
+              <a:t>What </a:t>
+            </a:r>
+            <a:r>
+              <a:rPr lang="en-US" b="1" dirty="0" smtClean="0"/>
+              <a:t>is the expected output? What do you see instead?</a:t>
+            </a:r>
+            <a:r>
+              <a:rPr lang="en-US" dirty="0" smtClean="0"/>
+              <a:t> </a:t>
+            </a:r>
+            <a:endParaRPr lang="en-US" dirty="0" smtClean="0"/>
+          </a:p>
+          <a:p>
+            <a:pPr marL="342900" indent="-342900"/>
+            <a:r>
+              <a:rPr lang="en-US" dirty="0" smtClean="0"/>
+              <a:t>The message link should be displayed as a white rectangle labeled with the </a:t>
+            </a:r>
+            <a:r>
+              <a:rPr lang="en-US" dirty="0" smtClean="0"/>
+              <a:t>word</a:t>
+            </a:r>
+          </a:p>
+          <a:p>
+            <a:pPr marL="342900" indent="-342900"/>
+            <a:r>
+              <a:rPr lang="en-US" dirty="0" smtClean="0"/>
+              <a:t>"Messaging</a:t>
+            </a:r>
+            <a:r>
+              <a:rPr lang="en-US" dirty="0" smtClean="0"/>
+              <a:t>." Instead it's just displayed as text</a:t>
+            </a:r>
+            <a:r>
+              <a:rPr lang="en-US" dirty="0" smtClean="0"/>
+              <a:t>.</a:t>
+            </a:r>
+          </a:p>
+          <a:p>
+            <a:pPr marL="342900" indent="-342900"/>
+            <a:endParaRPr lang="en-US" dirty="0" smtClean="0"/>
+          </a:p>
+          <a:p>
+            <a:pPr marL="342900" indent="-342900"/>
+            <a:r>
+              <a:rPr lang="en-US" b="1" dirty="0" smtClean="0"/>
+              <a:t>Fixed by…</a:t>
+            </a:r>
+          </a:p>
+          <a:p>
+            <a:pPr marL="342900" indent="-342900"/>
+            <a:r>
+              <a:rPr lang="en-US" dirty="0" smtClean="0"/>
+              <a:t>Changing the type of the messaging link to </a:t>
+            </a:r>
+            <a:r>
+              <a:rPr lang="en-US" dirty="0" err="1" smtClean="0"/>
+              <a:t>LinkButton</a:t>
+            </a:r>
+            <a:r>
+              <a:rPr lang="en-US" dirty="0" smtClean="0"/>
+              <a:t> and setting its class to “active”</a:t>
+            </a:r>
+            <a:endParaRPr lang="en-US" dirty="0"/>
+          </a:p>
+        </p:txBody>
+      </p:sp>
+    </p:spTree>
+  </p:cSld>
+  <p:clrMapOvr>
+    <a:masterClrMapping/>
+  </p:clrMapOvr>
+</p:sld>
+</file>
+
+<file path=ppt/slides/slide13.xml><?xml version="1.0" encoding="utf-8"?>
 <p:sld xmlns:a="http://schemas.openxmlformats.org/drawingml/2006/main" xmlns:r="http://schemas.openxmlformats.org/officeDocument/2006/relationships" xmlns:p="http://schemas.openxmlformats.org/presentationml/2006/main">
   <p:cSld>
     <p:spTree>
@@ -6903,206 +7554,6 @@
 </p:sld>
 </file>
 
-<file path=ppt/slides/slide12.xml><?xml version="1.0" encoding="utf-8"?>
-<p:sld xmlns:a="http://schemas.openxmlformats.org/drawingml/2006/main" xmlns:r="http://schemas.openxmlformats.org/officeDocument/2006/relationships" xmlns:p="http://schemas.openxmlformats.org/presentationml/2006/main">
-  <p:cSld>
-    <p:spTree>
-      <p:nvGrpSpPr>
-        <p:cNvPr id="1" name=""/>
-        <p:cNvGrpSpPr/>
-        <p:nvPr/>
-      </p:nvGrpSpPr>
-      <p:grpSpPr>
-        <a:xfrm>
-          <a:off x="0" y="0"/>
-          <a:ext cx="0" cy="0"/>
-          <a:chOff x="0" y="0"/>
-          <a:chExt cx="0" cy="0"/>
-        </a:xfrm>
-      </p:grpSpPr>
-      <p:sp>
-        <p:nvSpPr>
-          <p:cNvPr id="2" name="Title 1"/>
-          <p:cNvSpPr>
-            <a:spLocks noGrp="1"/>
-          </p:cNvSpPr>
-          <p:nvPr>
-            <p:ph type="title"/>
-          </p:nvPr>
-        </p:nvSpPr>
-        <p:spPr/>
-        <p:txBody>
-          <a:bodyPr/>
-          <a:lstStyle/>
-          <a:p>
-            <a:endParaRPr lang="en-US"/>
-          </a:p>
-        </p:txBody>
-      </p:sp>
-      <p:pic>
-        <p:nvPicPr>
-          <p:cNvPr id="3" name="Picture 2" descr="auto-tune logo.jpg"/>
-          <p:cNvPicPr>
-            <a:picLocks noChangeAspect="1"/>
-          </p:cNvPicPr>
-          <p:nvPr/>
-        </p:nvPicPr>
-        <p:blipFill>
-          <a:blip r:embed="rId2" cstate="print"/>
-          <a:stretch>
-            <a:fillRect/>
-          </a:stretch>
-        </p:blipFill>
-        <p:spPr>
-          <a:xfrm>
-            <a:off x="4953000" y="5388772"/>
-            <a:ext cx="4191000" cy="1469228"/>
-          </a:xfrm>
-          <a:prstGeom prst="rect">
-            <a:avLst/>
-          </a:prstGeom>
-        </p:spPr>
-      </p:pic>
-      <p:pic>
-        <p:nvPicPr>
-          <p:cNvPr id="4" name="Picture 3"/>
-          <p:cNvPicPr>
-            <a:picLocks noChangeAspect="1" noChangeArrowheads="1"/>
-          </p:cNvPicPr>
-          <p:nvPr/>
-        </p:nvPicPr>
-        <p:blipFill>
-          <a:blip r:embed="rId3" cstate="print"/>
-          <a:srcRect/>
-          <a:stretch>
-            <a:fillRect/>
-          </a:stretch>
-        </p:blipFill>
-        <p:spPr bwMode="auto">
-          <a:xfrm>
-            <a:off x="-9526" y="0"/>
-            <a:ext cx="9153526" cy="657225"/>
-          </a:xfrm>
-          <a:prstGeom prst="rect">
-            <a:avLst/>
-          </a:prstGeom>
-          <a:noFill/>
-          <a:ln w="9525">
-            <a:noFill/>
-            <a:miter lim="800000"/>
-            <a:headEnd/>
-            <a:tailEnd/>
-          </a:ln>
-        </p:spPr>
-      </p:pic>
-    </p:spTree>
-  </p:cSld>
-  <p:clrMapOvr>
-    <a:masterClrMapping/>
-  </p:clrMapOvr>
-</p:sld>
-</file>
-
-<file path=ppt/slides/slide13.xml><?xml version="1.0" encoding="utf-8"?>
-<p:sld xmlns:a="http://schemas.openxmlformats.org/drawingml/2006/main" xmlns:r="http://schemas.openxmlformats.org/officeDocument/2006/relationships" xmlns:p="http://schemas.openxmlformats.org/presentationml/2006/main">
-  <p:cSld>
-    <p:spTree>
-      <p:nvGrpSpPr>
-        <p:cNvPr id="1" name=""/>
-        <p:cNvGrpSpPr/>
-        <p:nvPr/>
-      </p:nvGrpSpPr>
-      <p:grpSpPr>
-        <a:xfrm>
-          <a:off x="0" y="0"/>
-          <a:ext cx="0" cy="0"/>
-          <a:chOff x="0" y="0"/>
-          <a:chExt cx="0" cy="0"/>
-        </a:xfrm>
-      </p:grpSpPr>
-      <p:sp>
-        <p:nvSpPr>
-          <p:cNvPr id="2" name="Title 1"/>
-          <p:cNvSpPr>
-            <a:spLocks noGrp="1"/>
-          </p:cNvSpPr>
-          <p:nvPr>
-            <p:ph type="title"/>
-          </p:nvPr>
-        </p:nvSpPr>
-        <p:spPr/>
-        <p:txBody>
-          <a:bodyPr/>
-          <a:lstStyle/>
-          <a:p>
-            <a:endParaRPr lang="en-US"/>
-          </a:p>
-        </p:txBody>
-      </p:sp>
-      <p:pic>
-        <p:nvPicPr>
-          <p:cNvPr id="3" name="Picture 2" descr="auto-tune logo.jpg"/>
-          <p:cNvPicPr>
-            <a:picLocks noChangeAspect="1"/>
-          </p:cNvPicPr>
-          <p:nvPr/>
-        </p:nvPicPr>
-        <p:blipFill>
-          <a:blip r:embed="rId2" cstate="print"/>
-          <a:stretch>
-            <a:fillRect/>
-          </a:stretch>
-        </p:blipFill>
-        <p:spPr>
-          <a:xfrm>
-            <a:off x="4953000" y="5388772"/>
-            <a:ext cx="4191000" cy="1469228"/>
-          </a:xfrm>
-          <a:prstGeom prst="rect">
-            <a:avLst/>
-          </a:prstGeom>
-        </p:spPr>
-      </p:pic>
-      <p:pic>
-        <p:nvPicPr>
-          <p:cNvPr id="4" name="Picture 3"/>
-          <p:cNvPicPr>
-            <a:picLocks noChangeAspect="1" noChangeArrowheads="1"/>
-          </p:cNvPicPr>
-          <p:nvPr/>
-        </p:nvPicPr>
-        <p:blipFill>
-          <a:blip r:embed="rId3" cstate="print"/>
-          <a:srcRect/>
-          <a:stretch>
-            <a:fillRect/>
-          </a:stretch>
-        </p:blipFill>
-        <p:spPr bwMode="auto">
-          <a:xfrm>
-            <a:off x="-9526" y="0"/>
-            <a:ext cx="9153526" cy="657225"/>
-          </a:xfrm>
-          <a:prstGeom prst="rect">
-            <a:avLst/>
-          </a:prstGeom>
-          <a:noFill/>
-          <a:ln w="9525">
-            <a:noFill/>
-            <a:miter lim="800000"/>
-            <a:headEnd/>
-            <a:tailEnd/>
-          </a:ln>
-        </p:spPr>
-      </p:pic>
-    </p:spTree>
-  </p:cSld>
-  <p:clrMapOvr>
-    <a:masterClrMapping/>
-  </p:clrMapOvr>
-</p:sld>
-</file>
-
 <file path=ppt/slides/slide14.xml><?xml version="1.0" encoding="utf-8"?>
 <p:sld xmlns:a="http://schemas.openxmlformats.org/drawingml/2006/main" xmlns:r="http://schemas.openxmlformats.org/officeDocument/2006/relationships" xmlns:p="http://schemas.openxmlformats.org/presentationml/2006/main">
   <p:cSld>
@@ -7204,6 +7655,206 @@
 </file>
 
 <file path=ppt/slides/slide15.xml><?xml version="1.0" encoding="utf-8"?>
+<p:sld xmlns:a="http://schemas.openxmlformats.org/drawingml/2006/main" xmlns:r="http://schemas.openxmlformats.org/officeDocument/2006/relationships" xmlns:p="http://schemas.openxmlformats.org/presentationml/2006/main">
+  <p:cSld>
+    <p:spTree>
+      <p:nvGrpSpPr>
+        <p:cNvPr id="1" name=""/>
+        <p:cNvGrpSpPr/>
+        <p:nvPr/>
+      </p:nvGrpSpPr>
+      <p:grpSpPr>
+        <a:xfrm>
+          <a:off x="0" y="0"/>
+          <a:ext cx="0" cy="0"/>
+          <a:chOff x="0" y="0"/>
+          <a:chExt cx="0" cy="0"/>
+        </a:xfrm>
+      </p:grpSpPr>
+      <p:sp>
+        <p:nvSpPr>
+          <p:cNvPr id="2" name="Title 1"/>
+          <p:cNvSpPr>
+            <a:spLocks noGrp="1"/>
+          </p:cNvSpPr>
+          <p:nvPr>
+            <p:ph type="title"/>
+          </p:nvPr>
+        </p:nvSpPr>
+        <p:spPr/>
+        <p:txBody>
+          <a:bodyPr/>
+          <a:lstStyle/>
+          <a:p>
+            <a:endParaRPr lang="en-US"/>
+          </a:p>
+        </p:txBody>
+      </p:sp>
+      <p:pic>
+        <p:nvPicPr>
+          <p:cNvPr id="3" name="Picture 2" descr="auto-tune logo.jpg"/>
+          <p:cNvPicPr>
+            <a:picLocks noChangeAspect="1"/>
+          </p:cNvPicPr>
+          <p:nvPr/>
+        </p:nvPicPr>
+        <p:blipFill>
+          <a:blip r:embed="rId2" cstate="print"/>
+          <a:stretch>
+            <a:fillRect/>
+          </a:stretch>
+        </p:blipFill>
+        <p:spPr>
+          <a:xfrm>
+            <a:off x="4953000" y="5388772"/>
+            <a:ext cx="4191000" cy="1469228"/>
+          </a:xfrm>
+          <a:prstGeom prst="rect">
+            <a:avLst/>
+          </a:prstGeom>
+        </p:spPr>
+      </p:pic>
+      <p:pic>
+        <p:nvPicPr>
+          <p:cNvPr id="4" name="Picture 3"/>
+          <p:cNvPicPr>
+            <a:picLocks noChangeAspect="1" noChangeArrowheads="1"/>
+          </p:cNvPicPr>
+          <p:nvPr/>
+        </p:nvPicPr>
+        <p:blipFill>
+          <a:blip r:embed="rId3" cstate="print"/>
+          <a:srcRect/>
+          <a:stretch>
+            <a:fillRect/>
+          </a:stretch>
+        </p:blipFill>
+        <p:spPr bwMode="auto">
+          <a:xfrm>
+            <a:off x="-9526" y="0"/>
+            <a:ext cx="9153526" cy="657225"/>
+          </a:xfrm>
+          <a:prstGeom prst="rect">
+            <a:avLst/>
+          </a:prstGeom>
+          <a:noFill/>
+          <a:ln w="9525">
+            <a:noFill/>
+            <a:miter lim="800000"/>
+            <a:headEnd/>
+            <a:tailEnd/>
+          </a:ln>
+        </p:spPr>
+      </p:pic>
+    </p:spTree>
+  </p:cSld>
+  <p:clrMapOvr>
+    <a:masterClrMapping/>
+  </p:clrMapOvr>
+</p:sld>
+</file>
+
+<file path=ppt/slides/slide16.xml><?xml version="1.0" encoding="utf-8"?>
+<p:sld xmlns:a="http://schemas.openxmlformats.org/drawingml/2006/main" xmlns:r="http://schemas.openxmlformats.org/officeDocument/2006/relationships" xmlns:p="http://schemas.openxmlformats.org/presentationml/2006/main">
+  <p:cSld>
+    <p:spTree>
+      <p:nvGrpSpPr>
+        <p:cNvPr id="1" name=""/>
+        <p:cNvGrpSpPr/>
+        <p:nvPr/>
+      </p:nvGrpSpPr>
+      <p:grpSpPr>
+        <a:xfrm>
+          <a:off x="0" y="0"/>
+          <a:ext cx="0" cy="0"/>
+          <a:chOff x="0" y="0"/>
+          <a:chExt cx="0" cy="0"/>
+        </a:xfrm>
+      </p:grpSpPr>
+      <p:sp>
+        <p:nvSpPr>
+          <p:cNvPr id="2" name="Title 1"/>
+          <p:cNvSpPr>
+            <a:spLocks noGrp="1"/>
+          </p:cNvSpPr>
+          <p:nvPr>
+            <p:ph type="title"/>
+          </p:nvPr>
+        </p:nvSpPr>
+        <p:spPr/>
+        <p:txBody>
+          <a:bodyPr/>
+          <a:lstStyle/>
+          <a:p>
+            <a:endParaRPr lang="en-US"/>
+          </a:p>
+        </p:txBody>
+      </p:sp>
+      <p:pic>
+        <p:nvPicPr>
+          <p:cNvPr id="3" name="Picture 2" descr="auto-tune logo.jpg"/>
+          <p:cNvPicPr>
+            <a:picLocks noChangeAspect="1"/>
+          </p:cNvPicPr>
+          <p:nvPr/>
+        </p:nvPicPr>
+        <p:blipFill>
+          <a:blip r:embed="rId2" cstate="print"/>
+          <a:stretch>
+            <a:fillRect/>
+          </a:stretch>
+        </p:blipFill>
+        <p:spPr>
+          <a:xfrm>
+            <a:off x="4953000" y="5388772"/>
+            <a:ext cx="4191000" cy="1469228"/>
+          </a:xfrm>
+          <a:prstGeom prst="rect">
+            <a:avLst/>
+          </a:prstGeom>
+        </p:spPr>
+      </p:pic>
+      <p:pic>
+        <p:nvPicPr>
+          <p:cNvPr id="4" name="Picture 3"/>
+          <p:cNvPicPr>
+            <a:picLocks noChangeAspect="1" noChangeArrowheads="1"/>
+          </p:cNvPicPr>
+          <p:nvPr/>
+        </p:nvPicPr>
+        <p:blipFill>
+          <a:blip r:embed="rId3" cstate="print"/>
+          <a:srcRect/>
+          <a:stretch>
+            <a:fillRect/>
+          </a:stretch>
+        </p:blipFill>
+        <p:spPr bwMode="auto">
+          <a:xfrm>
+            <a:off x="-9526" y="0"/>
+            <a:ext cx="9153526" cy="657225"/>
+          </a:xfrm>
+          <a:prstGeom prst="rect">
+            <a:avLst/>
+          </a:prstGeom>
+          <a:noFill/>
+          <a:ln w="9525">
+            <a:noFill/>
+            <a:miter lim="800000"/>
+            <a:headEnd/>
+            <a:tailEnd/>
+          </a:ln>
+        </p:spPr>
+      </p:pic>
+    </p:spTree>
+  </p:cSld>
+  <p:clrMapOvr>
+    <a:masterClrMapping/>
+  </p:clrMapOvr>
+</p:sld>
+</file>
+
+<file path=ppt/slides/slide17.xml><?xml version="1.0" encoding="utf-8"?>
 <p:sld xmlns:a="http://schemas.openxmlformats.org/drawingml/2006/main" xmlns:r="http://schemas.openxmlformats.org/officeDocument/2006/relationships" xmlns:p="http://schemas.openxmlformats.org/presentationml/2006/main">
   <p:cSld>
     <p:spTree>
@@ -7758,11 +8409,7 @@
             </a:pPr>
             <a:r>
               <a:rPr lang="en-US" dirty="0" smtClean="0"/>
-              <a:t>provide a salesperson with various prices for the </a:t>
-            </a:r>
-            <a:r>
-              <a:rPr lang="en-US" dirty="0" smtClean="0"/>
-              <a:t>car</a:t>
+              <a:t>provide a salesperson with various prices for the car</a:t>
             </a:r>
           </a:p>
           <a:p>
@@ -7781,7 +8428,6 @@
               <a:rPr lang="en-US" dirty="0" smtClean="0"/>
               <a:t>mark the car as Pending Sale and the manager could sign off on the price </a:t>
             </a:r>
-            <a:endParaRPr lang="en-US" dirty="0" smtClean="0"/>
           </a:p>
           <a:p>
             <a:pPr>
@@ -7799,7 +8445,6 @@
               <a:rPr lang="en-US" dirty="0" smtClean="0"/>
               <a:t>manager would remove the car from inventory at the lot </a:t>
             </a:r>
-            <a:endParaRPr lang="en-US" dirty="0" smtClean="0"/>
           </a:p>
           <a:p>
             <a:pPr>
@@ -7817,7 +8462,6 @@
               <a:rPr lang="en-US" dirty="0" smtClean="0"/>
               <a:t>manager needs to be able to enter new cars into the software </a:t>
             </a:r>
-            <a:endParaRPr lang="en-US" dirty="0" smtClean="0"/>
           </a:p>
           <a:p>
             <a:pPr>
@@ -7835,7 +8479,6 @@
               <a:rPr lang="en-US" dirty="0" smtClean="0"/>
               <a:t>manager should be able to select common features such as the make, model, condition of car </a:t>
             </a:r>
-            <a:endParaRPr lang="en-US" dirty="0" smtClean="0"/>
           </a:p>
           <a:p>
             <a:pPr>
@@ -7965,13 +8608,8 @@
             </a:pPr>
             <a:r>
               <a:rPr lang="en-US" dirty="0" smtClean="0"/>
-              <a:t>When </a:t>
-            </a:r>
-            <a:r>
-              <a:rPr lang="en-US" dirty="0" smtClean="0"/>
-              <a:t>a dealership is removed, be able to list past employees in a "Limbo" list </a:t>
-            </a:r>
-            <a:endParaRPr lang="en-US" dirty="0" smtClean="0"/>
+              <a:t>When a dealership is removed, be able to list past employees in a "Limbo" list </a:t>
+            </a:r>
           </a:p>
           <a:p>
             <a:pPr>
@@ -7989,7 +8627,6 @@
               <a:rPr lang="en-US" dirty="0" smtClean="0"/>
               <a:t>have all dealerships using the same database system </a:t>
             </a:r>
-            <a:endParaRPr lang="en-US" dirty="0" smtClean="0"/>
           </a:p>
           <a:p>
             <a:pPr>
@@ -8007,7 +8644,6 @@
               <a:rPr lang="en-US" dirty="0" smtClean="0"/>
               <a:t>Allow shipping and trading cars between dealership. Have a manager or admin initiate a trade and allow the receiving end to accept or decline </a:t>
             </a:r>
-            <a:endParaRPr lang="en-US" dirty="0" smtClean="0"/>
           </a:p>
           <a:p>
             <a:pPr>
@@ -8025,7 +8661,6 @@
               <a:rPr lang="en-US" dirty="0" smtClean="0"/>
               <a:t>Allow other managers or admin to search other dealership's inventory </a:t>
             </a:r>
-            <a:endParaRPr lang="en-US" dirty="0" smtClean="0"/>
           </a:p>
           <a:p>
             <a:pPr>
@@ -8043,7 +8678,6 @@
               <a:rPr lang="en-US" dirty="0" smtClean="0"/>
               <a:t>There should be an internal system of messaging other than email </a:t>
             </a:r>
-            <a:endParaRPr lang="en-US" dirty="0" smtClean="0"/>
           </a:p>
           <a:p>
             <a:pPr>
@@ -8061,7 +8695,6 @@
               <a:rPr lang="en-US" dirty="0" smtClean="0"/>
               <a:t>Dealerships should be able to sell other types of vehicles such as boats, RV's, motorcycles, etc. </a:t>
             </a:r>
-            <a:endParaRPr lang="en-US" dirty="0" smtClean="0"/>
           </a:p>
           <a:p>
             <a:pPr>
@@ -8524,7 +9157,7 @@
           <a:p>
             <a:r>
               <a:rPr lang="en-US" dirty="0" smtClean="0"/>
-              <a:t>Schedule</a:t>
+              <a:t>Schedule and Planning</a:t>
             </a:r>
             <a:endParaRPr lang="en-US" dirty="0"/>
           </a:p>
@@ -8620,7 +9253,7 @@
         <p:spPr>
           <a:xfrm>
             <a:off x="0" y="3505200"/>
-            <a:ext cx="9144000" cy="2308324"/>
+            <a:ext cx="9144000" cy="1200329"/>
           </a:xfrm>
           <a:prstGeom prst="rect">
             <a:avLst/>
@@ -8635,64 +9268,14 @@
           <a:p>
             <a:r>
               <a:rPr lang="en-US" dirty="0" smtClean="0"/>
-              <a:t>initial messaging system involved RSS </a:t>
-            </a:r>
-            <a:r>
-              <a:rPr lang="en-US" dirty="0" smtClean="0"/>
-              <a:t>feed, scrapped </a:t>
-            </a:r>
-            <a:r>
-              <a:rPr lang="en-US" dirty="0" smtClean="0"/>
-              <a:t>in favor storing messages on the database</a:t>
+              <a:t>Initial plan called for generalized database that could be implemented across a wide range of applications</a:t>
             </a:r>
           </a:p>
           <a:p>
             <a:endParaRPr lang="en-US" dirty="0" smtClean="0"/>
           </a:p>
           <a:p>
-            <a:r>
-              <a:rPr lang="en-US" dirty="0" smtClean="0"/>
-              <a:t>linking db and interface were not implemented until much </a:t>
-            </a:r>
-            <a:r>
-              <a:rPr lang="en-US" dirty="0" smtClean="0"/>
-              <a:t>later, as </a:t>
-            </a:r>
-            <a:r>
-              <a:rPr lang="en-US" dirty="0" smtClean="0"/>
-              <a:t>was the data to be entered</a:t>
-            </a:r>
-          </a:p>
-          <a:p>
             <a:endParaRPr lang="en-US" dirty="0" smtClean="0"/>
-          </a:p>
-          <a:p>
-            <a:r>
-              <a:rPr lang="en-US" dirty="0" smtClean="0"/>
-              <a:t>general database structure should have been iterative </a:t>
-            </a:r>
-            <a:r>
-              <a:rPr lang="en-US" dirty="0" smtClean="0"/>
-              <a:t>instead, making </a:t>
-            </a:r>
-            <a:r>
-              <a:rPr lang="en-US" dirty="0" smtClean="0"/>
-              <a:t>simple </a:t>
-            </a:r>
-            <a:r>
-              <a:rPr lang="en-US" dirty="0" smtClean="0"/>
-              <a:t>functionality available </a:t>
-            </a:r>
-            <a:r>
-              <a:rPr lang="en-US" dirty="0" smtClean="0"/>
-              <a:t>early in the dev process</a:t>
-            </a:r>
-          </a:p>
-          <a:p>
-            <a:endParaRPr lang="en-US" dirty="0" smtClean="0"/>
-          </a:p>
-          <a:p>
-            <a:endParaRPr lang="en-US" dirty="0"/>
           </a:p>
         </p:txBody>
       </p:sp>
@@ -8800,6 +9383,102 @@
           </a:ln>
         </p:spPr>
       </p:pic>
+      <p:sp>
+        <p:nvSpPr>
+          <p:cNvPr id="5" name="TextBox 4"/>
+          <p:cNvSpPr txBox="1"/>
+          <p:nvPr/>
+        </p:nvSpPr>
+        <p:spPr>
+          <a:xfrm>
+            <a:off x="533400" y="1371600"/>
+            <a:ext cx="8077200" cy="3970318"/>
+          </a:xfrm>
+          <a:prstGeom prst="rect">
+            <a:avLst/>
+          </a:prstGeom>
+          <a:noFill/>
+        </p:spPr>
+        <p:txBody>
+          <a:bodyPr wrap="square" rtlCol="0">
+            <a:spAutoFit/>
+          </a:bodyPr>
+          <a:lstStyle/>
+          <a:p>
+            <a:r>
+              <a:rPr lang="en-US" dirty="0" smtClean="0"/>
+              <a:t>Coding:</a:t>
+            </a:r>
+          </a:p>
+          <a:p>
+            <a:r>
+              <a:rPr lang="en-US" dirty="0" smtClean="0"/>
+              <a:t>Stick with default convention for each language utilized (ASPX, HTML)</a:t>
+            </a:r>
+          </a:p>
+          <a:p>
+            <a:r>
+              <a:rPr lang="en-US" dirty="0" smtClean="0"/>
+              <a:t>Keep uniform variable names format, tabbing and bracketing</a:t>
+            </a:r>
+          </a:p>
+          <a:p>
+            <a:r>
+              <a:rPr lang="en-US" dirty="0" smtClean="0"/>
+              <a:t>Develop in the Visual Studio environment for consistency</a:t>
+            </a:r>
+          </a:p>
+          <a:p>
+            <a:endParaRPr lang="en-US" dirty="0" smtClean="0"/>
+          </a:p>
+          <a:p>
+            <a:endParaRPr lang="en-US" dirty="0" smtClean="0"/>
+          </a:p>
+          <a:p>
+            <a:r>
+              <a:rPr lang="en-US" dirty="0" smtClean="0"/>
+              <a:t>Bugs:</a:t>
+            </a:r>
+          </a:p>
+          <a:p>
+            <a:r>
+              <a:rPr lang="en-US" dirty="0" smtClean="0"/>
+              <a:t>Submitted through Google Code page using default format</a:t>
+            </a:r>
+          </a:p>
+          <a:p>
+            <a:endParaRPr lang="en-US" dirty="0" smtClean="0"/>
+          </a:p>
+          <a:p>
+            <a:endParaRPr lang="en-US" dirty="0" smtClean="0"/>
+          </a:p>
+          <a:p>
+            <a:r>
+              <a:rPr lang="en-US" dirty="0" smtClean="0"/>
+              <a:t>Subversion:</a:t>
+            </a:r>
+          </a:p>
+          <a:p>
+            <a:r>
+              <a:rPr lang="en-US" dirty="0" smtClean="0"/>
+              <a:t>Check for conflicts in the repository before committing large code changes</a:t>
+            </a:r>
+          </a:p>
+          <a:p>
+            <a:r>
+              <a:rPr lang="en-US" dirty="0" smtClean="0"/>
+              <a:t>Notify group members when changes have been committed</a:t>
+            </a:r>
+          </a:p>
+          <a:p>
+            <a:r>
+              <a:rPr lang="en-US" dirty="0" smtClean="0"/>
+              <a:t>Update the repository with most recent changes before beginning a work session </a:t>
+            </a:r>
+            <a:endParaRPr lang="en-US" dirty="0"/>
+          </a:p>
+        </p:txBody>
+      </p:sp>
     </p:spTree>
   </p:cSld>
   <p:clrMapOvr>

--- a/FinalPres.pptx
+++ b/FinalPres.pptx
@@ -7586,7 +7586,11 @@
           <a:bodyPr/>
           <a:lstStyle/>
           <a:p>
-            <a:endParaRPr lang="en-US"/>
+            <a:r>
+              <a:rPr lang="en-US" dirty="0" smtClean="0"/>
+              <a:t>Testing</a:t>
+            </a:r>
+            <a:endParaRPr lang="en-US" dirty="0"/>
           </a:p>
         </p:txBody>
       </p:sp>
@@ -9253,7 +9257,7 @@
         <p:spPr>
           <a:xfrm>
             <a:off x="0" y="3505200"/>
-            <a:ext cx="9144000" cy="1200329"/>
+            <a:ext cx="9144000" cy="2031325"/>
           </a:xfrm>
           <a:prstGeom prst="rect">
             <a:avLst/>
@@ -9275,6 +9279,19 @@
             <a:endParaRPr lang="en-US" dirty="0" smtClean="0"/>
           </a:p>
           <a:p>
+            <a:r>
+              <a:rPr lang="en-US" dirty="0" smtClean="0"/>
+              <a:t>Modular planning model utilized to maximize initial group member autonomy and productivity</a:t>
+            </a:r>
+          </a:p>
+          <a:p>
+            <a:endParaRPr lang="en-US" dirty="0" smtClean="0"/>
+          </a:p>
+          <a:p>
+            <a:r>
+              <a:rPr lang="en-US" dirty="0" smtClean="0"/>
+              <a:t>Extensive testing period planned for final phase rather than per-unit testing as new portions were integrated</a:t>
+            </a:r>
             <a:endParaRPr lang="en-US" dirty="0" smtClean="0"/>
           </a:p>
         </p:txBody>

--- a/FinalPres.pptx
+++ b/FinalPres.pptx
@@ -10,18 +10,19 @@
     <p:sldId id="258" r:id="rId4"/>
     <p:sldId id="259" r:id="rId5"/>
     <p:sldId id="270" r:id="rId6"/>
-    <p:sldId id="260" r:id="rId7"/>
-    <p:sldId id="261" r:id="rId8"/>
-    <p:sldId id="262" r:id="rId9"/>
-    <p:sldId id="263" r:id="rId10"/>
-    <p:sldId id="264" r:id="rId11"/>
-    <p:sldId id="271" r:id="rId12"/>
-    <p:sldId id="272" r:id="rId13"/>
-    <p:sldId id="265" r:id="rId14"/>
-    <p:sldId id="266" r:id="rId15"/>
-    <p:sldId id="267" r:id="rId16"/>
-    <p:sldId id="268" r:id="rId17"/>
-    <p:sldId id="269" r:id="rId18"/>
+    <p:sldId id="273" r:id="rId7"/>
+    <p:sldId id="260" r:id="rId8"/>
+    <p:sldId id="261" r:id="rId9"/>
+    <p:sldId id="262" r:id="rId10"/>
+    <p:sldId id="263" r:id="rId11"/>
+    <p:sldId id="264" r:id="rId12"/>
+    <p:sldId id="271" r:id="rId13"/>
+    <p:sldId id="272" r:id="rId14"/>
+    <p:sldId id="265" r:id="rId15"/>
+    <p:sldId id="266" r:id="rId16"/>
+    <p:sldId id="267" r:id="rId17"/>
+    <p:sldId id="268" r:id="rId18"/>
+    <p:sldId id="269" r:id="rId19"/>
   </p:sldIdLst>
   <p:sldSz cx="9144000" cy="6858000" type="screen4x3"/>
   <p:notesSz cx="6858000" cy="9144000"/>
@@ -6613,6 +6614,272 @@
           <a:p>
             <a:r>
               <a:rPr lang="en-US" dirty="0" smtClean="0"/>
+              <a:t>Management and Standards</a:t>
+            </a:r>
+            <a:endParaRPr lang="en-US" dirty="0"/>
+          </a:p>
+        </p:txBody>
+      </p:sp>
+      <p:pic>
+        <p:nvPicPr>
+          <p:cNvPr id="3" name="Picture 2" descr="auto-tune logo.jpg"/>
+          <p:cNvPicPr>
+            <a:picLocks noChangeAspect="1"/>
+          </p:cNvPicPr>
+          <p:nvPr/>
+        </p:nvPicPr>
+        <p:blipFill>
+          <a:blip r:embed="rId2" cstate="print"/>
+          <a:stretch>
+            <a:fillRect/>
+          </a:stretch>
+        </p:blipFill>
+        <p:spPr>
+          <a:xfrm>
+            <a:off x="4953000" y="5388772"/>
+            <a:ext cx="4191000" cy="1469228"/>
+          </a:xfrm>
+          <a:prstGeom prst="rect">
+            <a:avLst/>
+          </a:prstGeom>
+        </p:spPr>
+      </p:pic>
+      <p:pic>
+        <p:nvPicPr>
+          <p:cNvPr id="4" name="Picture 3"/>
+          <p:cNvPicPr>
+            <a:picLocks noChangeAspect="1" noChangeArrowheads="1"/>
+          </p:cNvPicPr>
+          <p:nvPr/>
+        </p:nvPicPr>
+        <p:blipFill>
+          <a:blip r:embed="rId3" cstate="print"/>
+          <a:srcRect/>
+          <a:stretch>
+            <a:fillRect/>
+          </a:stretch>
+        </p:blipFill>
+        <p:spPr bwMode="auto">
+          <a:xfrm>
+            <a:off x="-9526" y="0"/>
+            <a:ext cx="9153526" cy="657225"/>
+          </a:xfrm>
+          <a:prstGeom prst="rect">
+            <a:avLst/>
+          </a:prstGeom>
+          <a:noFill/>
+          <a:ln w="9525">
+            <a:noFill/>
+            <a:miter lim="800000"/>
+            <a:headEnd/>
+            <a:tailEnd/>
+          </a:ln>
+        </p:spPr>
+      </p:pic>
+      <p:sp>
+        <p:nvSpPr>
+          <p:cNvPr id="5" name="TextBox 4"/>
+          <p:cNvSpPr txBox="1"/>
+          <p:nvPr/>
+        </p:nvSpPr>
+        <p:spPr>
+          <a:xfrm>
+            <a:off x="533400" y="1371600"/>
+            <a:ext cx="8077200" cy="3970318"/>
+          </a:xfrm>
+          <a:prstGeom prst="rect">
+            <a:avLst/>
+          </a:prstGeom>
+          <a:noFill/>
+        </p:spPr>
+        <p:txBody>
+          <a:bodyPr wrap="square" rtlCol="0">
+            <a:spAutoFit/>
+          </a:bodyPr>
+          <a:lstStyle/>
+          <a:p>
+            <a:r>
+              <a:rPr lang="en-US" dirty="0" smtClean="0"/>
+              <a:t>Coding:</a:t>
+            </a:r>
+          </a:p>
+          <a:p>
+            <a:r>
+              <a:rPr lang="en-US" dirty="0" smtClean="0"/>
+              <a:t>Stick with default convention for each language utilized (ASPX, HTML)</a:t>
+            </a:r>
+          </a:p>
+          <a:p>
+            <a:r>
+              <a:rPr lang="en-US" dirty="0" smtClean="0"/>
+              <a:t>Keep uniform variable names format, tabbing and bracketing</a:t>
+            </a:r>
+          </a:p>
+          <a:p>
+            <a:r>
+              <a:rPr lang="en-US" dirty="0" smtClean="0"/>
+              <a:t>Develop in the Visual Studio environment for consistency</a:t>
+            </a:r>
+          </a:p>
+          <a:p>
+            <a:endParaRPr lang="en-US" dirty="0" smtClean="0"/>
+          </a:p>
+          <a:p>
+            <a:endParaRPr lang="en-US" dirty="0" smtClean="0"/>
+          </a:p>
+          <a:p>
+            <a:r>
+              <a:rPr lang="en-US" dirty="0" smtClean="0"/>
+              <a:t>Bugs:</a:t>
+            </a:r>
+          </a:p>
+          <a:p>
+            <a:r>
+              <a:rPr lang="en-US" dirty="0" smtClean="0"/>
+              <a:t>Submitted through Google Code page using default format</a:t>
+            </a:r>
+          </a:p>
+          <a:p>
+            <a:endParaRPr lang="en-US" dirty="0" smtClean="0"/>
+          </a:p>
+          <a:p>
+            <a:endParaRPr lang="en-US" dirty="0" smtClean="0"/>
+          </a:p>
+          <a:p>
+            <a:r>
+              <a:rPr lang="en-US" dirty="0" smtClean="0"/>
+              <a:t>Subversion:</a:t>
+            </a:r>
+          </a:p>
+          <a:p>
+            <a:r>
+              <a:rPr lang="en-US" dirty="0" smtClean="0"/>
+              <a:t>Check for conflicts in the repository before committing large code changes</a:t>
+            </a:r>
+          </a:p>
+          <a:p>
+            <a:r>
+              <a:rPr lang="en-US" dirty="0" smtClean="0"/>
+              <a:t>Notify group members when changes have been committed</a:t>
+            </a:r>
+          </a:p>
+          <a:p>
+            <a:r>
+              <a:rPr lang="en-US" dirty="0" smtClean="0"/>
+              <a:t>Update the repository with most recent changes before beginning a work session </a:t>
+            </a:r>
+            <a:endParaRPr lang="en-US" dirty="0"/>
+          </a:p>
+        </p:txBody>
+      </p:sp>
+      <p:sp>
+        <p:nvSpPr>
+          <p:cNvPr id="6" name="TextBox 5"/>
+          <p:cNvSpPr txBox="1"/>
+          <p:nvPr/>
+        </p:nvSpPr>
+        <p:spPr>
+          <a:xfrm>
+            <a:off x="533400" y="5791200"/>
+            <a:ext cx="4343400" cy="369332"/>
+          </a:xfrm>
+          <a:prstGeom prst="rect">
+            <a:avLst/>
+          </a:prstGeom>
+          <a:noFill/>
+        </p:spPr>
+        <p:txBody>
+          <a:bodyPr wrap="square" rtlCol="0">
+            <a:spAutoFit/>
+          </a:bodyPr>
+          <a:lstStyle/>
+          <a:p>
+            <a:r>
+              <a:rPr lang="en-US" dirty="0" smtClean="0"/>
+              <a:t>Management:  Loose	Structured</a:t>
+            </a:r>
+            <a:endParaRPr lang="en-US" dirty="0"/>
+          </a:p>
+        </p:txBody>
+      </p:sp>
+      <p:cxnSp>
+        <p:nvCxnSpPr>
+          <p:cNvPr id="8" name="Straight Arrow Connector 7"/>
+          <p:cNvCxnSpPr/>
+          <p:nvPr/>
+        </p:nvCxnSpPr>
+        <p:spPr>
+          <a:xfrm>
+            <a:off x="2667000" y="6018212"/>
+            <a:ext cx="609600" cy="1588"/>
+          </a:xfrm>
+          <a:prstGeom prst="straightConnector1">
+            <a:avLst/>
+          </a:prstGeom>
+          <a:ln w="38100">
+            <a:solidFill>
+              <a:schemeClr val="tx1"/>
+            </a:solidFill>
+            <a:tailEnd type="arrow"/>
+          </a:ln>
+        </p:spPr>
+        <p:style>
+          <a:lnRef idx="1">
+            <a:schemeClr val="accent1"/>
+          </a:lnRef>
+          <a:fillRef idx="0">
+            <a:schemeClr val="accent1"/>
+          </a:fillRef>
+          <a:effectRef idx="0">
+            <a:schemeClr val="accent1"/>
+          </a:effectRef>
+          <a:fontRef idx="minor">
+            <a:schemeClr val="tx1"/>
+          </a:fontRef>
+        </p:style>
+      </p:cxnSp>
+    </p:spTree>
+  </p:cSld>
+  <p:clrMapOvr>
+    <a:masterClrMapping/>
+  </p:clrMapOvr>
+</p:sld>
+</file>
+
+<file path=ppt/slides/slide11.xml><?xml version="1.0" encoding="utf-8"?>
+<p:sld xmlns:a="http://schemas.openxmlformats.org/drawingml/2006/main" xmlns:r="http://schemas.openxmlformats.org/officeDocument/2006/relationships" xmlns:p="http://schemas.openxmlformats.org/presentationml/2006/main">
+  <p:cSld>
+    <p:spTree>
+      <p:nvGrpSpPr>
+        <p:cNvPr id="1" name=""/>
+        <p:cNvGrpSpPr/>
+        <p:nvPr/>
+      </p:nvGrpSpPr>
+      <p:grpSpPr>
+        <a:xfrm>
+          <a:off x="0" y="0"/>
+          <a:ext cx="0" cy="0"/>
+          <a:chOff x="0" y="0"/>
+          <a:chExt cx="0" cy="0"/>
+        </a:xfrm>
+      </p:grpSpPr>
+      <p:sp>
+        <p:nvSpPr>
+          <p:cNvPr id="2" name="Title 1"/>
+          <p:cNvSpPr>
+            <a:spLocks noGrp="1"/>
+          </p:cNvSpPr>
+          <p:nvPr>
+            <p:ph type="title"/>
+          </p:nvPr>
+        </p:nvSpPr>
+        <p:spPr/>
+        <p:txBody>
+          <a:bodyPr/>
+          <a:lstStyle/>
+          <a:p>
+            <a:r>
+              <a:rPr lang="en-US" dirty="0" smtClean="0"/>
               <a:t>Bug Reports</a:t>
             </a:r>
             <a:endParaRPr lang="en-US" dirty="0"/>
@@ -6806,7 +7073,7 @@
 </p:sld>
 </file>
 
-<file path=ppt/slides/slide11.xml><?xml version="1.0" encoding="utf-8"?>
+<file path=ppt/slides/slide12.xml><?xml version="1.0" encoding="utf-8"?>
 <p:sld xmlns:a="http://schemas.openxmlformats.org/drawingml/2006/main" xmlns:r="http://schemas.openxmlformats.org/officeDocument/2006/relationships" xmlns:p="http://schemas.openxmlformats.org/presentationml/2006/main">
   <p:cSld>
     <p:spTree>
@@ -7064,7 +7331,7 @@
 </p:sld>
 </file>
 
-<file path=ppt/slides/slide12.xml><?xml version="1.0" encoding="utf-8"?>
+<file path=ppt/slides/slide13.xml><?xml version="1.0" encoding="utf-8"?>
 <p:sld xmlns:a="http://schemas.openxmlformats.org/drawingml/2006/main" xmlns:r="http://schemas.openxmlformats.org/officeDocument/2006/relationships" xmlns:p="http://schemas.openxmlformats.org/presentationml/2006/main">
   <p:cSld>
     <p:spTree>
@@ -7332,7 +7599,7 @@
 </p:sld>
 </file>
 
-<file path=ppt/slides/slide13.xml><?xml version="1.0" encoding="utf-8"?>
+<file path=ppt/slides/slide14.xml><?xml version="1.0" encoding="utf-8"?>
 <p:sld xmlns:a="http://schemas.openxmlformats.org/drawingml/2006/main" xmlns:r="http://schemas.openxmlformats.org/officeDocument/2006/relationships" xmlns:p="http://schemas.openxmlformats.org/presentationml/2006/main">
   <p:cSld>
     <p:spTree>
@@ -7554,110 +7821,6 @@
 </p:sld>
 </file>
 
-<file path=ppt/slides/slide14.xml><?xml version="1.0" encoding="utf-8"?>
-<p:sld xmlns:a="http://schemas.openxmlformats.org/drawingml/2006/main" xmlns:r="http://schemas.openxmlformats.org/officeDocument/2006/relationships" xmlns:p="http://schemas.openxmlformats.org/presentationml/2006/main">
-  <p:cSld>
-    <p:spTree>
-      <p:nvGrpSpPr>
-        <p:cNvPr id="1" name=""/>
-        <p:cNvGrpSpPr/>
-        <p:nvPr/>
-      </p:nvGrpSpPr>
-      <p:grpSpPr>
-        <a:xfrm>
-          <a:off x="0" y="0"/>
-          <a:ext cx="0" cy="0"/>
-          <a:chOff x="0" y="0"/>
-          <a:chExt cx="0" cy="0"/>
-        </a:xfrm>
-      </p:grpSpPr>
-      <p:sp>
-        <p:nvSpPr>
-          <p:cNvPr id="2" name="Title 1"/>
-          <p:cNvSpPr>
-            <a:spLocks noGrp="1"/>
-          </p:cNvSpPr>
-          <p:nvPr>
-            <p:ph type="title"/>
-          </p:nvPr>
-        </p:nvSpPr>
-        <p:spPr/>
-        <p:txBody>
-          <a:bodyPr/>
-          <a:lstStyle/>
-          <a:p>
-            <a:r>
-              <a:rPr lang="en-US" dirty="0" smtClean="0"/>
-              <a:t>Testing</a:t>
-            </a:r>
-            <a:endParaRPr lang="en-US" dirty="0"/>
-          </a:p>
-        </p:txBody>
-      </p:sp>
-      <p:pic>
-        <p:nvPicPr>
-          <p:cNvPr id="3" name="Picture 2" descr="auto-tune logo.jpg"/>
-          <p:cNvPicPr>
-            <a:picLocks noChangeAspect="1"/>
-          </p:cNvPicPr>
-          <p:nvPr/>
-        </p:nvPicPr>
-        <p:blipFill>
-          <a:blip r:embed="rId2" cstate="print"/>
-          <a:stretch>
-            <a:fillRect/>
-          </a:stretch>
-        </p:blipFill>
-        <p:spPr>
-          <a:xfrm>
-            <a:off x="4953000" y="5388772"/>
-            <a:ext cx="4191000" cy="1469228"/>
-          </a:xfrm>
-          <a:prstGeom prst="rect">
-            <a:avLst/>
-          </a:prstGeom>
-        </p:spPr>
-      </p:pic>
-      <p:pic>
-        <p:nvPicPr>
-          <p:cNvPr id="4" name="Picture 3"/>
-          <p:cNvPicPr>
-            <a:picLocks noChangeAspect="1" noChangeArrowheads="1"/>
-          </p:cNvPicPr>
-          <p:nvPr/>
-        </p:nvPicPr>
-        <p:blipFill>
-          <a:blip r:embed="rId3" cstate="print"/>
-          <a:srcRect/>
-          <a:stretch>
-            <a:fillRect/>
-          </a:stretch>
-        </p:blipFill>
-        <p:spPr bwMode="auto">
-          <a:xfrm>
-            <a:off x="-9526" y="0"/>
-            <a:ext cx="9153526" cy="657225"/>
-          </a:xfrm>
-          <a:prstGeom prst="rect">
-            <a:avLst/>
-          </a:prstGeom>
-          <a:noFill/>
-          <a:ln w="9525">
-            <a:noFill/>
-            <a:miter lim="800000"/>
-            <a:headEnd/>
-            <a:tailEnd/>
-          </a:ln>
-        </p:spPr>
-      </p:pic>
-    </p:spTree>
-  </p:cSld>
-  <p:clrMapOvr>
-    <a:masterClrMapping/>
-  </p:clrMapOvr>
-</p:sld>
-</file>
-
 <file path=ppt/slides/slide15.xml><?xml version="1.0" encoding="utf-8"?>
 <p:sld xmlns:a="http://schemas.openxmlformats.org/drawingml/2006/main" xmlns:r="http://schemas.openxmlformats.org/officeDocument/2006/relationships" xmlns:p="http://schemas.openxmlformats.org/presentationml/2006/main">
   <p:cSld>
@@ -7690,7 +7853,7 @@
           <a:bodyPr/>
           <a:lstStyle/>
           <a:p>
-            <a:endParaRPr lang="en-US"/>
+            <a:endParaRPr lang="en-US" dirty="0"/>
           </a:p>
         </p:txBody>
       </p:sp>
@@ -7859,6 +8022,106 @@
 </file>
 
 <file path=ppt/slides/slide17.xml><?xml version="1.0" encoding="utf-8"?>
+<p:sld xmlns:a="http://schemas.openxmlformats.org/drawingml/2006/main" xmlns:r="http://schemas.openxmlformats.org/officeDocument/2006/relationships" xmlns:p="http://schemas.openxmlformats.org/presentationml/2006/main">
+  <p:cSld>
+    <p:spTree>
+      <p:nvGrpSpPr>
+        <p:cNvPr id="1" name=""/>
+        <p:cNvGrpSpPr/>
+        <p:nvPr/>
+      </p:nvGrpSpPr>
+      <p:grpSpPr>
+        <a:xfrm>
+          <a:off x="0" y="0"/>
+          <a:ext cx="0" cy="0"/>
+          <a:chOff x="0" y="0"/>
+          <a:chExt cx="0" cy="0"/>
+        </a:xfrm>
+      </p:grpSpPr>
+      <p:sp>
+        <p:nvSpPr>
+          <p:cNvPr id="2" name="Title 1"/>
+          <p:cNvSpPr>
+            <a:spLocks noGrp="1"/>
+          </p:cNvSpPr>
+          <p:nvPr>
+            <p:ph type="title"/>
+          </p:nvPr>
+        </p:nvSpPr>
+        <p:spPr/>
+        <p:txBody>
+          <a:bodyPr/>
+          <a:lstStyle/>
+          <a:p>
+            <a:endParaRPr lang="en-US"/>
+          </a:p>
+        </p:txBody>
+      </p:sp>
+      <p:pic>
+        <p:nvPicPr>
+          <p:cNvPr id="3" name="Picture 2" descr="auto-tune logo.jpg"/>
+          <p:cNvPicPr>
+            <a:picLocks noChangeAspect="1"/>
+          </p:cNvPicPr>
+          <p:nvPr/>
+        </p:nvPicPr>
+        <p:blipFill>
+          <a:blip r:embed="rId2" cstate="print"/>
+          <a:stretch>
+            <a:fillRect/>
+          </a:stretch>
+        </p:blipFill>
+        <p:spPr>
+          <a:xfrm>
+            <a:off x="4953000" y="5388772"/>
+            <a:ext cx="4191000" cy="1469228"/>
+          </a:xfrm>
+          <a:prstGeom prst="rect">
+            <a:avLst/>
+          </a:prstGeom>
+        </p:spPr>
+      </p:pic>
+      <p:pic>
+        <p:nvPicPr>
+          <p:cNvPr id="4" name="Picture 3"/>
+          <p:cNvPicPr>
+            <a:picLocks noChangeAspect="1" noChangeArrowheads="1"/>
+          </p:cNvPicPr>
+          <p:nvPr/>
+        </p:nvPicPr>
+        <p:blipFill>
+          <a:blip r:embed="rId3" cstate="print"/>
+          <a:srcRect/>
+          <a:stretch>
+            <a:fillRect/>
+          </a:stretch>
+        </p:blipFill>
+        <p:spPr bwMode="auto">
+          <a:xfrm>
+            <a:off x="-9526" y="0"/>
+            <a:ext cx="9153526" cy="657225"/>
+          </a:xfrm>
+          <a:prstGeom prst="rect">
+            <a:avLst/>
+          </a:prstGeom>
+          <a:noFill/>
+          <a:ln w="9525">
+            <a:noFill/>
+            <a:miter lim="800000"/>
+            <a:headEnd/>
+            <a:tailEnd/>
+          </a:ln>
+        </p:spPr>
+      </p:pic>
+    </p:spTree>
+  </p:cSld>
+  <p:clrMapOvr>
+    <a:masterClrMapping/>
+  </p:clrMapOvr>
+</p:sld>
+</file>
+
+<file path=ppt/slides/slide18.xml><?xml version="1.0" encoding="utf-8"?>
 <p:sld xmlns:a="http://schemas.openxmlformats.org/drawingml/2006/main" xmlns:r="http://schemas.openxmlformats.org/officeDocument/2006/relationships" xmlns:p="http://schemas.openxmlformats.org/presentationml/2006/main">
   <p:cSld>
     <p:spTree>
@@ -8281,6 +8544,38 @@
           </a:p>
         </p:txBody>
       </p:sp>
+      <p:sp>
+        <p:nvSpPr>
+          <p:cNvPr id="7" name="TextBox 6"/>
+          <p:cNvSpPr txBox="1"/>
+          <p:nvPr/>
+        </p:nvSpPr>
+        <p:spPr>
+          <a:xfrm>
+            <a:off x="6172200" y="2133600"/>
+            <a:ext cx="1119217" cy="369332"/>
+          </a:xfrm>
+          <a:prstGeom prst="rect">
+            <a:avLst/>
+          </a:prstGeom>
+          <a:noFill/>
+        </p:spPr>
+        <p:txBody>
+          <a:bodyPr wrap="none" rtlCol="0">
+            <a:spAutoFit/>
+          </a:bodyPr>
+          <a:lstStyle/>
+          <a:p>
+            <a:r>
+              <a:rPr lang="en-US" dirty="0" smtClean="0">
+                <a:hlinkClick r:id="rId4" action="ppaction://hlinkfile"/>
+              </a:rPr>
+              <a:t>Use Cases</a:t>
+            </a:r>
+            <a:endParaRPr lang="en-US" dirty="0"/>
+          </a:p>
+        </p:txBody>
+      </p:sp>
     </p:spTree>
   </p:cSld>
   <p:clrMapOvr>
@@ -8823,6 +9118,245 @@
           <a:chExt cx="0" cy="0"/>
         </a:xfrm>
       </p:grpSpPr>
+      <p:pic>
+        <p:nvPicPr>
+          <p:cNvPr id="2" name="Picture 1" descr="auto-tune logo.jpg"/>
+          <p:cNvPicPr>
+            <a:picLocks noChangeAspect="1"/>
+          </p:cNvPicPr>
+          <p:nvPr/>
+        </p:nvPicPr>
+        <p:blipFill>
+          <a:blip r:embed="rId2" cstate="print"/>
+          <a:stretch>
+            <a:fillRect/>
+          </a:stretch>
+        </p:blipFill>
+        <p:spPr>
+          <a:xfrm>
+            <a:off x="4953000" y="5388772"/>
+            <a:ext cx="4191000" cy="1469228"/>
+          </a:xfrm>
+          <a:prstGeom prst="rect">
+            <a:avLst/>
+          </a:prstGeom>
+        </p:spPr>
+      </p:pic>
+      <p:pic>
+        <p:nvPicPr>
+          <p:cNvPr id="3" name="Picture 2"/>
+          <p:cNvPicPr>
+            <a:picLocks noChangeAspect="1" noChangeArrowheads="1"/>
+          </p:cNvPicPr>
+          <p:nvPr/>
+        </p:nvPicPr>
+        <p:blipFill>
+          <a:blip r:embed="rId3" cstate="print"/>
+          <a:srcRect/>
+          <a:stretch>
+            <a:fillRect/>
+          </a:stretch>
+        </p:blipFill>
+        <p:spPr bwMode="auto">
+          <a:xfrm>
+            <a:off x="-9526" y="0"/>
+            <a:ext cx="9153526" cy="657225"/>
+          </a:xfrm>
+          <a:prstGeom prst="rect">
+            <a:avLst/>
+          </a:prstGeom>
+          <a:noFill/>
+          <a:ln w="9525">
+            <a:noFill/>
+            <a:miter lim="800000"/>
+            <a:headEnd/>
+            <a:tailEnd/>
+          </a:ln>
+        </p:spPr>
+      </p:pic>
+      <p:sp>
+        <p:nvSpPr>
+          <p:cNvPr id="5" name="Title 1"/>
+          <p:cNvSpPr txBox="1">
+            <a:spLocks/>
+          </p:cNvSpPr>
+          <p:nvPr/>
+        </p:nvSpPr>
+        <p:spPr>
+          <a:xfrm>
+            <a:off x="457200" y="457200"/>
+            <a:ext cx="8229600" cy="1143000"/>
+          </a:xfrm>
+          <a:prstGeom prst="rect">
+            <a:avLst/>
+          </a:prstGeom>
+        </p:spPr>
+        <p:txBody>
+          <a:bodyPr/>
+          <a:lstStyle/>
+          <a:p>
+            <a:pPr marL="0" marR="0" lvl="0" indent="0" algn="ctr" defTabSz="914400" rtl="0" eaLnBrk="1" fontAlgn="auto" latinLnBrk="0" hangingPunct="1">
+              <a:lnSpc>
+                <a:spcPct val="100000"/>
+              </a:lnSpc>
+              <a:spcBef>
+                <a:spcPct val="0"/>
+              </a:spcBef>
+              <a:spcAft>
+                <a:spcPts val="0"/>
+              </a:spcAft>
+              <a:buClrTx/>
+              <a:buSzTx/>
+              <a:buFontTx/>
+              <a:buNone/>
+              <a:tabLst/>
+              <a:defRPr/>
+            </a:pPr>
+            <a:r>
+              <a:rPr lang="en-US" sz="4400" dirty="0" smtClean="0">
+                <a:latin typeface="+mj-lt"/>
+                <a:ea typeface="+mj-ea"/>
+                <a:cs typeface="+mj-cs"/>
+              </a:rPr>
+              <a:t>Underlying Structure</a:t>
+            </a:r>
+            <a:endParaRPr kumimoji="0" lang="en-US" sz="4400" b="0" i="0" u="none" strike="noStrike" kern="1200" cap="none" spc="0" normalizeH="0" baseline="0" noProof="0" dirty="0">
+              <a:ln>
+                <a:noFill/>
+              </a:ln>
+              <a:solidFill>
+                <a:schemeClr val="tx1"/>
+              </a:solidFill>
+              <a:effectLst/>
+              <a:uLnTx/>
+              <a:uFillTx/>
+              <a:latin typeface="+mj-lt"/>
+              <a:ea typeface="+mj-ea"/>
+              <a:cs typeface="+mj-cs"/>
+            </a:endParaRPr>
+          </a:p>
+        </p:txBody>
+      </p:sp>
+      <p:sp>
+        <p:nvSpPr>
+          <p:cNvPr id="6" name="TextBox 5"/>
+          <p:cNvSpPr txBox="1"/>
+          <p:nvPr/>
+        </p:nvSpPr>
+        <p:spPr>
+          <a:xfrm>
+            <a:off x="838200" y="1916668"/>
+            <a:ext cx="2133600" cy="400110"/>
+          </a:xfrm>
+          <a:prstGeom prst="rect">
+            <a:avLst/>
+          </a:prstGeom>
+          <a:noFill/>
+        </p:spPr>
+        <p:txBody>
+          <a:bodyPr wrap="square" rtlCol="0">
+            <a:spAutoFit/>
+          </a:bodyPr>
+          <a:lstStyle/>
+          <a:p>
+            <a:r>
+              <a:rPr lang="en-US" sz="2000" dirty="0" smtClean="0">
+                <a:hlinkClick r:id="rId4" action="ppaction://hlinkfile"/>
+              </a:rPr>
+              <a:t>Database Schema</a:t>
+            </a:r>
+            <a:endParaRPr lang="en-US" sz="2000" dirty="0"/>
+          </a:p>
+        </p:txBody>
+      </p:sp>
+      <p:sp>
+        <p:nvSpPr>
+          <p:cNvPr id="7" name="TextBox 6"/>
+          <p:cNvSpPr txBox="1"/>
+          <p:nvPr/>
+        </p:nvSpPr>
+        <p:spPr>
+          <a:xfrm>
+            <a:off x="863619" y="3147536"/>
+            <a:ext cx="2184381" cy="369332"/>
+          </a:xfrm>
+          <a:prstGeom prst="rect">
+            <a:avLst/>
+          </a:prstGeom>
+          <a:noFill/>
+        </p:spPr>
+        <p:txBody>
+          <a:bodyPr wrap="none" rtlCol="0">
+            <a:spAutoFit/>
+          </a:bodyPr>
+          <a:lstStyle/>
+          <a:p>
+            <a:r>
+              <a:rPr lang="en-US" dirty="0" smtClean="0">
+                <a:hlinkClick r:id="rId5" action="ppaction://hlinkfile"/>
+              </a:rPr>
+              <a:t>Architecture Diagram</a:t>
+            </a:r>
+            <a:endParaRPr lang="en-US" dirty="0" smtClean="0"/>
+          </a:p>
+        </p:txBody>
+      </p:sp>
+      <p:sp>
+        <p:nvSpPr>
+          <p:cNvPr id="8" name="Rectangle 7"/>
+          <p:cNvSpPr/>
+          <p:nvPr/>
+        </p:nvSpPr>
+        <p:spPr>
+          <a:xfrm>
+            <a:off x="838200" y="4507468"/>
+            <a:ext cx="1910075" cy="369332"/>
+          </a:xfrm>
+          <a:prstGeom prst="rect">
+            <a:avLst/>
+          </a:prstGeom>
+        </p:spPr>
+        <p:txBody>
+          <a:bodyPr wrap="none">
+            <a:spAutoFit/>
+          </a:bodyPr>
+          <a:lstStyle/>
+          <a:p>
+            <a:r>
+              <a:rPr lang="en-US" dirty="0" smtClean="0">
+                <a:hlinkClick r:id="rId6" action="ppaction://hlinkfile"/>
+              </a:rPr>
+              <a:t>Conceptual Model</a:t>
+            </a:r>
+            <a:endParaRPr lang="en-US" dirty="0" smtClean="0"/>
+          </a:p>
+        </p:txBody>
+      </p:sp>
+    </p:spTree>
+  </p:cSld>
+  <p:clrMapOvr>
+    <a:masterClrMapping/>
+  </p:clrMapOvr>
+</p:sld>
+</file>
+
+<file path=ppt/slides/slide7.xml><?xml version="1.0" encoding="utf-8"?>
+<p:sld xmlns:a="http://schemas.openxmlformats.org/drawingml/2006/main" xmlns:r="http://schemas.openxmlformats.org/officeDocument/2006/relationships" xmlns:p="http://schemas.openxmlformats.org/presentationml/2006/main">
+  <p:cSld>
+    <p:spTree>
+      <p:nvGrpSpPr>
+        <p:cNvPr id="1" name=""/>
+        <p:cNvGrpSpPr/>
+        <p:nvPr/>
+      </p:nvGrpSpPr>
+      <p:grpSpPr>
+        <a:xfrm>
+          <a:off x="0" y="0"/>
+          <a:ext cx="0" cy="0"/>
+          <a:chOff x="0" y="0"/>
+          <a:chExt cx="0" cy="0"/>
+        </a:xfrm>
+      </p:grpSpPr>
       <p:sp>
         <p:nvSpPr>
           <p:cNvPr id="2" name="Title 1"/>
@@ -8840,7 +9374,7 @@
           <a:p>
             <a:r>
               <a:rPr lang="en-US" dirty="0" smtClean="0"/>
-              <a:t>Interface Diagram(Before)</a:t>
+              <a:t>Initial Interface</a:t>
             </a:r>
             <a:endParaRPr lang="en-US" dirty="0"/>
           </a:p>
@@ -8968,7 +9502,7 @@
 </p:sld>
 </file>
 
-<file path=ppt/slides/slide7.xml><?xml version="1.0" encoding="utf-8"?>
+<file path=ppt/slides/slide8.xml><?xml version="1.0" encoding="utf-8"?>
 <p:sld xmlns:a="http://schemas.openxmlformats.org/drawingml/2006/main" xmlns:r="http://schemas.openxmlformats.org/officeDocument/2006/relationships" xmlns:p="http://schemas.openxmlformats.org/presentationml/2006/main">
   <p:cSld>
     <p:spTree>
@@ -9002,7 +9536,7 @@
           <a:p>
             <a:r>
               <a:rPr lang="en-US" dirty="0" smtClean="0"/>
-              <a:t>Interface Diagram(After)</a:t>
+              <a:t>Final Interface</a:t>
             </a:r>
             <a:endParaRPr lang="en-US" dirty="0"/>
           </a:p>
@@ -9127,7 +9661,7 @@
 </p:sld>
 </file>
 
-<file path=ppt/slides/slide8.xml><?xml version="1.0" encoding="utf-8"?>
+<file path=ppt/slides/slide9.xml><?xml version="1.0" encoding="utf-8"?>
 <p:sld xmlns:a="http://schemas.openxmlformats.org/drawingml/2006/main" xmlns:r="http://schemas.openxmlformats.org/officeDocument/2006/relationships" xmlns:p="http://schemas.openxmlformats.org/presentationml/2006/main">
   <p:cSld>
     <p:spTree>
@@ -9296,120 +9830,16 @@
           </a:p>
         </p:txBody>
       </p:sp>
-    </p:spTree>
-  </p:cSld>
-  <p:clrMapOvr>
-    <a:masterClrMapping/>
-  </p:clrMapOvr>
-</p:sld>
-</file>
-
-<file path=ppt/slides/slide9.xml><?xml version="1.0" encoding="utf-8"?>
-<p:sld xmlns:a="http://schemas.openxmlformats.org/drawingml/2006/main" xmlns:r="http://schemas.openxmlformats.org/officeDocument/2006/relationships" xmlns:p="http://schemas.openxmlformats.org/presentationml/2006/main">
-  <p:cSld>
-    <p:spTree>
-      <p:nvGrpSpPr>
-        <p:cNvPr id="1" name=""/>
-        <p:cNvGrpSpPr/>
-        <p:nvPr/>
-      </p:nvGrpSpPr>
-      <p:grpSpPr>
-        <a:xfrm>
-          <a:off x="0" y="0"/>
-          <a:ext cx="0" cy="0"/>
-          <a:chOff x="0" y="0"/>
-          <a:chExt cx="0" cy="0"/>
-        </a:xfrm>
-      </p:grpSpPr>
       <p:sp>
         <p:nvSpPr>
-          <p:cNvPr id="2" name="Title 1"/>
-          <p:cNvSpPr>
-            <a:spLocks noGrp="1"/>
-          </p:cNvSpPr>
-          <p:nvPr>
-            <p:ph type="title"/>
-          </p:nvPr>
-        </p:nvSpPr>
-        <p:spPr/>
-        <p:txBody>
-          <a:bodyPr/>
-          <a:lstStyle/>
-          <a:p>
-            <a:r>
-              <a:rPr lang="en-US" dirty="0" smtClean="0"/>
-              <a:t>Standards</a:t>
-            </a:r>
-            <a:endParaRPr lang="en-US" dirty="0"/>
-          </a:p>
-        </p:txBody>
-      </p:sp>
-      <p:pic>
-        <p:nvPicPr>
-          <p:cNvPr id="3" name="Picture 2" descr="auto-tune logo.jpg"/>
-          <p:cNvPicPr>
-            <a:picLocks noChangeAspect="1"/>
-          </p:cNvPicPr>
-          <p:nvPr/>
-        </p:nvPicPr>
-        <p:blipFill>
-          <a:blip r:embed="rId2" cstate="print"/>
-          <a:stretch>
-            <a:fillRect/>
-          </a:stretch>
-        </p:blipFill>
-        <p:spPr>
-          <a:xfrm>
-            <a:off x="4953000" y="5388772"/>
-            <a:ext cx="4191000" cy="1469228"/>
-          </a:xfrm>
-          <a:prstGeom prst="rect">
-            <a:avLst/>
-          </a:prstGeom>
-        </p:spPr>
-      </p:pic>
-      <p:pic>
-        <p:nvPicPr>
-          <p:cNvPr id="4" name="Picture 3"/>
-          <p:cNvPicPr>
-            <a:picLocks noChangeAspect="1" noChangeArrowheads="1"/>
-          </p:cNvPicPr>
-          <p:nvPr/>
-        </p:nvPicPr>
-        <p:blipFill>
-          <a:blip r:embed="rId3" cstate="print"/>
-          <a:srcRect/>
-          <a:stretch>
-            <a:fillRect/>
-          </a:stretch>
-        </p:blipFill>
-        <p:spPr bwMode="auto">
-          <a:xfrm>
-            <a:off x="-9526" y="0"/>
-            <a:ext cx="9153526" cy="657225"/>
-          </a:xfrm>
-          <a:prstGeom prst="rect">
-            <a:avLst/>
-          </a:prstGeom>
-          <a:noFill/>
-          <a:ln w="9525">
-            <a:noFill/>
-            <a:miter lim="800000"/>
-            <a:headEnd/>
-            <a:tailEnd/>
-          </a:ln>
-        </p:spPr>
-      </p:pic>
-      <p:sp>
-        <p:nvSpPr>
-          <p:cNvPr id="5" name="TextBox 4"/>
+          <p:cNvPr id="7" name="TextBox 6"/>
           <p:cNvSpPr txBox="1"/>
           <p:nvPr/>
         </p:nvSpPr>
         <p:spPr>
           <a:xfrm>
-            <a:off x="533400" y="1371600"/>
-            <a:ext cx="8077200" cy="3970318"/>
+            <a:off x="0" y="5678269"/>
+            <a:ext cx="4724400" cy="646331"/>
           </a:xfrm>
           <a:prstGeom prst="rect">
             <a:avLst/>
@@ -9424,73 +9854,7 @@
           <a:p>
             <a:r>
               <a:rPr lang="en-US" dirty="0" smtClean="0"/>
-              <a:t>Coding:</a:t>
-            </a:r>
-          </a:p>
-          <a:p>
-            <a:r>
-              <a:rPr lang="en-US" dirty="0" smtClean="0"/>
-              <a:t>Stick with default convention for each language utilized (ASPX, HTML)</a:t>
-            </a:r>
-          </a:p>
-          <a:p>
-            <a:r>
-              <a:rPr lang="en-US" dirty="0" smtClean="0"/>
-              <a:t>Keep uniform variable names format, tabbing and bracketing</a:t>
-            </a:r>
-          </a:p>
-          <a:p>
-            <a:r>
-              <a:rPr lang="en-US" dirty="0" smtClean="0"/>
-              <a:t>Develop in the Visual Studio environment for consistency</a:t>
-            </a:r>
-          </a:p>
-          <a:p>
-            <a:endParaRPr lang="en-US" dirty="0" smtClean="0"/>
-          </a:p>
-          <a:p>
-            <a:endParaRPr lang="en-US" dirty="0" smtClean="0"/>
-          </a:p>
-          <a:p>
-            <a:r>
-              <a:rPr lang="en-US" dirty="0" smtClean="0"/>
-              <a:t>Bugs:</a:t>
-            </a:r>
-          </a:p>
-          <a:p>
-            <a:r>
-              <a:rPr lang="en-US" dirty="0" smtClean="0"/>
-              <a:t>Submitted through Google Code page using default format</a:t>
-            </a:r>
-          </a:p>
-          <a:p>
-            <a:endParaRPr lang="en-US" dirty="0" smtClean="0"/>
-          </a:p>
-          <a:p>
-            <a:endParaRPr lang="en-US" dirty="0" smtClean="0"/>
-          </a:p>
-          <a:p>
-            <a:r>
-              <a:rPr lang="en-US" dirty="0" smtClean="0"/>
-              <a:t>Subversion:</a:t>
-            </a:r>
-          </a:p>
-          <a:p>
-            <a:r>
-              <a:rPr lang="en-US" dirty="0" smtClean="0"/>
-              <a:t>Check for conflicts in the repository before committing large code changes</a:t>
-            </a:r>
-          </a:p>
-          <a:p>
-            <a:r>
-              <a:rPr lang="en-US" dirty="0" smtClean="0"/>
-              <a:t>Notify group members when changes have been committed</a:t>
-            </a:r>
-          </a:p>
-          <a:p>
-            <a:r>
-              <a:rPr lang="en-US" dirty="0" smtClean="0"/>
-              <a:t>Update the repository with most recent changes before beginning a work session </a:t>
+              <a:t>Spiral model allowed for risk assessment and adaptation to fit our needs</a:t>
             </a:r>
             <a:endParaRPr lang="en-US" dirty="0"/>
           </a:p>

--- a/FinalPres.pptx
+++ b/FinalPres.pptx
@@ -18,11 +18,9 @@
     <p:sldId id="264" r:id="rId12"/>
     <p:sldId id="271" r:id="rId13"/>
     <p:sldId id="272" r:id="rId14"/>
-    <p:sldId id="265" r:id="rId15"/>
-    <p:sldId id="266" r:id="rId16"/>
-    <p:sldId id="267" r:id="rId17"/>
-    <p:sldId id="268" r:id="rId18"/>
-    <p:sldId id="269" r:id="rId19"/>
+    <p:sldId id="267" r:id="rId15"/>
+    <p:sldId id="268" r:id="rId16"/>
+    <p:sldId id="269" r:id="rId17"/>
   </p:sldIdLst>
   <p:sldSz cx="9144000" cy="6858000" type="screen4x3"/>
   <p:notesSz cx="6858000" cy="9144000"/>
@@ -1264,22 +1262,26 @@
       <dgm:prSet/>
       <dgm:spPr/>
     </dgm:pt>
-    <dgm:pt modelId="{08B8D8F3-4B56-4016-B923-304B9D9E5F73}">
+    <dgm:pt modelId="{7BBFC0B3-374D-41F4-AC1F-454DB86B195F}">
       <dgm:prSet phldrT="[Text]"/>
       <dgm:spPr/>
       <dgm:t>
         <a:bodyPr/>
         <a:lstStyle/>
         <a:p>
+          <a:r>
+            <a:rPr lang="en-US" dirty="0" smtClean="0"/>
+            <a:t>General Programming</a:t>
+          </a:r>
           <a:endParaRPr lang="en-US" dirty="0"/>
         </a:p>
       </dgm:t>
     </dgm:pt>
-    <dgm:pt modelId="{827798E7-5B9F-4050-A614-42C5DF8578E1}" type="parTrans" cxnId="{C8CF18EC-1F06-4A68-98FD-EFACA0D63546}">
+    <dgm:pt modelId="{0C524757-C89A-43A8-A511-E1743DEFE952}" type="parTrans" cxnId="{68656506-E4BF-492A-B9B3-7A5F901F1C32}">
       <dgm:prSet/>
       <dgm:spPr/>
     </dgm:pt>
-    <dgm:pt modelId="{B97296B3-A744-4790-BB87-29AF5AC393A5}" type="sibTrans" cxnId="{C8CF18EC-1F06-4A68-98FD-EFACA0D63546}">
+    <dgm:pt modelId="{F34F3539-CD08-419A-8E46-5F2ED757D246}" type="sibTrans" cxnId="{68656506-E4BF-492A-B9B3-7A5F901F1C32}">
       <dgm:prSet/>
       <dgm:spPr/>
     </dgm:pt>
@@ -1454,31 +1456,31 @@
     </dgm:pt>
   </dgm:ptLst>
   <dgm:cxnLst>
+    <dgm:cxn modelId="{36ABDE0F-EEA8-4249-9678-62F4646FB8AA}" type="presOf" srcId="{7BBFC0B3-374D-41F4-AC1F-454DB86B195F}" destId="{3C24AC3F-4EAF-45C9-9C59-D78E3F00FE37}" srcOrd="0" destOrd="1" presId="urn:microsoft.com/office/officeart/2005/8/layout/vList5"/>
+    <dgm:cxn modelId="{C18EE725-758D-4ED8-97E9-71E54F6DD873}" srcId="{A8AB5559-07CC-4C1F-8526-830ED26FC943}" destId="{9FB161CD-B1F0-4500-9F03-C5F64852B8C9}" srcOrd="3" destOrd="0" parTransId="{96FE6A54-E986-4F06-ADF3-B8EF35F91D4B}" sibTransId="{81D6DD87-78E4-4EC7-BAAD-56EBE7BD9F90}"/>
+    <dgm:cxn modelId="{A44FCD79-DED6-44E3-8568-4838B2D9FE32}" type="presOf" srcId="{0F3AA4F2-F99F-43D6-AE06-A81C46C6E914}" destId="{DFB7B8A1-E738-44A1-9A3A-0988FE4D8CF5}" srcOrd="0" destOrd="0" presId="urn:microsoft.com/office/officeart/2005/8/layout/vList5"/>
+    <dgm:cxn modelId="{4967CA84-9448-42C3-8571-04F3C9AD6309}" srcId="{0F3AA4F2-F99F-43D6-AE06-A81C46C6E914}" destId="{EA7CB48F-4A31-4D8C-BA44-C13229AE0C8F}" srcOrd="0" destOrd="0" parTransId="{CC3BB0F7-7B2F-443D-A260-361992CEE112}" sibTransId="{73B3EA52-69D6-4249-8D22-C16A477A0354}"/>
+    <dgm:cxn modelId="{E53C0A6E-26E1-4865-B00A-003E0935204E}" type="presOf" srcId="{9FB161CD-B1F0-4500-9F03-C5F64852B8C9}" destId="{7657AD80-7C86-41DD-B535-77681FD13CAB}" srcOrd="0" destOrd="0" presId="urn:microsoft.com/office/officeart/2005/8/layout/vList5"/>
+    <dgm:cxn modelId="{9C706BE6-7C08-4CBC-880C-D113EF18A2E9}" type="presOf" srcId="{8D005CD0-CDFA-41E3-862F-5FF0161CAE8C}" destId="{9DC84644-AEF3-47A2-B183-10825EF79C0C}" srcOrd="0" destOrd="0" presId="urn:microsoft.com/office/officeart/2005/8/layout/vList5"/>
+    <dgm:cxn modelId="{7B2EA1A2-23DA-45AE-A555-9AB58BE8E83E}" srcId="{8D005CD0-CDFA-41E3-862F-5FF0161CAE8C}" destId="{66D3BBC1-ADB2-4774-B7C5-BAE3D6DB0BEA}" srcOrd="1" destOrd="0" parTransId="{52C486F3-4931-43D3-815F-A36FACB216E9}" sibTransId="{EB67D74C-2694-4251-85BC-A1F7C500652E}"/>
+    <dgm:cxn modelId="{809B818E-9BCF-404C-92D4-6CD8A938D097}" type="presOf" srcId="{66D3BBC1-ADB2-4774-B7C5-BAE3D6DB0BEA}" destId="{9E20A248-6772-4A4F-9212-93A0E1103E46}" srcOrd="0" destOrd="1" presId="urn:microsoft.com/office/officeart/2005/8/layout/vList5"/>
     <dgm:cxn modelId="{CD599303-353E-4C91-9368-9EB26C56F338}" type="presOf" srcId="{A5CDD2F9-D1C9-48FC-8BAB-852FDA5025EE}" destId="{72557EF8-2D8C-4F87-8515-EB3CB258EAA4}" srcOrd="0" destOrd="0" presId="urn:microsoft.com/office/officeart/2005/8/layout/vList5"/>
+    <dgm:cxn modelId="{B10E7D6A-CC10-48EB-8943-5FC93D5C5702}" srcId="{A8AB5559-07CC-4C1F-8526-830ED26FC943}" destId="{8D005CD0-CDFA-41E3-862F-5FF0161CAE8C}" srcOrd="0" destOrd="0" parTransId="{52CF44CD-8CD4-40DC-82D9-94ACECB248FC}" sibTransId="{E5A38417-9E81-4D1E-814E-CC487A3EDADC}"/>
+    <dgm:cxn modelId="{0627A30A-1A13-4A40-B75F-54E7EE70D176}" srcId="{A8AB5559-07CC-4C1F-8526-830ED26FC943}" destId="{0F3AA4F2-F99F-43D6-AE06-A81C46C6E914}" srcOrd="1" destOrd="0" parTransId="{2A8A097A-630B-46E9-9BC6-D70C0C5A3C3D}" sibTransId="{52C283AC-24A4-48A8-9A0C-1FD3DE0F65D2}"/>
+    <dgm:cxn modelId="{7498B9E2-03B9-4B06-8521-D0DE9EDE3C36}" type="presOf" srcId="{6E07D5A5-C7EC-4C2E-B985-92252568C7BD}" destId="{E61F18E9-1364-491A-9065-8825D16534D7}" srcOrd="0" destOrd="1" presId="urn:microsoft.com/office/officeart/2005/8/layout/vList5"/>
+    <dgm:cxn modelId="{E37919C6-8095-4A9A-8FC6-4E2314462C25}" srcId="{5D509EA8-2384-4B00-8549-3FB1F5A14B11}" destId="{DFA39F2A-D73F-49E6-9CC3-9223D61F2A3E}" srcOrd="1" destOrd="0" parTransId="{8ACEAB67-760D-42FF-81D8-CABBC5BC5665}" sibTransId="{60B2CE57-8263-4189-8668-2943EA5E3EA2}"/>
+    <dgm:cxn modelId="{68656506-E4BF-492A-B9B3-7A5F901F1C32}" srcId="{9FB161CD-B1F0-4500-9F03-C5F64852B8C9}" destId="{7BBFC0B3-374D-41F4-AC1F-454DB86B195F}" srcOrd="1" destOrd="0" parTransId="{0C524757-C89A-43A8-A511-E1743DEFE952}" sibTransId="{F34F3539-CD08-419A-8E46-5F2ED757D246}"/>
+    <dgm:cxn modelId="{95E2954C-7D53-420A-BC27-1370EBEB3342}" srcId="{5D509EA8-2384-4B00-8549-3FB1F5A14B11}" destId="{A5CDD2F9-D1C9-48FC-8BAB-852FDA5025EE}" srcOrd="0" destOrd="0" parTransId="{A984043E-EF2C-4324-A372-9BA8E50A9D13}" sibTransId="{686F9B1B-808C-4ED4-9AC0-5BEBF7F461A9}"/>
     <dgm:cxn modelId="{7EA33D3A-375C-4131-958C-7C3ED66263CA}" srcId="{A8AB5559-07CC-4C1F-8526-830ED26FC943}" destId="{5D509EA8-2384-4B00-8549-3FB1F5A14B11}" srcOrd="2" destOrd="0" parTransId="{408D7012-8911-41D3-B085-1EAC3F92185B}" sibTransId="{4A23B83D-A56C-42BF-95DE-04612EAA9DE8}"/>
+    <dgm:cxn modelId="{1B9EDDD6-B6A1-4DCF-B725-746F76AC8CEA}" type="presOf" srcId="{E82579CC-B136-4A4D-948E-B673E3C31555}" destId="{3C24AC3F-4EAF-45C9-9C59-D78E3F00FE37}" srcOrd="0" destOrd="0" presId="urn:microsoft.com/office/officeart/2005/8/layout/vList5"/>
+    <dgm:cxn modelId="{6FCF5841-A6B3-4AA0-97D6-22286BECD923}" type="presOf" srcId="{EA7CB48F-4A31-4D8C-BA44-C13229AE0C8F}" destId="{E61F18E9-1364-491A-9065-8825D16534D7}" srcOrd="0" destOrd="0" presId="urn:microsoft.com/office/officeart/2005/8/layout/vList5"/>
+    <dgm:cxn modelId="{2CEBB12D-5C40-49AC-9DBF-764ACF4B612D}" type="presOf" srcId="{A8AB5559-07CC-4C1F-8526-830ED26FC943}" destId="{67BFAD13-CCB1-4FEF-A5A8-301BB074604B}" srcOrd="0" destOrd="0" presId="urn:microsoft.com/office/officeart/2005/8/layout/vList5"/>
+    <dgm:cxn modelId="{66CEB669-920D-452C-BBA4-1DAAA18CB5AA}" type="presOf" srcId="{DFA39F2A-D73F-49E6-9CC3-9223D61F2A3E}" destId="{72557EF8-2D8C-4F87-8515-EB3CB258EAA4}" srcOrd="0" destOrd="1" presId="urn:microsoft.com/office/officeart/2005/8/layout/vList5"/>
+    <dgm:cxn modelId="{BCD068F3-81A7-460F-B2E4-E59A550D2213}" srcId="{0F3AA4F2-F99F-43D6-AE06-A81C46C6E914}" destId="{6E07D5A5-C7EC-4C2E-B985-92252568C7BD}" srcOrd="1" destOrd="0" parTransId="{52D29113-0FC3-4AB3-9991-99A5796066A3}" sibTransId="{2E28BEFB-1616-470C-925B-C39057CB50C3}"/>
+    <dgm:cxn modelId="{2789C088-E2B8-4F24-B075-2A17DB46F210}" type="presOf" srcId="{5D509EA8-2384-4B00-8549-3FB1F5A14B11}" destId="{6BA9A813-BB13-4033-AB4B-363BC510FF25}" srcOrd="0" destOrd="0" presId="urn:microsoft.com/office/officeart/2005/8/layout/vList5"/>
+    <dgm:cxn modelId="{AA20E4B7-8245-4B2F-A363-83CC541D8F2F}" srcId="{9FB161CD-B1F0-4500-9F03-C5F64852B8C9}" destId="{E82579CC-B136-4A4D-948E-B673E3C31555}" srcOrd="0" destOrd="0" parTransId="{B4747727-C279-4DF5-B0FF-4FB302C997E7}" sibTransId="{3F21D483-9E58-4F03-B1F2-E9B84FF09D65}"/>
+    <dgm:cxn modelId="{AB0E6874-B048-4282-AA92-E6F342708C01}" srcId="{8D005CD0-CDFA-41E3-862F-5FF0161CAE8C}" destId="{0D956E8A-EAE6-45ED-B3ED-4E21A12CE74F}" srcOrd="0" destOrd="0" parTransId="{3CD57BE8-8383-4596-97EB-030C8FE2BC7E}" sibTransId="{EFC8F1B7-3A1C-4A63-95D5-35ADBA59D5C4}"/>
     <dgm:cxn modelId="{575E16B6-D3FB-43C7-B76A-5C3A52DC28BA}" type="presOf" srcId="{0D956E8A-EAE6-45ED-B3ED-4E21A12CE74F}" destId="{9E20A248-6772-4A4F-9212-93A0E1103E46}" srcOrd="0" destOrd="0" presId="urn:microsoft.com/office/officeart/2005/8/layout/vList5"/>
-    <dgm:cxn modelId="{1B9EDDD6-B6A1-4DCF-B725-746F76AC8CEA}" type="presOf" srcId="{E82579CC-B136-4A4D-948E-B673E3C31555}" destId="{3C24AC3F-4EAF-45C9-9C59-D78E3F00FE37}" srcOrd="0" destOrd="0" presId="urn:microsoft.com/office/officeart/2005/8/layout/vList5"/>
-    <dgm:cxn modelId="{AB0E6874-B048-4282-AA92-E6F342708C01}" srcId="{8D005CD0-CDFA-41E3-862F-5FF0161CAE8C}" destId="{0D956E8A-EAE6-45ED-B3ED-4E21A12CE74F}" srcOrd="0" destOrd="0" parTransId="{3CD57BE8-8383-4596-97EB-030C8FE2BC7E}" sibTransId="{EFC8F1B7-3A1C-4A63-95D5-35ADBA59D5C4}"/>
-    <dgm:cxn modelId="{723F4DD6-3C85-432E-8711-FD55321675D6}" type="presOf" srcId="{08B8D8F3-4B56-4016-B923-304B9D9E5F73}" destId="{3C24AC3F-4EAF-45C9-9C59-D78E3F00FE37}" srcOrd="0" destOrd="1" presId="urn:microsoft.com/office/officeart/2005/8/layout/vList5"/>
-    <dgm:cxn modelId="{4967CA84-9448-42C3-8571-04F3C9AD6309}" srcId="{0F3AA4F2-F99F-43D6-AE06-A81C46C6E914}" destId="{EA7CB48F-4A31-4D8C-BA44-C13229AE0C8F}" srcOrd="0" destOrd="0" parTransId="{CC3BB0F7-7B2F-443D-A260-361992CEE112}" sibTransId="{73B3EA52-69D6-4249-8D22-C16A477A0354}"/>
-    <dgm:cxn modelId="{66CEB669-920D-452C-BBA4-1DAAA18CB5AA}" type="presOf" srcId="{DFA39F2A-D73F-49E6-9CC3-9223D61F2A3E}" destId="{72557EF8-2D8C-4F87-8515-EB3CB258EAA4}" srcOrd="0" destOrd="1" presId="urn:microsoft.com/office/officeart/2005/8/layout/vList5"/>
-    <dgm:cxn modelId="{6FCF5841-A6B3-4AA0-97D6-22286BECD923}" type="presOf" srcId="{EA7CB48F-4A31-4D8C-BA44-C13229AE0C8F}" destId="{E61F18E9-1364-491A-9065-8825D16534D7}" srcOrd="0" destOrd="0" presId="urn:microsoft.com/office/officeart/2005/8/layout/vList5"/>
-    <dgm:cxn modelId="{B10E7D6A-CC10-48EB-8943-5FC93D5C5702}" srcId="{A8AB5559-07CC-4C1F-8526-830ED26FC943}" destId="{8D005CD0-CDFA-41E3-862F-5FF0161CAE8C}" srcOrd="0" destOrd="0" parTransId="{52CF44CD-8CD4-40DC-82D9-94ACECB248FC}" sibTransId="{E5A38417-9E81-4D1E-814E-CC487A3EDADC}"/>
-    <dgm:cxn modelId="{7B2EA1A2-23DA-45AE-A555-9AB58BE8E83E}" srcId="{8D005CD0-CDFA-41E3-862F-5FF0161CAE8C}" destId="{66D3BBC1-ADB2-4774-B7C5-BAE3D6DB0BEA}" srcOrd="1" destOrd="0" parTransId="{52C486F3-4931-43D3-815F-A36FACB216E9}" sibTransId="{EB67D74C-2694-4251-85BC-A1F7C500652E}"/>
-    <dgm:cxn modelId="{0627A30A-1A13-4A40-B75F-54E7EE70D176}" srcId="{A8AB5559-07CC-4C1F-8526-830ED26FC943}" destId="{0F3AA4F2-F99F-43D6-AE06-A81C46C6E914}" srcOrd="1" destOrd="0" parTransId="{2A8A097A-630B-46E9-9BC6-D70C0C5A3C3D}" sibTransId="{52C283AC-24A4-48A8-9A0C-1FD3DE0F65D2}"/>
-    <dgm:cxn modelId="{AA20E4B7-8245-4B2F-A363-83CC541D8F2F}" srcId="{9FB161CD-B1F0-4500-9F03-C5F64852B8C9}" destId="{E82579CC-B136-4A4D-948E-B673E3C31555}" srcOrd="0" destOrd="0" parTransId="{B4747727-C279-4DF5-B0FF-4FB302C997E7}" sibTransId="{3F21D483-9E58-4F03-B1F2-E9B84FF09D65}"/>
-    <dgm:cxn modelId="{2789C088-E2B8-4F24-B075-2A17DB46F210}" type="presOf" srcId="{5D509EA8-2384-4B00-8549-3FB1F5A14B11}" destId="{6BA9A813-BB13-4033-AB4B-363BC510FF25}" srcOrd="0" destOrd="0" presId="urn:microsoft.com/office/officeart/2005/8/layout/vList5"/>
-    <dgm:cxn modelId="{C8CF18EC-1F06-4A68-98FD-EFACA0D63546}" srcId="{9FB161CD-B1F0-4500-9F03-C5F64852B8C9}" destId="{08B8D8F3-4B56-4016-B923-304B9D9E5F73}" srcOrd="1" destOrd="0" parTransId="{827798E7-5B9F-4050-A614-42C5DF8578E1}" sibTransId="{B97296B3-A744-4790-BB87-29AF5AC393A5}"/>
-    <dgm:cxn modelId="{95E2954C-7D53-420A-BC27-1370EBEB3342}" srcId="{5D509EA8-2384-4B00-8549-3FB1F5A14B11}" destId="{A5CDD2F9-D1C9-48FC-8BAB-852FDA5025EE}" srcOrd="0" destOrd="0" parTransId="{A984043E-EF2C-4324-A372-9BA8E50A9D13}" sibTransId="{686F9B1B-808C-4ED4-9AC0-5BEBF7F461A9}"/>
-    <dgm:cxn modelId="{2CEBB12D-5C40-49AC-9DBF-764ACF4B612D}" type="presOf" srcId="{A8AB5559-07CC-4C1F-8526-830ED26FC943}" destId="{67BFAD13-CCB1-4FEF-A5A8-301BB074604B}" srcOrd="0" destOrd="0" presId="urn:microsoft.com/office/officeart/2005/8/layout/vList5"/>
-    <dgm:cxn modelId="{A44FCD79-DED6-44E3-8568-4838B2D9FE32}" type="presOf" srcId="{0F3AA4F2-F99F-43D6-AE06-A81C46C6E914}" destId="{DFB7B8A1-E738-44A1-9A3A-0988FE4D8CF5}" srcOrd="0" destOrd="0" presId="urn:microsoft.com/office/officeart/2005/8/layout/vList5"/>
-    <dgm:cxn modelId="{E37919C6-8095-4A9A-8FC6-4E2314462C25}" srcId="{5D509EA8-2384-4B00-8549-3FB1F5A14B11}" destId="{DFA39F2A-D73F-49E6-9CC3-9223D61F2A3E}" srcOrd="1" destOrd="0" parTransId="{8ACEAB67-760D-42FF-81D8-CABBC5BC5665}" sibTransId="{60B2CE57-8263-4189-8668-2943EA5E3EA2}"/>
-    <dgm:cxn modelId="{7498B9E2-03B9-4B06-8521-D0DE9EDE3C36}" type="presOf" srcId="{6E07D5A5-C7EC-4C2E-B985-92252568C7BD}" destId="{E61F18E9-1364-491A-9065-8825D16534D7}" srcOrd="0" destOrd="1" presId="urn:microsoft.com/office/officeart/2005/8/layout/vList5"/>
-    <dgm:cxn modelId="{9C706BE6-7C08-4CBC-880C-D113EF18A2E9}" type="presOf" srcId="{8D005CD0-CDFA-41E3-862F-5FF0161CAE8C}" destId="{9DC84644-AEF3-47A2-B183-10825EF79C0C}" srcOrd="0" destOrd="0" presId="urn:microsoft.com/office/officeart/2005/8/layout/vList5"/>
-    <dgm:cxn modelId="{E53C0A6E-26E1-4865-B00A-003E0935204E}" type="presOf" srcId="{9FB161CD-B1F0-4500-9F03-C5F64852B8C9}" destId="{7657AD80-7C86-41DD-B535-77681FD13CAB}" srcOrd="0" destOrd="0" presId="urn:microsoft.com/office/officeart/2005/8/layout/vList5"/>
-    <dgm:cxn modelId="{C18EE725-758D-4ED8-97E9-71E54F6DD873}" srcId="{A8AB5559-07CC-4C1F-8526-830ED26FC943}" destId="{9FB161CD-B1F0-4500-9F03-C5F64852B8C9}" srcOrd="3" destOrd="0" parTransId="{96FE6A54-E986-4F06-ADF3-B8EF35F91D4B}" sibTransId="{81D6DD87-78E4-4EC7-BAAD-56EBE7BD9F90}"/>
-    <dgm:cxn modelId="{809B818E-9BCF-404C-92D4-6CD8A938D097}" type="presOf" srcId="{66D3BBC1-ADB2-4774-B7C5-BAE3D6DB0BEA}" destId="{9E20A248-6772-4A4F-9212-93A0E1103E46}" srcOrd="0" destOrd="1" presId="urn:microsoft.com/office/officeart/2005/8/layout/vList5"/>
-    <dgm:cxn modelId="{BCD068F3-81A7-460F-B2E4-E59A550D2213}" srcId="{0F3AA4F2-F99F-43D6-AE06-A81C46C6E914}" destId="{6E07D5A5-C7EC-4C2E-B985-92252568C7BD}" srcOrd="1" destOrd="0" parTransId="{52D29113-0FC3-4AB3-9991-99A5796066A3}" sibTransId="{2E28BEFB-1616-470C-925B-C39057CB50C3}"/>
     <dgm:cxn modelId="{66BFBB09-9620-4398-86E3-5F6DEEC7267A}" type="presParOf" srcId="{67BFAD13-CCB1-4FEF-A5A8-301BB074604B}" destId="{50A2A95D-335B-43E7-987A-53791F1AF16E}" srcOrd="0" destOrd="0" presId="urn:microsoft.com/office/officeart/2005/8/layout/vList5"/>
     <dgm:cxn modelId="{ACF34851-A3C9-41D8-B3E8-28C9FC3565DE}" type="presParOf" srcId="{50A2A95D-335B-43E7-987A-53791F1AF16E}" destId="{9DC84644-AEF3-47A2-B183-10825EF79C0C}" srcOrd="0" destOrd="0" presId="urn:microsoft.com/office/officeart/2005/8/layout/vList5"/>
     <dgm:cxn modelId="{9268DA5E-878E-44A9-A616-7B6497D46AC0}" type="presParOf" srcId="{50A2A95D-335B-43E7-987A-53791F1AF16E}" destId="{9E20A248-6772-4A4F-9212-93A0E1103E46}" srcOrd="1" destOrd="0" presId="urn:microsoft.com/office/officeart/2005/8/layout/vList5"/>
@@ -1499,14 +1501,14 @@
   <dgm:whole/>
   <dgm:extLst>
     <a:ext uri="http://schemas.microsoft.com/office/drawing/2008/diagram">
-      <dsp:dataModelExt xmlns:dsp="http://schemas.microsoft.com/office/drawing/2008/diagram" xmlns="" relId="rId8" minVer="http://schemas.openxmlformats.org/drawingml/2006/diagram"/>
+      <dsp:dataModelExt xmlns:dsp="http://schemas.microsoft.com/office/drawing/2008/diagram" relId="rId8" minVer="http://schemas.openxmlformats.org/drawingml/2006/diagram"/>
     </a:ext>
   </dgm:extLst>
 </dgm:dataModel>
 </file>
 
 <file path=ppt/diagrams/drawing1.xml><?xml version="1.0" encoding="utf-8"?>
-<dsp:drawing xmlns:dgm="http://schemas.openxmlformats.org/drawingml/2006/diagram" xmlns:a="http://schemas.openxmlformats.org/drawingml/2006/main" xmlns:dsp="http://schemas.microsoft.com/office/drawing/2008/diagram">
+<dsp:drawing xmlns:dgm="http://schemas.openxmlformats.org/drawingml/2006/diagram" xmlns:dsp="http://schemas.microsoft.com/office/drawing/2008/diagram" xmlns:a="http://schemas.openxmlformats.org/drawingml/2006/main">
   <dsp:spTree>
     <dsp:nvGrpSpPr>
       <dsp:cNvPr id="0" name=""/>
@@ -1607,9 +1609,9 @@
           <a:endParaRPr lang="en-US" sz="2000" kern="1200" dirty="0"/>
         </a:p>
       </dsp:txBody>
-      <dsp:txXfrm rot="5400000">
-        <a:off x="3753961" y="-1459537"/>
-        <a:ext cx="782637" cy="3901440"/>
+      <dsp:txXfrm rot="-5400000">
+        <a:off x="2194560" y="138069"/>
+        <a:ext cx="3863235" cy="706227"/>
       </dsp:txXfrm>
     </dsp:sp>
     <dsp:sp modelId="{9DC84644-AEF3-47A2-B183-10825EF79C0C}">
@@ -1685,8 +1687,8 @@
         </a:p>
       </dsp:txBody>
       <dsp:txXfrm>
-        <a:off x="0" y="2033"/>
-        <a:ext cx="2194560" cy="978296"/>
+        <a:off x="47756" y="49789"/>
+        <a:ext cx="2099048" cy="882784"/>
       </dsp:txXfrm>
     </dsp:sp>
     <dsp:sp modelId="{E61F18E9-1364-491A-9065-8825D16534D7}">
@@ -1783,9 +1785,9 @@
           <a:endParaRPr lang="en-US" sz="2000" kern="1200" dirty="0"/>
         </a:p>
       </dsp:txBody>
-      <dsp:txXfrm rot="5400000">
-        <a:off x="3753961" y="-432325"/>
-        <a:ext cx="782637" cy="3901440"/>
+      <dsp:txXfrm rot="-5400000">
+        <a:off x="2194560" y="1165281"/>
+        <a:ext cx="3863235" cy="706227"/>
       </dsp:txXfrm>
     </dsp:sp>
     <dsp:sp modelId="{DFB7B8A1-E738-44A1-9A3A-0988FE4D8CF5}">
@@ -1861,8 +1863,8 @@
         </a:p>
       </dsp:txBody>
       <dsp:txXfrm>
-        <a:off x="0" y="1029245"/>
-        <a:ext cx="2194560" cy="978296"/>
+        <a:off x="47756" y="1077001"/>
+        <a:ext cx="2099048" cy="882784"/>
       </dsp:txXfrm>
     </dsp:sp>
     <dsp:sp modelId="{72557EF8-2D8C-4F87-8515-EB3CB258EAA4}">
@@ -1959,9 +1961,9 @@
           <a:endParaRPr lang="en-US" sz="2000" kern="1200" dirty="0"/>
         </a:p>
       </dsp:txBody>
-      <dsp:txXfrm rot="5400000">
-        <a:off x="3753961" y="594885"/>
-        <a:ext cx="782637" cy="3901440"/>
+      <dsp:txXfrm rot="-5400000">
+        <a:off x="2194560" y="2192492"/>
+        <a:ext cx="3863235" cy="706227"/>
       </dsp:txXfrm>
     </dsp:sp>
     <dsp:sp modelId="{6BA9A813-BB13-4033-AB4B-363BC510FF25}">
@@ -2037,8 +2039,8 @@
         </a:p>
       </dsp:txBody>
       <dsp:txXfrm>
-        <a:off x="0" y="2056457"/>
-        <a:ext cx="2194560" cy="978296"/>
+        <a:off x="47756" y="2104213"/>
+        <a:ext cx="2099048" cy="882784"/>
       </dsp:txXfrm>
     </dsp:sp>
     <dsp:sp modelId="{3C24AC3F-4EAF-45C9-9C59-D78E3F00FE37}">
@@ -2128,12 +2130,16 @@
             </a:spcAft>
             <a:buChar char="••"/>
           </a:pPr>
+          <a:r>
+            <a:rPr lang="en-US" sz="2000" kern="1200" dirty="0" smtClean="0"/>
+            <a:t>General Programming</a:t>
+          </a:r>
           <a:endParaRPr lang="en-US" sz="2000" kern="1200" dirty="0"/>
         </a:p>
       </dsp:txBody>
-      <dsp:txXfrm rot="5400000">
-        <a:off x="3753961" y="1622097"/>
-        <a:ext cx="782637" cy="3901440"/>
+      <dsp:txXfrm rot="-5400000">
+        <a:off x="2194560" y="3219704"/>
+        <a:ext cx="3863235" cy="706227"/>
       </dsp:txXfrm>
     </dsp:sp>
     <dsp:sp modelId="{7657AD80-7C86-41DD-B535-77681FD13CAB}">
@@ -2209,8 +2215,8 @@
         </a:p>
       </dsp:txBody>
       <dsp:txXfrm>
-        <a:off x="0" y="3083669"/>
-        <a:ext cx="2194560" cy="978296"/>
+        <a:off x="47756" y="3131425"/>
+        <a:ext cx="2099048" cy="882784"/>
       </dsp:txXfrm>
     </dsp:sp>
   </dsp:spTree>
@@ -6990,7 +6996,6 @@
               <a:rPr lang="en-US" dirty="0" smtClean="0"/>
               <a:t> </a:t>
             </a:r>
-            <a:endParaRPr lang="en-US" dirty="0" smtClean="0"/>
           </a:p>
           <a:p>
             <a:pPr marL="342900" indent="-342900">
@@ -6998,15 +7003,7 @@
             </a:pPr>
             <a:r>
               <a:rPr lang="en-US" dirty="0" smtClean="0"/>
-              <a:t>try </a:t>
-            </a:r>
-            <a:r>
-              <a:rPr lang="en-US" dirty="0" smtClean="0"/>
-              <a:t>to access a page directly other than from the initial default </a:t>
-            </a:r>
-            <a:r>
-              <a:rPr lang="en-US" dirty="0" smtClean="0"/>
-              <a:t>page</a:t>
+              <a:t>try to access a page directly other than from the initial default page</a:t>
             </a:r>
           </a:p>
           <a:p>
@@ -7020,29 +7017,19 @@
             <a:pPr marL="342900" indent="-342900"/>
             <a:r>
               <a:rPr lang="en-US" b="1" dirty="0" smtClean="0"/>
-              <a:t>What </a:t>
-            </a:r>
-            <a:r>
-              <a:rPr lang="en-US" b="1" dirty="0" smtClean="0"/>
-              <a:t>is the expected output? What do you see instead?</a:t>
+              <a:t>What is the expected output? What do you see instead?</a:t>
             </a:r>
             <a:r>
               <a:rPr lang="en-US" dirty="0" smtClean="0"/>
               <a:t> </a:t>
             </a:r>
-            <a:endParaRPr lang="en-US" dirty="0" smtClean="0"/>
           </a:p>
           <a:p>
             <a:pPr marL="342900" indent="-342900"/>
             <a:r>
               <a:rPr lang="en-US" dirty="0" smtClean="0"/>
-              <a:t>The </a:t>
-            </a:r>
-            <a:r>
-              <a:rPr lang="en-US" dirty="0" smtClean="0"/>
-              <a:t>user should be rerouted to the login page or an access denied page </a:t>
-            </a:r>
-            <a:endParaRPr lang="en-US" dirty="0" smtClean="0"/>
+              <a:t>The user should be rerouted to the login page or an access denied page </a:t>
+            </a:r>
           </a:p>
           <a:p>
             <a:pPr marL="342900" indent="-342900"/>
@@ -7222,7 +7209,6 @@
               <a:rPr lang="en-US" dirty="0" smtClean="0"/>
               <a:t> </a:t>
             </a:r>
-            <a:endParaRPr lang="en-US" dirty="0" smtClean="0"/>
           </a:p>
           <a:p>
             <a:pPr marL="342900" indent="-342900">
@@ -7230,15 +7216,7 @@
             </a:pPr>
             <a:r>
               <a:rPr lang="en-US" dirty="0" smtClean="0"/>
-              <a:t>enter </a:t>
-            </a:r>
-            <a:r>
-              <a:rPr lang="en-US" dirty="0" smtClean="0"/>
-              <a:t>username and password at </a:t>
-            </a:r>
-            <a:r>
-              <a:rPr lang="en-US" dirty="0" smtClean="0"/>
-              <a:t>default.aspx</a:t>
+              <a:t>enter username and password at default.aspx</a:t>
             </a:r>
           </a:p>
           <a:p>
@@ -7247,13 +7225,8 @@
             </a:pPr>
             <a:r>
               <a:rPr lang="en-US" dirty="0" smtClean="0"/>
-              <a:t>click </a:t>
-            </a:r>
-            <a:r>
-              <a:rPr lang="en-US" dirty="0" smtClean="0"/>
-              <a:t>'login' </a:t>
-            </a:r>
-            <a:endParaRPr lang="en-US" dirty="0" smtClean="0"/>
+              <a:t>click 'login' </a:t>
+            </a:r>
           </a:p>
           <a:p>
             <a:pPr marL="342900" indent="-342900"/>
@@ -7263,29 +7236,19 @@
             <a:pPr marL="342900" indent="-342900"/>
             <a:r>
               <a:rPr lang="en-US" b="1" dirty="0" smtClean="0"/>
-              <a:t>What </a:t>
-            </a:r>
-            <a:r>
-              <a:rPr lang="en-US" b="1" dirty="0" smtClean="0"/>
-              <a:t>is the expected output? What do you see instead?</a:t>
+              <a:t>What is the expected output? What do you see instead?</a:t>
             </a:r>
             <a:r>
               <a:rPr lang="en-US" dirty="0" smtClean="0"/>
               <a:t> </a:t>
             </a:r>
-            <a:endParaRPr lang="en-US" dirty="0" smtClean="0"/>
           </a:p>
           <a:p>
             <a:pPr marL="342900" indent="-342900"/>
             <a:r>
               <a:rPr lang="en-US" dirty="0" smtClean="0"/>
-              <a:t>The expected output is a label that says "logged in as (username</a:t>
-            </a:r>
-            <a:r>
-              <a:rPr lang="en-US" dirty="0" smtClean="0"/>
-              <a:t>)."  </a:t>
-            </a:r>
-            <a:endParaRPr lang="en-US" dirty="0" smtClean="0"/>
+              <a:t>The expected output is a label that says "logged in as (username)."  </a:t>
+            </a:r>
           </a:p>
           <a:p>
             <a:pPr marL="342900" indent="-342900"/>
@@ -7480,7 +7443,6 @@
               <a:rPr lang="en-US" dirty="0" smtClean="0"/>
               <a:t> </a:t>
             </a:r>
-            <a:endParaRPr lang="en-US" dirty="0" smtClean="0"/>
           </a:p>
           <a:p>
             <a:pPr marL="342900" indent="-342900">
@@ -7488,15 +7450,7 @@
             </a:pPr>
             <a:r>
               <a:rPr lang="en-US" dirty="0" smtClean="0"/>
-              <a:t>log </a:t>
-            </a:r>
-            <a:r>
-              <a:rPr lang="en-US" dirty="0" smtClean="0"/>
-              <a:t>in with username and </a:t>
-            </a:r>
-            <a:r>
-              <a:rPr lang="en-US" dirty="0" smtClean="0"/>
-              <a:t>password</a:t>
+              <a:t>log in with username and password</a:t>
             </a:r>
           </a:p>
           <a:p>
@@ -7505,15 +7459,7 @@
             </a:pPr>
             <a:r>
               <a:rPr lang="en-US" dirty="0" smtClean="0"/>
-              <a:t>click </a:t>
-            </a:r>
-            <a:r>
-              <a:rPr lang="en-US" dirty="0" smtClean="0"/>
-              <a:t>on the "Messaging" link at the top of the </a:t>
-            </a:r>
-            <a:r>
-              <a:rPr lang="en-US" dirty="0" smtClean="0"/>
-              <a:t>page</a:t>
+              <a:t>click on the "Messaging" link at the top of the page</a:t>
             </a:r>
           </a:p>
           <a:p>
@@ -7524,42 +7470,25 @@
             <a:pPr marL="342900" indent="-342900"/>
             <a:r>
               <a:rPr lang="en-US" b="1" dirty="0" smtClean="0"/>
-              <a:t>What </a:t>
-            </a:r>
-            <a:r>
-              <a:rPr lang="en-US" b="1" dirty="0" smtClean="0"/>
-              <a:t>is the expected output? What do you see instead?</a:t>
+              <a:t>What is the expected output? What do you see instead?</a:t>
             </a:r>
             <a:r>
               <a:rPr lang="en-US" dirty="0" smtClean="0"/>
               <a:t> </a:t>
             </a:r>
-            <a:endParaRPr lang="en-US" dirty="0" smtClean="0"/>
           </a:p>
           <a:p>
             <a:pPr marL="342900" indent="-342900"/>
             <a:r>
               <a:rPr lang="en-US" dirty="0" smtClean="0"/>
-              <a:t>The message link should be displayed as a white rectangle labeled with the </a:t>
-            </a:r>
+              <a:t>The message link should be displayed as a white rectangle labeled with the word</a:t>
+            </a:r>
+          </a:p>
+          <a:p>
+            <a:pPr marL="342900" indent="-342900"/>
             <a:r>
               <a:rPr lang="en-US" dirty="0" smtClean="0"/>
-              <a:t>word</a:t>
-            </a:r>
-          </a:p>
-          <a:p>
-            <a:pPr marL="342900" indent="-342900"/>
-            <a:r>
-              <a:rPr lang="en-US" dirty="0" smtClean="0"/>
-              <a:t>"Messaging</a:t>
-            </a:r>
-            <a:r>
-              <a:rPr lang="en-US" dirty="0" smtClean="0"/>
-              <a:t>." Instead it's just displayed as text</a:t>
-            </a:r>
-            <a:r>
-              <a:rPr lang="en-US" dirty="0" smtClean="0"/>
-              <a:t>.</a:t>
+              <a:t>"Messaging." Instead it's just displayed as text.</a:t>
             </a:r>
           </a:p>
           <a:p>
@@ -7631,13 +7560,13 @@
           <a:bodyPr/>
           <a:lstStyle/>
           <a:p>
-            <a:endParaRPr lang="en-US" dirty="0"/>
+            <a:endParaRPr lang="en-US"/>
           </a:p>
         </p:txBody>
       </p:sp>
       <p:pic>
         <p:nvPicPr>
-          <p:cNvPr id="4" name="Picture 3" descr="auto-tune logo.jpg"/>
+          <p:cNvPr id="3" name="Picture 2" descr="auto-tune logo.jpg"/>
           <p:cNvPicPr>
             <a:picLocks noChangeAspect="1"/>
           </p:cNvPicPr>
@@ -7661,7 +7590,7 @@
       </p:pic>
       <p:pic>
         <p:nvPicPr>
-          <p:cNvPr id="5" name="Picture 4"/>
+          <p:cNvPr id="4" name="Picture 3"/>
           <p:cNvPicPr>
             <a:picLocks noChangeAspect="1" noChangeArrowheads="1"/>
           </p:cNvPicPr>
@@ -7691,128 +7620,6 @@
           </a:ln>
         </p:spPr>
       </p:pic>
-      <p:sp>
-        <p:nvSpPr>
-          <p:cNvPr id="9" name="TextBox 8"/>
-          <p:cNvSpPr txBox="1"/>
-          <p:nvPr/>
-        </p:nvSpPr>
-        <p:spPr>
-          <a:xfrm>
-            <a:off x="457200" y="1676400"/>
-            <a:ext cx="4419600" cy="3416320"/>
-          </a:xfrm>
-          <a:prstGeom prst="rect">
-            <a:avLst/>
-          </a:prstGeom>
-          <a:noFill/>
-        </p:spPr>
-        <p:txBody>
-          <a:bodyPr wrap="square" rtlCol="0">
-            <a:spAutoFit/>
-          </a:bodyPr>
-          <a:lstStyle/>
-          <a:p>
-            <a:pPr lvl="0"/>
-            <a:r>
-              <a:rPr lang="en-US" dirty="0" smtClean="0"/>
-              <a:t>Process for </a:t>
-            </a:r>
-          </a:p>
-          <a:p>
-            <a:pPr lvl="1">
-              <a:buFont typeface="Arial" pitchFamily="34" charset="0"/>
-              <a:buChar char="•"/>
-            </a:pPr>
-            <a:r>
-              <a:rPr lang="en-US" dirty="0" smtClean="0"/>
-              <a:t>Requirements</a:t>
-            </a:r>
-          </a:p>
-          <a:p>
-            <a:pPr lvl="1">
-              <a:buFont typeface="Arial" pitchFamily="34" charset="0"/>
-              <a:buChar char="•"/>
-            </a:pPr>
-            <a:endParaRPr lang="en-US" dirty="0" smtClean="0"/>
-          </a:p>
-          <a:p>
-            <a:pPr lvl="1">
-              <a:buFont typeface="Arial" pitchFamily="34" charset="0"/>
-              <a:buChar char="•"/>
-            </a:pPr>
-            <a:r>
-              <a:rPr lang="en-US" dirty="0" smtClean="0"/>
-              <a:t>Specifications </a:t>
-            </a:r>
-          </a:p>
-          <a:p>
-            <a:pPr lvl="1">
-              <a:buFont typeface="Arial" pitchFamily="34" charset="0"/>
-              <a:buChar char="•"/>
-            </a:pPr>
-            <a:endParaRPr lang="en-US" dirty="0" smtClean="0"/>
-          </a:p>
-          <a:p>
-            <a:pPr lvl="1">
-              <a:buFont typeface="Arial" pitchFamily="34" charset="0"/>
-              <a:buChar char="•"/>
-            </a:pPr>
-            <a:r>
-              <a:rPr lang="en-US" dirty="0" smtClean="0"/>
-              <a:t>Design</a:t>
-            </a:r>
-          </a:p>
-          <a:p>
-            <a:pPr lvl="1">
-              <a:buFont typeface="Arial" pitchFamily="34" charset="0"/>
-              <a:buChar char="•"/>
-            </a:pPr>
-            <a:endParaRPr lang="en-US" dirty="0" smtClean="0"/>
-          </a:p>
-          <a:p>
-            <a:pPr lvl="1">
-              <a:buFont typeface="Arial" pitchFamily="34" charset="0"/>
-              <a:buChar char="•"/>
-            </a:pPr>
-            <a:r>
-              <a:rPr lang="en-US" dirty="0" smtClean="0"/>
-              <a:t>Programming</a:t>
-            </a:r>
-          </a:p>
-          <a:p>
-            <a:pPr lvl="1">
-              <a:buFont typeface="Arial" pitchFamily="34" charset="0"/>
-              <a:buChar char="•"/>
-            </a:pPr>
-            <a:endParaRPr lang="en-US" dirty="0" smtClean="0"/>
-          </a:p>
-          <a:p>
-            <a:pPr lvl="1">
-              <a:buFont typeface="Arial" pitchFamily="34" charset="0"/>
-              <a:buChar char="•"/>
-            </a:pPr>
-            <a:r>
-              <a:rPr lang="en-US" dirty="0" smtClean="0"/>
-              <a:t>testing and integration</a:t>
-            </a:r>
-          </a:p>
-          <a:p>
-            <a:pPr lvl="1">
-              <a:buFont typeface="Arial" pitchFamily="34" charset="0"/>
-              <a:buChar char="•"/>
-            </a:pPr>
-            <a:endParaRPr lang="en-US" dirty="0" smtClean="0"/>
-          </a:p>
-          <a:p>
-            <a:pPr>
-              <a:buFont typeface="Arial" pitchFamily="34" charset="0"/>
-              <a:buChar char="•"/>
-            </a:pPr>
-            <a:endParaRPr lang="en-US" dirty="0"/>
-          </a:p>
-        </p:txBody>
-      </p:sp>
     </p:spTree>
   </p:cSld>
   <p:clrMapOvr>
@@ -7853,7 +7660,7 @@
           <a:bodyPr/>
           <a:lstStyle/>
           <a:p>
-            <a:endParaRPr lang="en-US" dirty="0"/>
+            <a:endParaRPr lang="en-US"/>
           </a:p>
         </p:txBody>
       </p:sp>
@@ -8021,206 +7828,6 @@
 </p:sld>
 </file>
 
-<file path=ppt/slides/slide17.xml><?xml version="1.0" encoding="utf-8"?>
-<p:sld xmlns:a="http://schemas.openxmlformats.org/drawingml/2006/main" xmlns:r="http://schemas.openxmlformats.org/officeDocument/2006/relationships" xmlns:p="http://schemas.openxmlformats.org/presentationml/2006/main">
-  <p:cSld>
-    <p:spTree>
-      <p:nvGrpSpPr>
-        <p:cNvPr id="1" name=""/>
-        <p:cNvGrpSpPr/>
-        <p:nvPr/>
-      </p:nvGrpSpPr>
-      <p:grpSpPr>
-        <a:xfrm>
-          <a:off x="0" y="0"/>
-          <a:ext cx="0" cy="0"/>
-          <a:chOff x="0" y="0"/>
-          <a:chExt cx="0" cy="0"/>
-        </a:xfrm>
-      </p:grpSpPr>
-      <p:sp>
-        <p:nvSpPr>
-          <p:cNvPr id="2" name="Title 1"/>
-          <p:cNvSpPr>
-            <a:spLocks noGrp="1"/>
-          </p:cNvSpPr>
-          <p:nvPr>
-            <p:ph type="title"/>
-          </p:nvPr>
-        </p:nvSpPr>
-        <p:spPr/>
-        <p:txBody>
-          <a:bodyPr/>
-          <a:lstStyle/>
-          <a:p>
-            <a:endParaRPr lang="en-US"/>
-          </a:p>
-        </p:txBody>
-      </p:sp>
-      <p:pic>
-        <p:nvPicPr>
-          <p:cNvPr id="3" name="Picture 2" descr="auto-tune logo.jpg"/>
-          <p:cNvPicPr>
-            <a:picLocks noChangeAspect="1"/>
-          </p:cNvPicPr>
-          <p:nvPr/>
-        </p:nvPicPr>
-        <p:blipFill>
-          <a:blip r:embed="rId2" cstate="print"/>
-          <a:stretch>
-            <a:fillRect/>
-          </a:stretch>
-        </p:blipFill>
-        <p:spPr>
-          <a:xfrm>
-            <a:off x="4953000" y="5388772"/>
-            <a:ext cx="4191000" cy="1469228"/>
-          </a:xfrm>
-          <a:prstGeom prst="rect">
-            <a:avLst/>
-          </a:prstGeom>
-        </p:spPr>
-      </p:pic>
-      <p:pic>
-        <p:nvPicPr>
-          <p:cNvPr id="4" name="Picture 3"/>
-          <p:cNvPicPr>
-            <a:picLocks noChangeAspect="1" noChangeArrowheads="1"/>
-          </p:cNvPicPr>
-          <p:nvPr/>
-        </p:nvPicPr>
-        <p:blipFill>
-          <a:blip r:embed="rId3" cstate="print"/>
-          <a:srcRect/>
-          <a:stretch>
-            <a:fillRect/>
-          </a:stretch>
-        </p:blipFill>
-        <p:spPr bwMode="auto">
-          <a:xfrm>
-            <a:off x="-9526" y="0"/>
-            <a:ext cx="9153526" cy="657225"/>
-          </a:xfrm>
-          <a:prstGeom prst="rect">
-            <a:avLst/>
-          </a:prstGeom>
-          <a:noFill/>
-          <a:ln w="9525">
-            <a:noFill/>
-            <a:miter lim="800000"/>
-            <a:headEnd/>
-            <a:tailEnd/>
-          </a:ln>
-        </p:spPr>
-      </p:pic>
-    </p:spTree>
-  </p:cSld>
-  <p:clrMapOvr>
-    <a:masterClrMapping/>
-  </p:clrMapOvr>
-</p:sld>
-</file>
-
-<file path=ppt/slides/slide18.xml><?xml version="1.0" encoding="utf-8"?>
-<p:sld xmlns:a="http://schemas.openxmlformats.org/drawingml/2006/main" xmlns:r="http://schemas.openxmlformats.org/officeDocument/2006/relationships" xmlns:p="http://schemas.openxmlformats.org/presentationml/2006/main">
-  <p:cSld>
-    <p:spTree>
-      <p:nvGrpSpPr>
-        <p:cNvPr id="1" name=""/>
-        <p:cNvGrpSpPr/>
-        <p:nvPr/>
-      </p:nvGrpSpPr>
-      <p:grpSpPr>
-        <a:xfrm>
-          <a:off x="0" y="0"/>
-          <a:ext cx="0" cy="0"/>
-          <a:chOff x="0" y="0"/>
-          <a:chExt cx="0" cy="0"/>
-        </a:xfrm>
-      </p:grpSpPr>
-      <p:sp>
-        <p:nvSpPr>
-          <p:cNvPr id="2" name="Title 1"/>
-          <p:cNvSpPr>
-            <a:spLocks noGrp="1"/>
-          </p:cNvSpPr>
-          <p:nvPr>
-            <p:ph type="title"/>
-          </p:nvPr>
-        </p:nvSpPr>
-        <p:spPr/>
-        <p:txBody>
-          <a:bodyPr/>
-          <a:lstStyle/>
-          <a:p>
-            <a:endParaRPr lang="en-US"/>
-          </a:p>
-        </p:txBody>
-      </p:sp>
-      <p:pic>
-        <p:nvPicPr>
-          <p:cNvPr id="3" name="Picture 2" descr="auto-tune logo.jpg"/>
-          <p:cNvPicPr>
-            <a:picLocks noChangeAspect="1"/>
-          </p:cNvPicPr>
-          <p:nvPr/>
-        </p:nvPicPr>
-        <p:blipFill>
-          <a:blip r:embed="rId2" cstate="print"/>
-          <a:stretch>
-            <a:fillRect/>
-          </a:stretch>
-        </p:blipFill>
-        <p:spPr>
-          <a:xfrm>
-            <a:off x="4953000" y="5388772"/>
-            <a:ext cx="4191000" cy="1469228"/>
-          </a:xfrm>
-          <a:prstGeom prst="rect">
-            <a:avLst/>
-          </a:prstGeom>
-        </p:spPr>
-      </p:pic>
-      <p:pic>
-        <p:nvPicPr>
-          <p:cNvPr id="4" name="Picture 3"/>
-          <p:cNvPicPr>
-            <a:picLocks noChangeAspect="1" noChangeArrowheads="1"/>
-          </p:cNvPicPr>
-          <p:nvPr/>
-        </p:nvPicPr>
-        <p:blipFill>
-          <a:blip r:embed="rId3" cstate="print"/>
-          <a:srcRect/>
-          <a:stretch>
-            <a:fillRect/>
-          </a:stretch>
-        </p:blipFill>
-        <p:spPr bwMode="auto">
-          <a:xfrm>
-            <a:off x="-9526" y="0"/>
-            <a:ext cx="9153526" cy="657225"/>
-          </a:xfrm>
-          <a:prstGeom prst="rect">
-            <a:avLst/>
-          </a:prstGeom>
-          <a:noFill/>
-          <a:ln w="9525">
-            <a:noFill/>
-            <a:miter lim="800000"/>
-            <a:headEnd/>
-            <a:tailEnd/>
-          </a:ln>
-        </p:spPr>
-      </p:pic>
-    </p:spTree>
-  </p:cSld>
-  <p:clrMapOvr>
-    <a:masterClrMapping/>
-  </p:clrMapOvr>
-</p:sld>
-</file>
-
 <file path=ppt/slides/slide2.xml><?xml version="1.0" encoding="utf-8"?>
 <p:sld xmlns:a="http://schemas.openxmlformats.org/drawingml/2006/main" xmlns:r="http://schemas.openxmlformats.org/officeDocument/2006/relationships" xmlns:p="http://schemas.openxmlformats.org/presentationml/2006/main">
   <p:cSld>
@@ -8321,7 +7928,13 @@
         <p:nvGraphicFramePr>
           <p:cNvPr id="7" name="Diagram 6"/>
           <p:cNvGraphicFramePr/>
-          <p:nvPr/>
+          <p:nvPr>
+            <p:extLst>
+              <p:ext uri="{D42A27DB-BD31-4B8C-83A1-F6EECF244321}">
+                <p14:modId xmlns:p14="http://schemas.microsoft.com/office/powerpoint/2010/main" val="2105904815"/>
+              </p:ext>
+            </p:extLst>
+          </p:nvPr>
         </p:nvGraphicFramePr>
         <p:xfrm>
           <a:off x="1524000" y="1397000"/>
@@ -9826,7 +9439,6 @@
               <a:rPr lang="en-US" dirty="0" smtClean="0"/>
               <a:t>Extensive testing period planned for final phase rather than per-unit testing as new portions were integrated</a:t>
             </a:r>
-            <a:endParaRPr lang="en-US" dirty="0" smtClean="0"/>
           </a:p>
         </p:txBody>
       </p:sp>
@@ -9879,34 +9491,34 @@
         <a:sysClr val="window" lastClr="FFFFFF"/>
       </a:lt1>
       <a:dk2>
-        <a:srgbClr val="1F497D"/>
+        <a:srgbClr xmlns:mc="http://schemas.openxmlformats.org/markup-compatibility/2006" xmlns:a14="http://schemas.microsoft.com/office/drawing/2010/main" val="1F497D" mc:Ignorable=""/>
       </a:dk2>
       <a:lt2>
-        <a:srgbClr val="EEECE1"/>
+        <a:srgbClr xmlns:mc="http://schemas.openxmlformats.org/markup-compatibility/2006" xmlns:a14="http://schemas.microsoft.com/office/drawing/2010/main" val="EEECE1" mc:Ignorable=""/>
       </a:lt2>
       <a:accent1>
-        <a:srgbClr val="4F81BD"/>
+        <a:srgbClr xmlns:mc="http://schemas.openxmlformats.org/markup-compatibility/2006" xmlns:a14="http://schemas.microsoft.com/office/drawing/2010/main" val="4F81BD" mc:Ignorable=""/>
       </a:accent1>
       <a:accent2>
-        <a:srgbClr val="C0504D"/>
+        <a:srgbClr xmlns:mc="http://schemas.openxmlformats.org/markup-compatibility/2006" xmlns:a14="http://schemas.microsoft.com/office/drawing/2010/main" val="C0504D" mc:Ignorable=""/>
       </a:accent2>
       <a:accent3>
-        <a:srgbClr val="9BBB59"/>
+        <a:srgbClr xmlns:mc="http://schemas.openxmlformats.org/markup-compatibility/2006" xmlns:a14="http://schemas.microsoft.com/office/drawing/2010/main" val="9BBB59" mc:Ignorable=""/>
       </a:accent3>
       <a:accent4>
-        <a:srgbClr val="8064A2"/>
+        <a:srgbClr xmlns:mc="http://schemas.openxmlformats.org/markup-compatibility/2006" xmlns:a14="http://schemas.microsoft.com/office/drawing/2010/main" val="8064A2" mc:Ignorable=""/>
       </a:accent4>
       <a:accent5>
-        <a:srgbClr val="4BACC6"/>
+        <a:srgbClr xmlns:mc="http://schemas.openxmlformats.org/markup-compatibility/2006" xmlns:a14="http://schemas.microsoft.com/office/drawing/2010/main" val="4BACC6" mc:Ignorable=""/>
       </a:accent5>
       <a:accent6>
-        <a:srgbClr val="F79646"/>
+        <a:srgbClr xmlns:mc="http://schemas.openxmlformats.org/markup-compatibility/2006" xmlns:a14="http://schemas.microsoft.com/office/drawing/2010/main" val="F79646" mc:Ignorable=""/>
       </a:accent6>
       <a:hlink>
-        <a:srgbClr val="0000FF"/>
+        <a:srgbClr xmlns:mc="http://schemas.openxmlformats.org/markup-compatibility/2006" xmlns:a14="http://schemas.microsoft.com/office/drawing/2010/main" val="0000FF" mc:Ignorable=""/>
       </a:hlink>
       <a:folHlink>
-        <a:srgbClr val="800080"/>
+        <a:srgbClr xmlns:mc="http://schemas.openxmlformats.org/markup-compatibility/2006" xmlns:a14="http://schemas.microsoft.com/office/drawing/2010/main" val="800080" mc:Ignorable=""/>
       </a:folHlink>
     </a:clrScheme>
     <a:fontScheme name="Office">
@@ -10058,7 +9670,7 @@
         <a:effectStyle>
           <a:effectLst>
             <a:outerShdw blurRad="40000" dist="20000" dir="5400000" rotWithShape="0">
-              <a:srgbClr val="000000">
+              <a:srgbClr xmlns:mc="http://schemas.openxmlformats.org/markup-compatibility/2006" xmlns:a14="http://schemas.microsoft.com/office/drawing/2010/main" val="000000" mc:Ignorable="">
                 <a:alpha val="38000"/>
               </a:srgbClr>
             </a:outerShdw>
@@ -10067,7 +9679,7 @@
         <a:effectStyle>
           <a:effectLst>
             <a:outerShdw blurRad="40000" dist="23000" dir="5400000" rotWithShape="0">
-              <a:srgbClr val="000000">
+              <a:srgbClr xmlns:mc="http://schemas.openxmlformats.org/markup-compatibility/2006" xmlns:a14="http://schemas.microsoft.com/office/drawing/2010/main" val="000000" mc:Ignorable="">
                 <a:alpha val="35000"/>
               </a:srgbClr>
             </a:outerShdw>
@@ -10076,7 +9688,7 @@
         <a:effectStyle>
           <a:effectLst>
             <a:outerShdw blurRad="40000" dist="23000" dir="5400000" rotWithShape="0">
-              <a:srgbClr val="000000">
+              <a:srgbClr xmlns:mc="http://schemas.openxmlformats.org/markup-compatibility/2006" xmlns:a14="http://schemas.microsoft.com/office/drawing/2010/main" val="000000" mc:Ignorable="">
                 <a:alpha val="35000"/>
               </a:srgbClr>
             </a:outerShdw>
